--- a/Slides/Clase_6_2020.pptx
+++ b/Slides/Clase_6_2020.pptx
@@ -5,7 +5,7 @@
     <p:sldMasterId id="2147483657" r:id="rId1"/>
   </p:sldMasterIdLst>
   <p:notesMasterIdLst>
-    <p:notesMasterId r:id="rId35"/>
+    <p:notesMasterId r:id="rId47"/>
   </p:notesMasterIdLst>
   <p:sldIdLst>
     <p:sldId id="256" r:id="rId2"/>
@@ -40,31 +40,43 @@
     <p:sldId id="529" r:id="rId31"/>
     <p:sldId id="530" r:id="rId32"/>
     <p:sldId id="531" r:id="rId33"/>
-    <p:sldId id="371" r:id="rId34"/>
+    <p:sldId id="554" r:id="rId34"/>
+    <p:sldId id="556" r:id="rId35"/>
+    <p:sldId id="555" r:id="rId36"/>
+    <p:sldId id="558" r:id="rId37"/>
+    <p:sldId id="560" r:id="rId38"/>
+    <p:sldId id="562" r:id="rId39"/>
+    <p:sldId id="564" r:id="rId40"/>
+    <p:sldId id="567" r:id="rId41"/>
+    <p:sldId id="568" r:id="rId42"/>
+    <p:sldId id="570" r:id="rId43"/>
+    <p:sldId id="571" r:id="rId44"/>
+    <p:sldId id="573" r:id="rId45"/>
+    <p:sldId id="371" r:id="rId46"/>
   </p:sldIdLst>
   <p:sldSz cx="9144000" cy="5143500" type="screen16x9"/>
   <p:notesSz cx="6858000" cy="9144000"/>
   <p:embeddedFontLst>
     <p:embeddedFont>
       <p:font typeface="Arvo" panose="020B0604020202020204" charset="0"/>
-      <p:regular r:id="rId36"/>
-      <p:bold r:id="rId37"/>
-      <p:italic r:id="rId38"/>
-      <p:boldItalic r:id="rId39"/>
+      <p:regular r:id="rId48"/>
+      <p:bold r:id="rId49"/>
+      <p:italic r:id="rId50"/>
+      <p:boldItalic r:id="rId51"/>
     </p:embeddedFont>
     <p:embeddedFont>
       <p:font typeface="Roboto Condensed" panose="020B0604020202020204" charset="0"/>
-      <p:regular r:id="rId40"/>
-      <p:bold r:id="rId41"/>
-      <p:italic r:id="rId42"/>
-      <p:boldItalic r:id="rId43"/>
+      <p:regular r:id="rId52"/>
+      <p:bold r:id="rId53"/>
+      <p:italic r:id="rId54"/>
+      <p:boldItalic r:id="rId55"/>
     </p:embeddedFont>
     <p:embeddedFont>
       <p:font typeface="Roboto Condensed Light" panose="020B0604020202020204" charset="0"/>
-      <p:regular r:id="rId44"/>
-      <p:bold r:id="rId45"/>
-      <p:italic r:id="rId46"/>
-      <p:boldItalic r:id="rId47"/>
+      <p:regular r:id="rId56"/>
+      <p:bold r:id="rId57"/>
+      <p:italic r:id="rId58"/>
+      <p:boldItalic r:id="rId59"/>
     </p:embeddedFont>
   </p:embeddedFontLst>
   <p:defaultTextStyle>
@@ -6286,6 +6298,325 @@
 </inkml:ink>
 </file>
 
+<file path=ppt/ink/ink10.xml><?xml version="1.0" encoding="utf-8"?>
+<inkml:ink xmlns:inkml="http://www.w3.org/2003/InkML">
+  <inkml:definitions>
+    <inkml:context xml:id="ctx0">
+      <inkml:inkSource xml:id="inkSrc0">
+        <inkml:traceFormat>
+          <inkml:channel name="X" type="integer" max="3360" units="cm"/>
+          <inkml:channel name="Y" type="integer" max="1872" units="cm"/>
+          <inkml:channel name="T" type="integer" max="2.14748E9" units="dev"/>
+        </inkml:traceFormat>
+        <inkml:channelProperties>
+          <inkml:channelProperty channel="X" name="resolution" value="114.28571" units="1/cm"/>
+          <inkml:channelProperty channel="Y" name="resolution" value="112.77109" units="1/cm"/>
+          <inkml:channelProperty channel="T" name="resolution" value="1" units="1/dev"/>
+        </inkml:channelProperties>
+      </inkml:inkSource>
+      <inkml:timestamp xml:id="ts0" timeString="2020-09-15T17:49:36.824"/>
+    </inkml:context>
+    <inkml:brush xml:id="br0">
+      <inkml:brushProperty name="width" value="0.05292" units="cm"/>
+      <inkml:brushProperty name="height" value="0.05292" units="cm"/>
+      <inkml:brushProperty name="color" value="#FF0000"/>
+    </inkml:brush>
+  </inkml:definitions>
+  <inkml:trace contextRef="#ctx0" brushRef="#br0">13774 4984 0,'0'0'0,"0"0"0,0 0 0,-8 0 0,-165-46 0,135 38 16,-30-7-16,22 8 16,1-1-1,7 8-15,8 8 16,0-8-16,-1 0 16,1 0-16,0 0 15,-46 7 1,8 8-16,15 1 15,16-1-15,-1 0 16,-8 0 0,-6 1-16,6-9 15,-7 16-15,0 0 16,8 0-16,7 0 16,0-8-1,1 0-15,6 8 16,1-7-16,0 7 15,7-8 1,1 0-16,-1 8 16,0-8-16,8 0 15,0 1-15,7-1 16,1-7 0,-1 7-16,8 8 15,0 0-15,8 0 16,-1 30-16,1-38 15,7 8 1,0 8-16,8-8 16,7 7-16,0-7 15,1 0 1,-1-8-16,15 16 16,-7-1-16,0-14 15,15 14-15,-8 1 16,0-1-1,1 1-15,14-1 16,39-7-16,-39-8 16,-7 1-1,0-1-15,0 0 16,7 8-16,61 0 16,-38-15-16,-7-1 15,15 1 1,15-1-16,-8 1 15,-7-8-15,14 0 16,1-15 0,-30 15-16,30 7 15,-1-7-15,1 0 16,0 0-16,8 0 16,-9-7-1,-21-1-15,14-7 16,8 7-16,-1-15 15,1 23 1,-15-15-16,0-8 16,-8 16-16,0-9 15,-7 1-15,7-8 16,0 0 0,0 8-16,8-8 15,-8 8-15,0-23 16,-22 30-16,-8 0 15,-1 1 1,9-1-16,-8 1 16,0-9-16,-15 1 15,-8 0 1,0 7-16,0-7 16,1 0-16,-1-16 15,-8-7 1,1-16-16,-15 24 15,-1-8-15,-7 7 16,0 1-16,-7-1 16,-8-7-1,-8 7-15,-7-30 16,-1 16-16,-14-9 16,-8 16-1,0 0-15,8 7 16,-16-7-16,8 8 15,-7-1 1,0 1-16,-1-1 16,-7 1-16,0-1 15,-8 8-15,1 8 16,-1 0-16,-22-1 16,-15 1-1,7 0-15,0 0 16,0-1-16,0 24 15,31-8 1,-9 8-16,-21-1 16,14-7-16,-15 8 15,0-1 1,0 1-16,0 0 16,16-1-16,-16-7 15,8 16-15,7-16 16,0 7-1,8 1-15,7-1 16,8 1-16,0 0 16,0-1-1,-37 16-15,36 0 16,9 8-16,-8 30 16,68-61-16</inkml:trace>
+  <inkml:trace contextRef="#ctx0" brushRef="#br0" timeOffset="7029.89">20109 3747 0,'0'0'0,"0"0"15,0 0-15,0 0 16,0 0 0,0 0-16,0 0 15,0 0-15,-15 0 16,-8 0-16,-7 0 16,-15 16-1,-16 7-15,-7-1 16,0 1-16,-15 8 15,-8 7 1,8 0-16,23-7 16,-8 15-16,0-1 15,7-14 1,-7-1-16,15-7 16,8 0-16,7-8 15,0 1-15,0-1 16,1 0-1,-1 1-15,8-1 16,-1 0-16,-6 0 16,6-7-16,1 0 15,0-1 1,7 1-16,0-1 16,8 1-16,0 0 15,0-1 1,8 1-16,-1-8 15,8 0-15,0 0 16,0 0-16,0 0 16,0 0-1,0 0-15,0-8 16,0 1-16,0-9 16,0 1-1,0 0-15,0 7 16,8-7-16,-1 7 15,1 1 1,-8 7-16,0 0 16,0 0-16,0 0 15,0 0-15,0 0 16,0 23 0,0 7-16,0 8 15,0-15-15,0 0 16,0-8-16,0 1 15,0-1 1,0 0-16,0 0 16,0-7-1,0 0-15,7-1 16,1 1-16,-1 0 16,1-1-16,7-7 15,0 0-15,-7 0 16,7-7-1,-8 7-15,-7 0 16,0 0-16,8-8 16,-8 8-1,0 0-15,0-8 16,0 1-16,-8-1 16,-7-7-16,0 15 15,0 0 1,15 0-16</inkml:trace>
+</inkml:ink>
+</file>
+
+<file path=ppt/ink/ink11.xml><?xml version="1.0" encoding="utf-8"?>
+<inkml:ink xmlns:inkml="http://www.w3.org/2003/InkML">
+  <inkml:definitions>
+    <inkml:context xml:id="ctx0">
+      <inkml:inkSource xml:id="inkSrc0">
+        <inkml:traceFormat>
+          <inkml:channel name="X" type="integer" max="3360" units="cm"/>
+          <inkml:channel name="Y" type="integer" max="1872" units="cm"/>
+          <inkml:channel name="T" type="integer" max="2.14748E9" units="dev"/>
+        </inkml:traceFormat>
+        <inkml:channelProperties>
+          <inkml:channelProperty channel="X" name="resolution" value="114.28571" units="1/cm"/>
+          <inkml:channelProperty channel="Y" name="resolution" value="112.77109" units="1/cm"/>
+          <inkml:channelProperty channel="T" name="resolution" value="1" units="1/dev"/>
+        </inkml:channelProperties>
+      </inkml:inkSource>
+      <inkml:timestamp xml:id="ts0" timeString="2020-09-15T17:50:02.605"/>
+    </inkml:context>
+    <inkml:brush xml:id="br0">
+      <inkml:brushProperty name="width" value="0.05292" units="cm"/>
+      <inkml:brushProperty name="height" value="0.05292" units="cm"/>
+      <inkml:brushProperty name="color" value="#FF0000"/>
+    </inkml:brush>
+  </inkml:definitions>
+  <inkml:trace contextRef="#ctx0" brushRef="#br0">14341 5152 0,'0'0'16,"0"0"-1,0 0-15,0 0 16,0 0-16,8 15 15,-8 0-15,7 1 16,1 6 0,-1 1-16,1 0 15,-1 23-15,1 7 16,-8 1 0,7-8-16,-7-1 15,0-6-15,0-16 16,8-1-1,0 1-15,-8-7 16,0-1-16,0-8 16,0 1-16,0 0 15,0-8 1,0 0-16,7 7 16,1 1-16,-8-8 15,7 8 1,1-1-16,7 1 15,0 0-15,8-1 16,-1-7-16,1 0 16,7 0-1,-7 0-15,0 0 16,-1-7-16,1-1 16,0 0-16,-1 1 15,-6-1 1,-1 0-16,0 1 15,7-9 1,1 1-16,0-8 16,-8-7-16,0 7 15,-7 0-15,-1-8 16,1 9-16,-1-1 16,1 7-1,-8-6-15,0-1 16,0 0-16,0 0 15,0 0 1,0-8-16,0 8 16,0 1-16,0-1 15,0 0-15,0 8 16,0-1 0,0 9-16,0-9 15,0 1-15,0 0 16,0 0-1,0-1-15,0 9 16,0 7-16,0 0 16,0 0-1,0-8-15,0 8 16,0 0-16,0 0 16,0 0-16,-8-15 15,1 7 1,-1 1-16,-7-1 15,0 0-15,0 1 16,-8-1-16,0 8 16,-14-8-1,-1 8-15,-23 0 16,-14 8-16,-39 30 16,39 0-1,-8 0-15,-1-7 16,84-31-16</inkml:trace>
+  <inkml:trace contextRef="#ctx0" brushRef="#br0" timeOffset="24280.32">11703 6663 0,'0'0'0,"7"-15"15,8-8 1,23-31-16,23 1 16,14-16-16,8 1 15,-7-16-15,0-8 16,7 8 0,0 8-16,-15 7 15,-8 8-15,-14 23 16,-1 7-1,-7 16-15,-8 0 16,-30 15-16</inkml:trace>
+  <inkml:trace contextRef="#ctx0" brushRef="#br0" timeOffset="24673.88">11415 6800 0,'0'0'16,"0"0"-16,0 0 15,8 0 1,22-7-16,31-16 16,7-8-16,-23 1 15,-7 7 1,-16 8-16,-6-1 16,-9 9-16,1-1 15,-8 8-15,0 0 16,0 0-1,0 0-15,0 0 16,0 0-16,-15 0 16,15 0-16</inkml:trace>
+  <inkml:trace contextRef="#ctx0" brushRef="#br0" timeOffset="25566.92">6312 6861 0,'0'0'15,"0"0"-15,0 0 16,8-15-16,0 0 15,7 0 1,15-16-16,23-30 16,30-15-16,8-8 15,-8 23 1,15-16-16,0 1 16,-22 15-16,-31 15 15,8-7-15,15 15 16,-7-1-1,-1 1-15,-14 8 16,-9-1-16,-6 1 16,-1-1-16,0 1 15,-30 30 1</inkml:trace>
+  <inkml:trace contextRef="#ctx0" brushRef="#br0" timeOffset="26204.51">6131 7037 0,'0'0'15,"0"0"-15,0 0 16,0 0-1,8 0-15,7-8 16,15-15-16,0-7 16,0-1-1,-7 1-15,0-8 16,-8 15-16,-8-8 16,1 16-16,0 0 15,-1-1 1,-7 9-16,0 7 15,0 0-15,0 0 16,0 0-16,8 15 16,-1 8-1,1 0-15,-1-8 16,1-7-16,-8-8 16,0 0-16,7-8 15,1-7 1,7-16-16,8-14 15,-8-1-15,-7-8 16,-8 24-16,0 14 16,-8-14-1,0 38-15,-14 37 16,22-45 0</inkml:trace>
+</inkml:ink>
+</file>
+
+<file path=ppt/ink/ink12.xml><?xml version="1.0" encoding="utf-8"?>
+<inkml:ink xmlns:inkml="http://www.w3.org/2003/InkML">
+  <inkml:definitions>
+    <inkml:context xml:id="ctx0">
+      <inkml:inkSource xml:id="inkSrc0">
+        <inkml:traceFormat>
+          <inkml:channel name="X" type="integer" max="3360" units="cm"/>
+          <inkml:channel name="Y" type="integer" max="1872" units="cm"/>
+          <inkml:channel name="T" type="integer" max="2.14748E9" units="dev"/>
+        </inkml:traceFormat>
+        <inkml:channelProperties>
+          <inkml:channelProperty channel="X" name="resolution" value="114.28571" units="1/cm"/>
+          <inkml:channelProperty channel="Y" name="resolution" value="112.77109" units="1/cm"/>
+          <inkml:channelProperty channel="T" name="resolution" value="1" units="1/dev"/>
+        </inkml:channelProperties>
+      </inkml:inkSource>
+      <inkml:timestamp xml:id="ts0" timeString="2020-09-15T17:51:03.800"/>
+    </inkml:context>
+    <inkml:brush xml:id="br0">
+      <inkml:brushProperty name="width" value="0.05292" units="cm"/>
+      <inkml:brushProperty name="height" value="0.05292" units="cm"/>
+      <inkml:brushProperty name="color" value="#FF0000"/>
+    </inkml:brush>
+  </inkml:definitions>
+  <inkml:trace contextRef="#ctx0" brushRef="#br0">9639 5472 0,'0'0'0,"0"0"15,0 0-15,-15-15 0,0 15 16,-1 0-16,-6 0 16,-9 0-16,-6 0 15,6 0 1,-6 8-16,-1-1 16,8 1-16,-1 0 15,1-1 1,-8 1-16,-7-1 15,0 1-15,-1 0 16,8-1-16,1 1 16,-1 7-1,0 1-15,8-9 16,0 1-16,-1-1 16,1 1-1,0 0-15,0-1 16,7 1-16,0 0 15,1 7-15,-1 0 16,-7-7 0,7 7-16,0 0 15,8 1-15,0-1 16,0 0-16,0 0 16,7 1-1,1-1-15,-1 0 16,8 0-16,-7 8 15,7-7 1,0 6-16,0-6 16,0 7-16,7-8 15,1 0-15,7 8 16,0 0 0,8 0-16,14 7 15,16 1-15,0-8 16,8 0-16,14 0 15,1-1 1,15 1-16,-23-7 16,0-1-16,22 0 15,16 0 1,0 1-16,0-1 16,7 0-16,-7 0 15,-15-7-15,30 0 16,15 7-1,-15 0-15,23-7 16,-31 0-16,0-1 16,39 8-1,-16-15-15,15 16 16,-8-9-16,-22 1 16,46 7-16,-9-7 15,24-1 1,-54-7-16,39 8 15,-8 7-15,30-7 16,-23 0-16,-38-1 16,76 1-1,-98 0-15,106 7 16,-84 0-16,16 0 16,7 1-16,-22 6 15,37-6 1,-45 22-16,8-23 15,37 16-15,-45-31 16,23 15 0,-8-7-16,-46-1 15,54 1-15,0-8 16,-8 0 0,7 0-16,-37 0 15,0 0-15,15 0 16,-15-8-1,0 1-15,-8-9 16,-7 1-16,-23 0 16,-23 0-16,15-8 15,1 0 1,15-8-16,-8 1 16,-8 7-16,8-15 15,-7 7-15,-16 1 16,-7 7-1,-8 0-15,-7 8 16,-8-1-16,0-7 16,0-7-1,-7-1-15,-1 8 16,1-15-16,-1 8 16,-7-1-16,0-7 15,-7 8 1,-1-9-16,-7 1 15,-8-8-15,-7-7 16,0 7 0,-15 0-16,-1 1 15,-22-1-15,-15-8 16,7 1-16,1 0 16,-31-9-1,-23 9-15,8 15 16,-37 7-16,44 8 15,-60-7 1,-7 7-16,-31 0 16,54 15-16,-62-14 15,9-1-15,-31 0 16,83 15 0,-53-7-16,-7-16 15,23-14-15,-77 52 16,152-14-1,-128-16-15,90 15 16,-45-15-16,8 8 16,7 7-16,22-7 15,-29 7 1,-16-30-16,38 61 16,-22-8-16,7 1 15,0-1 1,45 0-16,-22 16 15,-8-1-15,7 1 16,-29 22-16,45-7 16,-129 23-1,8 15-15,136-46 16</inkml:trace>
+</inkml:ink>
+</file>
+
+<file path=ppt/ink/ink13.xml><?xml version="1.0" encoding="utf-8"?>
+<inkml:ink xmlns:inkml="http://www.w3.org/2003/InkML">
+  <inkml:definitions>
+    <inkml:context xml:id="ctx0">
+      <inkml:inkSource xml:id="inkSrc0">
+        <inkml:traceFormat>
+          <inkml:channel name="X" type="integer" max="3360" units="cm"/>
+          <inkml:channel name="Y" type="integer" max="1872" units="cm"/>
+          <inkml:channel name="T" type="integer" max="2.14748E9" units="dev"/>
+        </inkml:traceFormat>
+        <inkml:channelProperties>
+          <inkml:channelProperty channel="X" name="resolution" value="114.28571" units="1/cm"/>
+          <inkml:channelProperty channel="Y" name="resolution" value="112.77109" units="1/cm"/>
+          <inkml:channelProperty channel="T" name="resolution" value="1" units="1/dev"/>
+        </inkml:channelProperties>
+      </inkml:inkSource>
+      <inkml:timestamp xml:id="ts0" timeString="2020-09-15T17:51:29.262"/>
+    </inkml:context>
+    <inkml:brush xml:id="br0">
+      <inkml:brushProperty name="width" value="0.05292" units="cm"/>
+      <inkml:brushProperty name="height" value="0.05292" units="cm"/>
+      <inkml:brushProperty name="color" value="#FF0000"/>
+    </inkml:brush>
+  </inkml:definitions>
+  <inkml:trace contextRef="#ctx0" brushRef="#br0">11468 8907 0,'0'0'16,"0"0"-16,0 0 16,0 0-1,0 0-15,0 0 16,-7-8-16,-8 1 15,-8-9-15,0 1 16,-15 0 0,-15-8-16,1 8 15,-9-1-15,8 9 16,0-1-16,-15 0 16,0 1-1,15 7-15,0 7 16,16 1-16,-9-8 15,-22 8 1,0-1-16,0 1 16,8 0-16,7-1 15,7 1-15,1-1 16,0 1 0,7 0-16,0-1 15,0 9-15,0-9 16,8 1-16,0 7 15,7-7 1,1 7-16,-1 0 16,-7 8-16,-1 0 15,-6 8 1,-9-1-16,8 1 16,8-1-16,0-7 15,0 8-15,7-8 16,8-1-1,0 1-15,0 0 16,0 0-16,-1 0 16,1 15-16,0 8 15,0 0 1,8-8-16,-1 8 16,8-8-16,0 0 15,0 0 1,8 0-16,-1 1 15,1 6-15,7 1 16,0 0-16,0-16 16,8 9-1,-1-9-15,1 1 16,7-1-16,1 8 16,-1 1-1,0 6-15,0 1 16,0 0-16,1-8 15,7-7-15,22 7 16,0-8 0,9 1-16,-9-8 15,0 0-15,16 7 16,7-7-16,-7 8 16,-16-9-1,16 1-15,0 0 16,-1-7-16,1-1 15,-8-15 1,0 0-16,15-8 16,0 1-16,-15-9 15,-7 1-15,14 0 16,8-8 0,-7 0-16,0-8 15,-8-7-15,-8 8 16,-7-8-16,0-16 15,-8 1 1,-7 7-16,-8 8 16,-7 0-16,0-8 15,-8 8 1,0-16-16,0-14 16,-15 6-16,0 1 15,-8-7-15,-7-9 16,-7-14-1,-1 14-15,0 9 16,-7 7-16,-8 0 16,0-8-16,1 8 15,-16-15 1,0 30-16,-15-8 16,-15 9-16,7-9 15,-30 1 1,-22 7-16,14 23 15,-37 23-15,45 15 16,106-15-16</inkml:trace>
+  <inkml:trace contextRef="#ctx0" brushRef="#br0" timeOffset="2515.02">18877 8311 0,'0'0'0,"-15"-7"16,-8-8-16,-7-8 15,0 0-15,-1-8 16,1 1 0,-8-1-16,-15-15 15,-7 1-15,-8-1 16,7 8-1,-7-8-15,-15 0 16,-8 0-16,8 0 16,23 16-16,14-1 15,-6 1 1,-9-1-16,-7-14 16,0 22-16,0-8 15,7 8-15,-7 0 16,-7 0-1,-1 1-15,8-1 16,8 7-16,-8 1 16,-8 0-1,1 7-15,6 8 16,-6-7-16,-16 7 16,0 0-16,8 0 15,23 7 1,-8 1-16,-8 0 15,1-1-15,7 1 16,7-1 0,8 1-16,0 0 15,0-1-15,8 1 16,0 0-16,-1-1 16,1 1-1,7-1-15,0 16 16,0 8-16,8-23 15,-8 7 1,1 0-16,-1 8 16,0 7-16,0-7 15,8 8 1,0-1-16,0 1 16,-1-8-16,1 0 15,0 15-15,7-15 16,0 0-1,8 0-15,0 0 16,0 7-16,8 1 16,-1-1-16,0-7 15,8 0 1,0 0-16,0-8 16,8 16-16,0-9 15,7 9-15,-8 0 16,8-1-1,0 1-15,8-1 16,-8-7-16,8 8 16,7-1-1,0 1-15,1-1 16,-1 1-16,8-1 16,-1-7-1,1 0-15,0 0 16,7 7-16,16 1 15,-1-8 1,8 7-16,0 1 16,0-1-16,1 1 15,6-8-15,1 0 16,-8 0 0,-23-16-16,23 9 15,15-1-15,8 0 16,-8-7-16,-15-8 15,15 7 1,1 1-16,-9-8 16,-22 0-16,15 0 15,23 0 1,7 0-16,-7-8 16,0-7-16,7 7 15,0-7-15,-30 8 16,-15-9-1,8-7-15,14 0 16,-7 8-16,0-15 16,-15 14-1,0-6-15,0-1 16,0 0-16,0 0 16,-8 0-16,-7 8 15,-8-1 1,0 1-16,-7 0 15,-8 0-15,0-1 16,0-7 0,1-7-16,-9 15 15,1-1-15,-1-7 16,-7-7-16,0-1 16,-7-7-1,-8-8-15,-16-15 16,-14 0-16,-23-23 15,-8-22 1,1 60-16,-76-8 16,-1-7-16</inkml:trace>
+  <inkml:trace contextRef="#ctx0" brushRef="#br0" timeOffset="33247.06">14734 5953 0,'0'0'0,"0"0"15,0 0-15,0 0 16,0 0 0,0 0-16,0-8 15,15-22-15,8-16 16,15-15-16,-1 0 15,1-38 1,-38 99-16</inkml:trace>
+  <inkml:trace contextRef="#ctx0" brushRef="#br0" timeOffset="34256.44">14704 5114 0,'0'0'16,"0"0"-16,0 0 15,0 0-15,0 0 16,0 7-16,0 8 16,0 1-1,0 7-15,0 0 16,7 7-16,-7 1 15,8-9-15,0 1 16,-8-23 0</inkml:trace>
+</inkml:ink>
+</file>
+
+<file path=ppt/ink/ink14.xml><?xml version="1.0" encoding="utf-8"?>
+<inkml:ink xmlns:inkml="http://www.w3.org/2003/InkML">
+  <inkml:definitions>
+    <inkml:context xml:id="ctx0">
+      <inkml:inkSource xml:id="inkSrc0">
+        <inkml:traceFormat>
+          <inkml:channel name="X" type="integer" max="3360" units="cm"/>
+          <inkml:channel name="Y" type="integer" max="1872" units="cm"/>
+          <inkml:channel name="T" type="integer" max="2.14748E9" units="dev"/>
+        </inkml:traceFormat>
+        <inkml:channelProperties>
+          <inkml:channelProperty channel="X" name="resolution" value="114.28571" units="1/cm"/>
+          <inkml:channelProperty channel="Y" name="resolution" value="112.77109" units="1/cm"/>
+          <inkml:channelProperty channel="T" name="resolution" value="1" units="1/dev"/>
+        </inkml:channelProperties>
+      </inkml:inkSource>
+      <inkml:timestamp xml:id="ts0" timeString="2020-09-15T17:52:39.251"/>
+    </inkml:context>
+    <inkml:brush xml:id="br0">
+      <inkml:brushProperty name="width" value="0.05292" units="cm"/>
+      <inkml:brushProperty name="height" value="0.05292" units="cm"/>
+      <inkml:brushProperty name="color" value="#FF0000"/>
+    </inkml:brush>
+  </inkml:definitions>
+  <inkml:trace contextRef="#ctx0" brushRef="#br0">9367 5381 0,'0'0'0,"0"0"0,0 0 16,-220 7-16,152 1 0,15 0 16,1 7-1,-1 0-15,-15 8 16,7 0-16,8 0 15,8 0-15,7 0 16,15-8 0,1 0-16,7 0 15,7 1-15,0-1 16,1 0 0,-1 8-16,8 0 15,0 0-15,8 7 16,15 9-16,-1-1 15,8 0 1,8-8-16,8 1 16,-1-1-16,8-7 15,7 0 1,16 0-16,7-8 16,-15 1-16,-15-1 15,38 0-15,15 1 16,-1-9-16,1 1 15,30 7 1,-30-15-16,8 0 16,22 0-16,0 15 15,7-7 1,9 0-16,-47-1 16,47-7-16,-9 0 15,1 8-15,15-1 16,-54-7-1,69 0-15,-15 16 16,0-9-16,0 9 16,-46-16-1,68 15-15,-29-7 16,29-1-16,-52 1 16,82-1-16,-97-7 15,-8-15 1,105 23-16,-105-8 15,53 15-15,-8-15 16,0 8-16,16-1 16,-77-7-1,61 0-15,16 8 16,-24-8-16,24-8 16,-69 8-1,46-15-15,14 7 16,-22 1-16,38 7 15,-68-8-15,30 8 16,8-7 0,-38-9-16,45-7 15,-23 8-15,-44 0 16,21 0 0,1-1-16,0-7 15,-23 1-15,0-1 16,-7 7-16,0-7 15,-16 1 1,-22-1-16,0 0 16,-8 7-16,-7 1 15,-8 0 1,0-8-16,-8 0 16,-7 0-16,-7-7 15,-8-1-15,-16-7 16,-21-8-1,-24 0-15,-22 1 16,-38-9-16,-16 8 16,39 16-1,-76-8-15,15 15 16,-38 0-16,54 8 16,-84 7-16,38 0 15,7-7 1,-52 8-16,14-9 15,1 9-15,37-1 16,-14-7 0,-54 7-16,84 0 15,-69 1-15,31-1 16,45 1-16,-75-1 16,37 8-1,15 0-15,8 8 16,-22-1-16,-1-7 15,53 8-15,-75-1 16,45 9 0,-30-1-16,60 0 15,-60 1 1,-16-1-16,69 0 16,-136 8-16,37 0 15,46 0-15,-121 15 16,75-8-16,0 1 15,122-8 1</inkml:trace>
+</inkml:ink>
+</file>
+
+<file path=ppt/ink/ink15.xml><?xml version="1.0" encoding="utf-8"?>
+<inkml:ink xmlns:inkml="http://www.w3.org/2003/InkML">
+  <inkml:definitions>
+    <inkml:context xml:id="ctx0">
+      <inkml:inkSource xml:id="inkSrc0">
+        <inkml:traceFormat>
+          <inkml:channel name="X" type="integer" max="3360" units="cm"/>
+          <inkml:channel name="Y" type="integer" max="1872" units="cm"/>
+          <inkml:channel name="T" type="integer" max="2.14748E9" units="dev"/>
+        </inkml:traceFormat>
+        <inkml:channelProperties>
+          <inkml:channelProperty channel="X" name="resolution" value="114.28571" units="1/cm"/>
+          <inkml:channelProperty channel="Y" name="resolution" value="112.77109" units="1/cm"/>
+          <inkml:channelProperty channel="T" name="resolution" value="1" units="1/dev"/>
+        </inkml:channelProperties>
+      </inkml:inkSource>
+      <inkml:timestamp xml:id="ts0" timeString="2020-09-15T17:54:23.377"/>
+    </inkml:context>
+    <inkml:brush xml:id="br0">
+      <inkml:brushProperty name="width" value="0.05292" units="cm"/>
+      <inkml:brushProperty name="height" value="0.05292" units="cm"/>
+      <inkml:brushProperty name="color" value="#FF0000"/>
+    </inkml:brush>
+  </inkml:definitions>
+  <inkml:trace contextRef="#ctx0" brushRef="#br0">8475 5159 0,'0'0'0,"0"0"0,-16 0 0,-210 16 16,195-1-16,9 0 15,-1 8-15,8 0 16,-8 0-16,8 7 15,0 9-15,0 6 16,0 9 0,7-8-16,1-8 15,7-8-15,0 1 16,0-8 0,0-16-16,7 16 15,1-8-15,7 1 16,0-1-16,0-7 15,8 7 1,-1-7-16,9-1 16,14-7-16,8-7 15,7-1-15,-7-7 16,-22 7 0,14-15-16,8-15 15,0-8-15,-8 0 16,1 1-1,-16 6-15,0 1 16,-15 23-16,0-16 16,0-14-16,-15 6 15,-7 1 1,-8 0-16,-23 0 16,-7 7-16,7 1 15,-23 7-15,-14 8 16,-1 0-1,8 7-15,68 8 16</inkml:trace>
+</inkml:ink>
+</file>
+
+<file path=ppt/ink/ink16.xml><?xml version="1.0" encoding="utf-8"?>
+<inkml:ink xmlns:inkml="http://www.w3.org/2003/InkML">
+  <inkml:definitions>
+    <inkml:context xml:id="ctx0">
+      <inkml:inkSource xml:id="inkSrc0">
+        <inkml:traceFormat>
+          <inkml:channel name="X" type="integer" max="3360" units="cm"/>
+          <inkml:channel name="Y" type="integer" max="1872" units="cm"/>
+          <inkml:channel name="T" type="integer" max="2.14748E9" units="dev"/>
+        </inkml:traceFormat>
+        <inkml:channelProperties>
+          <inkml:channelProperty channel="X" name="resolution" value="114.28571" units="1/cm"/>
+          <inkml:channelProperty channel="Y" name="resolution" value="112.77109" units="1/cm"/>
+          <inkml:channelProperty channel="T" name="resolution" value="1" units="1/dev"/>
+        </inkml:channelProperties>
+      </inkml:inkSource>
+      <inkml:timestamp xml:id="ts0" timeString="2020-09-15T17:54:55.664"/>
+    </inkml:context>
+    <inkml:brush xml:id="br0">
+      <inkml:brushProperty name="width" value="0.05292" units="cm"/>
+      <inkml:brushProperty name="height" value="0.05292" units="cm"/>
+      <inkml:brushProperty name="color" value="#FF0000"/>
+    </inkml:brush>
+  </inkml:definitions>
+  <inkml:trace contextRef="#ctx0" brushRef="#br0">5443 3976 0,'0'0'0,"0"0"16,0 0-16,0 0 16,0 0-1,0 0-15,0 0 16,-7-7-16,-1 7 16,-7 0-1,0 0-15,-8 7 16,0 9-16,1-1 15,-1 8-15,-7 7 16,7 1-16,-7 15 16,15-31-1,0 15-15,-1 1 16,1 7-16,0 0 16,0 0-1,0 1-15,7-9 16,1 1-16,7-8 15,0-1-15,7 1 16,1-7 0,7 7-16,0-1 15,0 1-15,8-7 16,0-1 0,-1 0-16,1 0 15,0 1-15,7-9 16,8 1-16,0 0 15,-1-1 1,9 1-16,-8-8 16,-8 0-16,-8 0 15,-6 0-15,-1 0 16,0-8 0,0 1-16,-7-1 15,-1 8-15,1-8 16,-1-7-1,1 0-15,-8-1 16,7-14-16,-7-8 16,0-8-16,0 0 15,0 0 1,-7 8-16,-1 8 16,1-1-16,-1-15 15,1 8-15,-1 0 16,-7 8-1,0-1-15,-8 0 16,0 1-16,-7-8 16,7 7-1,23 31-15</inkml:trace>
+  <inkml:trace contextRef="#ctx0" brushRef="#br0" timeOffset="6158.77">7575 0 0,'23'107'0,"-16"-16"16</inkml:trace>
+  <inkml:trace contextRef="#ctx0" brushRef="#br0" timeOffset="7810.49">5670 4793 0,'0'0'0,"0"0"16,0 0-16,7 0 15,1 8-15,7-8 16,8 7 0,7 1-16,0 0 15,1-8-15,6 0 16,-6 0-16,-9 0 15,1 7 1,0-7-16,-8 0 16,0 8-16,0-8 15,0 0 1,0 0-16,-7 0 16,-1 0-16,-7 0 15,8-8-15,-8 8 16</inkml:trace>
+  <inkml:trace contextRef="#ctx0" brushRef="#br0" timeOffset="8323.95">5647 4785 0,'0'0'16,"0"0"-16,0 0 16,0 0-16,0 0 15,0 0 1,0 0-16,0 0 16,0 8-16,0-8 15,0 0-15,0 0 16,0 0-1,0 0-15,0 0 16,0 0-16,8-15 16,-1-1-16,1 1 15,-1-8 1,1 8-16,0 0 16,-1 0-16,1 7 15,-8 0 1,0 1-16,0 7 15</inkml:trace>
+  <inkml:trace contextRef="#ctx0" brushRef="#br0" timeOffset="17119.39">6872 4022 0,'0'0'0,"0"0"16,0 0-1,0 0-15,-8-7 16,1-1-16,-1 0 16,1 1-1,-1-1-15,1 0 16,-1 1-16,-7-9 15,0 1-15,0 0 16,-1 0 0,-6-1-16,-1 1 15,0 0-15,1 0 16,-8-1 0,7 9-16,-7-1 15,-8 0-15,8 1 16,-1 7-16,9 0 15,-1 0 1,-7 7-16,-8 1 16,0 7-16,-7 8 15,7 0-15,0 0 16,0 8 0,8-1-16,0 8 15,0 0-15,-1 8 16,9-15-1,7-1-15,-1 8 16,1 16-16,8-1 16,-1 1-16,8-16 15,0 8 1,8-8-16,-1 0 16,8 0-16,1 0 15,-1-7 1,7-1-16,9 9 15,6-9-15,1 1 16,0-16-16,0 8 16,-15-8-16,-1-7 15,1-8 1,15 0-16,-1-8 16,9-7-16,7-16 15,-8 1 1,0-1-16,-14 1 15,-9 7-15,9-8 16,-1-7 0,-7-8-16,-1-15 15,-7 0-15,-7 15 16,-1 1-16,-7-16 16,0-31-1,0 54-15,-7-31 16,-1 23-16,-7 8 15,-15 0-15,-38 7 16,-8 24 0,-7 7-16,83 0 15</inkml:trace>
+  <inkml:trace contextRef="#ctx0" brushRef="#br0" timeOffset="27544.68">15800 6213 0,'0'0'0,"0"0"16,0 0-16,0 0 15,0 0 1,0 0-16,0 0 15,0 0-15,8 0 16,7 7 0,7-7-16,16 8 15,8 0-15,-1-1 16,8 1 0,15-1-16,38 1 15,-8 0-15,-38-1 16,31-7-16,45 0 15,-22 0 1,7 0-16,45 8 16,-68-8-16,46 8 15,-1-8-15,9 0 16,44-8 0,-105 8-16,83 0 15,-31-8-15,9 1 16,6 14-1,-74-7-15,21 0 16,31-7-16,-37 7 16,-31 0-16,23 0 15,-8 0 1,-23 7-16,-22-7 16,-15 0-16,-23 0 15</inkml:trace>
+  <inkml:trace contextRef="#ctx0" brushRef="#br0" timeOffset="28256.52">15498 6739 0,'0'0'0,"0"0"15,15 0-15,7 0 16,16 0-1,0 0-15,0 0 16,0 0-16,15 0 16,22 0-1,8 0-15,0 0 16,16 0-16,14 8 16,1-8-16,-31 0 15,45 0 1,23 0-16,-22 0 15,22-8-15,-45 1 16,38-1 0,-1 8-16,8-15 15,16-8-15,-61 23 16,15 0-16,37-8 16,-37 1-1,15-1-15,0-7 16,-60 7-16,0 0 15,29 1 1,-14-9-16,-23 9 16,-22-1-16,-9 1 15,-37 7 1</inkml:trace>
+  <inkml:trace contextRef="#ctx0" brushRef="#br0" timeOffset="29000.52">15445 7190 0,'0'0'15,"0"0"1,0 0-16,15 0 16,23 0-16,7 7 15,8-7-15,-8 0 16,1 0-16,29 0 15,31 0 1,0-7-16,15 7 16,38 0-16,-54-8 15,69 0 1,8 1-16,14-9 16,-44 9-16,37-9 15,-16-6-15,39 6 16,-61 9-1,46-9-15,-23 1 16,22 8-16,-67-1 16,22 0-1,8-7-15</inkml:trace>
+  <inkml:trace contextRef="#ctx0" brushRef="#br0" timeOffset="34467.82">15860 4396 0,'0'0'16,"0"0"-16,0 0 15,0 0-15,0 0 16,0 0 0,0 0-16,0 0 15,0 0-15,-7 8 16,-1-1-16,1 9 16,-1-1-1,1 0-15,-1 8 16,1 0-16,-1 0 15,0 0-15,1 7 16,-1 1 0,1-1-16,-1 16 15,1-15-15,-1-1 16,1 1 0,-1-1-16,0-14 15,1-1-15,-1 0 16,1-7-16,7-1 15,0-7 1,0 0-16,0 0 16,0 0-16,0 0 15,0 0 1,0 0-16,7-7 16,1-1-16,7-7 15,8 0 1,-8 7-16,7 0 15,1 8-15,0 0 16,-1 0-16,1 8 16,-8 0-1,0-1-15,1 1 16,-1-8-16,0 7 16,0 1-1,0 0-15,0-1 16,0 1-16,0-8 15,0 0-15,-15 0 16</inkml:trace>
+  <inkml:trace contextRef="#ctx0" brushRef="#br0" timeOffset="35101.85">16344 4640 0,'0'0'0,"0"0"16,8 0-16,7-7 15,0 7 1,0 0-16,0 0 15,0 0-15,1 0 16,-16 0-16</inkml:trace>
+  <inkml:trace contextRef="#ctx0" brushRef="#br0" timeOffset="35269.85">16412 4892 0,'0'0'16,"0"0"-16,0 0 15,0 0-15,0 0 16,0 0-16</inkml:trace>
+  <inkml:trace contextRef="#ctx0" brushRef="#br0" timeOffset="36000.85">17093 4381 0,'0'0'0,"0"0"16,-8 0 0,-7 0-16,0 0 15,0 0-15,0 8 16,0-8-16,-1 0 16,9 0-1,-1 0-15,1 0 16,-1 0-16,8 0 15,0 0 1,-7 15-16,7 0 16,0 8-16,7 0 15,1 7-15,-1 9 16,8-1 0,-7 15-16,0-7 15,-1 0-15,1-8 16,-8-15-1,0 0-15,0 0 16,0-8-16,-8 0 16,8-7-16,0-1 15,0 1 1,0 0-16,0-8 16,0 7-16,8 1 15,7 0 1,8-8-16,-1 0 15,1 0-15,0 0 16,-1 0 0,1 0-16,0 0 15,-23 0-15</inkml:trace>
+  <inkml:trace contextRef="#ctx0" brushRef="#br0" timeOffset="37265.85">20835 4137 0,'0'0'0,"0"0"15,0 0-15,7 0 16,16 0 0,7 0-16,8 0 15,0-8-15,0 0 16,-16 1-1,1-1-15,0 8 16,-1 0-16,-6 0 16,-1 0-1,-8 0-15,1 0 16,-1 0-16,1 0 16,-1 8-16,1-1 15,0 1 1,-1 7-16,1 8 15,-1 0-15,-7 15 16,8 16 0,-8-9-16,0-6 15,7 6-15,-7-22 16,8 23-16,-8-23 16,0 0-1,0-8-15,0 0 16,0 1-16,-8-1 15,1-7 1,-8 7-16,-23 0 16,-23 0-16,-14 1 15,22-9-15,53-7 16</inkml:trace>
+  <inkml:trace contextRef="#ctx0" brushRef="#br0" timeOffset="38641.51">17743 4457 0,'0'0'16,"0"0"-16,0 0 15,0 0-15,0 0 16,-8 8 0,-7 7-16,0 8 15,-8 15-15,1 0 16,-1 8-16,0 0 16,8-8-1,8-7-15,-1-16 16,8-8-16,0-7 15,0 0 1,8-15-16,22-23 16,8-8-16,7-7 15,0 7-15,-7 8 16,-8 7 0,-7 16-16,-8 7 15,-7 8-15,7 8 16,8 7-16,-1 8 15,1 0 1,-8-8-16,0 1 16,-7-1-16,-1-7 15,-7-1 1,0-7-16</inkml:trace>
+  <inkml:trace contextRef="#ctx0" brushRef="#br0" timeOffset="38778.51">17864 4778 0,'0'0'16,"0"0"-16,0 0 16,0 0-1,0 0-15,0 0 16,15 0-16,-15 0 16</inkml:trace>
+  <inkml:trace contextRef="#ctx0" brushRef="#br0" timeOffset="38974.51">18454 4854 0,'0'0'15,"0"0"-15,0 0 16,0 0-16</inkml:trace>
+  <inkml:trace contextRef="#ctx0" brushRef="#br0" timeOffset="39197.51">19784 4518 0,'0'0'0,"0"0"15,0 8 1,0 22-16,0-30 15</inkml:trace>
+  <inkml:trace contextRef="#ctx0" brushRef="#br0" timeOffset="43413.21">8391 9288 0,'0'0'15,"0"0"-15,0 0 16,0 0-16,0 0 16,0 0-16,8 0 15,0-7 1,-1-1-16,8 1 15,0-1-15,8-7 16,7-8-16,0 15 16,23 0-1,0 1-15,0-1 16,0 1-16,0-1 16,0 0-1,15 1-15,0-1 16,8-7-16,-16 7 15,1-7-15,14 15 16,16-8 0,-8 1-16,0-1 15,0 8-15,8 0 16,-8 0 0,-15 0-16,-7 0 15,14 0-15,9-15 16,6 22-16,-7-14 15,1 14 1,6 1-16,16-8 16,-30 0-16,14 0 15,24-8-15,-1 1 16,-14-1 0,14-7-16,8 7 15,-38 16-15,23-8 16,30 0-1,-30 0-15,15 0 16,15 7-16,-45-7 16,14 8-16,31-8 15,-22 8 1,7-1-16,15-7 16,-45 0-16,14 0 15,62-7-15,-77-1 16,16-7-1,98 7-15,-113 1 16,53-1-16,15-7 16,-38 15-1,45-8-15,-75 8 16,14 0-16,54 0 16,-45 0-16,6 0 15,24 0 1,-61 0-16,-15 0 15,38 15-15,0-22 16,-23 7 0,-7 0-16,7 0 15,0 0-15,-15 0 16,-15 0-16,-15 0 16,0 0-1,-1 0-15,-6 0 16,-1 0-16,0 0 15,-7 0 1,-1 7-16,-6-7 16,-1 0-16,-8 8 15,1-8-15,-1 0 16,1 0 0,0 15-16,-8-15 15,0 0-15,0 0 16,0 0-1,0 0-15,0 0 16,0 0-16,0 0 16,0 0-16,0 0 15,0 0 1,0 0-16,0 0 16,0 0-16,0 0 15,0 0 1,0 0-16,0 0 15,0 0-15,0 0 16,0 0-16,0 0 16,7-7-1,-7 7-15,0 0 16,0 0-16,0 0 16,0 0-1</inkml:trace>
+  <inkml:trace contextRef="#ctx0" brushRef="#br0" timeOffset="51589.21">3697 4160 0,'0'0'16,"-15"15"-16,0 8 15,-16 23-15,9-1 16,6 1 0,1 0-16,8 7 15,-1 1-15,8 14 16,8 16-16,14 0 15,1-38 1,7-8-16,16 0 16,-1-7-16,8-8 15,15-8-15,0-15 16,8-7 0,-23-1-16,7-23 15,16-22-15,-23-1 16,0 16-1,-16 0-15,-6 0 16,6-15-16,1-31 16,-8-8-16,-22 16 15,-23-23 1,-31-16-16,-22 16 16,8 30-16,7 8 15,-30 0-15,-15 8 16,-8-1-1,-38 39-15,-15-8 16</inkml:trace>
+  <inkml:trace contextRef="#ctx0" brushRef="#br0" timeOffset="-128091.92">9087 10372 0,'0'0'0,"15"0"16,0 0-16,15 0 16,1 0-1,6 0-15,1 0 16,8 8-16,6-1 15,1-7 1,0 8-16,15-8 16,0 8-16,16-1 15,-16-7-15,-15 8 16,15-8 0,-8 0-16,8 0 15,15-8-15,-15 8 16,8-15-1,-1 0-15,9 15 16,-1-8-16,-15 1 16,-8-1-16,1 8 15,14 0 1,9 0-16,-9 0 16,-14 0-16,14 8 15,8-8-15,1 7 16,-24-7-1,8-7-15,0 7 16,15 0-16,16 0 16,-24 0-1,8 0-15,0 0 16,8 0-16,-23 7 16,-15-14-16,0 7 15,15 0 1,8 0-16,7 0 15,-15 0-15,7 0 16,9 7-16,-1 1 16,-15-8-1,-8 0-15,1 0 16,7 0-16,15 0 16,0-8-1,-7 1-15,-8-1 16,15 8-16,0 0 15,-22-8-15,-9 1 16,1 14 0,0-22-16,30 15 15,-7 0-15,-8 0 16,-15 0 0,-8-8-16,23 8 15,0 0-15,-7 0 16,-8 0-16,-15 8 15,-8-16 1,0 1-16,-7 7 16,-1-8-16,9 8 15,-1 0-15,8 0 16,-8 0 0,0 0-16,0-8 15,-7 8-15,0 8 16,-8-8-1,0 0-15,-7 0 16,-1 0-16,1 0 16,-1 0-1,1 8-15,-1-8 16,-7 0-16,0 0 16,0 0-16,0 0 15,0 0 1,0 0-16,0 0 15,8 7-15,-8-7 16,0 0-16,0 0 16,0 0-1,0 0-15,0 0 16,0 0-16,0 0 16</inkml:trace>
+  <inkml:trace contextRef="#ctx0" brushRef="#br0" timeOffset="-15534.18">8860 12410 0,'0'0'0,"0"0"0,0 0 0,204 46 15,-151-39-15,0 1 16,15 0-16,23-1 16,0 1-16,-8-8 15,7-8 1,16 16-16,-15-8 15,-15-8-15,14 1 16,24-9-16,-16 9 16,0-1-1,38 1-15,-30-9 16,-23 9-16,53 7 16,8-31-16,-31 46 15,92-7 1,-100-8-16,62 15 15,-9-7-15,-6 0 16,6-1 0,-52 1-16,76-1 15,-39-7-15,31 16 16,-38-9-16,-15-7 16,83-7-1,-68-1-15,76 0 16,-106 1-16,53 7 15,7-15 1,-22 15-16,30 7 16,-84 1-16,54-1 15,22 1-15,-15 0 16,8 7 0,-45-7-16,29-1 15,-7 8-15,-7 1 16,14-16-16,-59 0 15,-84 0 1</inkml:trace>
+</inkml:ink>
+</file>
+
+<file path=ppt/ink/ink17.xml><?xml version="1.0" encoding="utf-8"?>
+<inkml:ink xmlns:inkml="http://www.w3.org/2003/InkML">
+  <inkml:definitions>
+    <inkml:context xml:id="ctx0">
+      <inkml:inkSource xml:id="inkSrc0">
+        <inkml:traceFormat>
+          <inkml:channel name="X" type="integer" max="3360" units="cm"/>
+          <inkml:channel name="Y" type="integer" max="1872" units="cm"/>
+          <inkml:channel name="T" type="integer" max="2.14748E9" units="dev"/>
+        </inkml:traceFormat>
+        <inkml:channelProperties>
+          <inkml:channelProperty channel="X" name="resolution" value="114.28571" units="1/cm"/>
+          <inkml:channelProperty channel="Y" name="resolution" value="112.77109" units="1/cm"/>
+          <inkml:channelProperty channel="T" name="resolution" value="1" units="1/dev"/>
+        </inkml:channelProperties>
+      </inkml:inkSource>
+      <inkml:timestamp xml:id="ts0" timeString="2020-09-15T17:56:14.494"/>
+    </inkml:context>
+    <inkml:brush xml:id="br0">
+      <inkml:brushProperty name="width" value="0.05292" units="cm"/>
+      <inkml:brushProperty name="height" value="0.05292" units="cm"/>
+      <inkml:brushProperty name="color" value="#FF0000"/>
+    </inkml:brush>
+  </inkml:definitions>
+  <inkml:trace contextRef="#ctx0" brushRef="#br0">14432 6228 0,'0'0'15,"0"0"-15,0 0 16,15-8-16,15-15 16,15-7-1,1-1-15,7-7 16,22-31-16,39-37 15,-8-9-15,-46 46 16,61-45 0,7-8-16,-37 38 15,15 0-15,0-8 16,-31 16 0,-22 23-16,-22 22 15,-9 8-15,-7 8 16,-7 7-16,-8 8 15</inkml:trace>
+  <inkml:trace contextRef="#ctx0" brushRef="#br0" timeOffset="937.01">14417 6014 0,'0'0'0,"0"0"15,0 0-15,0 8 16,-8-1-16,8-7 15,0 0 1,-8 8-16,1 0 16,7-8-16,0 0 15,0 0 1,0 0-16,0 0 16,0 0-16,0 0 15,0 0-15,0 0 16,0 0-1,0 0-15,7-16 16,1 1-16,7-8 16,0 8-16,0 0 15,-7 7 1,-1-7-16,1 7 16,-8 8-16,0 0 15,0 0 1,0 0-16,0 0 15,0 8-15,0 7 16,-8-7 0,1 7-16,-1 8 15,8-15-15,0-8 16,0 0-16,0 0 16,0 0-1,8 7-15,-1 1 16,9-1-16,6 1 15,1-8 1,7 0-16,-7 8 16,0-8-16,7 0 15,-8 0-15,1 0 16,-8 0 0,0 0-16,-7 0 15,0-8-15,-8 8 16,0 0-1,0 0-15,0 0 16,-8-8-16,0-7 16,-7 0-16,0 0 15,0 7 1,15 8-16</inkml:trace>
+  <inkml:trace contextRef="#ctx0" brushRef="#br0" timeOffset="13204.69">19073 6182 0,'0'0'0,"0"0"15,16-8-15,6-7 16,16 0-16,7-8 16,1 0-1,-8-7-15,22-24 16,46-30-16,0 0 15,-8 8 1,15-8-16,8 0 16,-30-8-16,-46 47 15,16-1-15,-1 15 16,1 1 0,-61 30-16</inkml:trace>
+  <inkml:trace contextRef="#ctx0" brushRef="#br0" timeOffset="13861.69">19217 6022 0,'0'0'16,"0"0"-16,0 0 16,0 0-16,0 0 15,8 7-15,7-7 16,0 0 0,0 0-16,0-7 15,0-16-15,8-23 16,0-30-1,-8 30-15,0 8 16,0 7-16,-8 8 16,1 8-1,0 8-15,-1-1 16,-7 8-16,0 0 16,8 8-16,-1 7 15,1 8 1,7 7-16,-7-7 15,-1 0-15,1-8 16,-1 1 0,-7-16-16,0 0 15,0 0-15,0 0 16,-7 0-16,-8 0 16,-1-8-1,-6 8-15,-16 15 16,38-15-16</inkml:trace>
+  <inkml:trace contextRef="#ctx0" brushRef="#br0" timeOffset="-89846.9">12852 10792 0,'0'0'0,"0"0"0,0 0 15,0 0 1,0 0-16,0 0 15,0 0-15,0 15 16,0 16 0,0 15-16,0 7 15,7 0-15,1 16 16,-1-8-16,-7-30 16,15 91-1,-7-46-15,0 8 16,-1 8-16,-7 14 15,0-22-15,-7 16 16,-1-9 0,0-7-16,8-30 15,0-9-15,0-6 16,0-1 0,0 8-16,0-1 15,0-7-15,0-15 16,0 0-16,0 0 15,0-15 1,0-1-16,0-7 16</inkml:trace>
+  <inkml:trace contextRef="#ctx0" brushRef="#br0" timeOffset="-88621.94">13063 10876 0,'0'0'16,"0"0"-16,0 0 16,8-8-16,-1 1 15,1 7 1,7 0-16,8 0 16,7 0-16,0 7 15,46 9-15,7-1 16,-15-15-1,-7 38-15,7-23 16,45-30-16,-7 7 16,-23 8-1,38-23-15,23 16 16,-76-1-16,37-7 16,54 30-16,-53-38 15,45 8 1,-22 7-16,-23-15 15,45 1-15,0 6 16,0 1 0,0 7-16,-45 1 15,45 7-15,-7-8 16,15 23-16,-16-7 16,-44-8-1,22 0-15,30 8 16,-23-1-16,39 9 15,-54-9 1,1 1-16,52 15 16,-30-54-16,38 77 15,-38-15-15,-30-9 16,75 9 0,-60-16-16,30 0 15,-15-7-15,-52 0 16,37-1-1,22 9-15,-52-16 16,15 7-16,22 9 16,-52-16-16,-8 0 15,0 0 1,23-8-16,-8 0 16,-15 1-16,-8-1 15,-7 16 1,8-16-16,7 16 15,-15-1-15,-8 1 16,-7-8-16,-8 0 16,-7 8-1,-1-1-15,1 1 16,-8-8-16,0 7 16,0 1-16,1 0 15,-9-1 1,8 1-16,0 0 15,-7-1-15,-1 1 16,9-1 0,-1 1-16,0 15 15,8 15-15,-1 8 16,8 15 0,-14-15-16,6 7 15,1 1-15,0 7 16,-1 0-16,1 0 15,-8-8 1,0 8-16,0-7 16,0 7-16,8 0 15,0 8 1,-8-24-16,8 1 16,-8 8-16,-8-16 15,8 8-15,-7-16 16,7 1-1,-15-31-15</inkml:trace>
+  <inkml:trace contextRef="#ctx0" brushRef="#br0" timeOffset="-87641.52">13509 12334 0,'0'0'0,"-15"7"15,-15 9-15,-15-1 16,-1 8 0,16-16-16,7 16 15,8-7-15,0-1 16,8 0 0,-1 0-16,8 1 15,8-9-15,7 8 16,15 1-16,15-1 15,8 0 1,8-7-16,7 0 16,38-8-16,15 0 15,15 0 1,7-8-16,-52 0 16,30 1-16,60-16 15,-22 15-15,38 0 16,-76-22-1,90 15-15,-44-1 16,75 9-16,-99 7 16,92-8-1,-31 16-15,-23-1 16,46-7-16,-31 8 16,69 7-1,-106-7-15,75 22 16,31 1-16,-114-8 15,114 0-15,-69 0 16,-7-8 0,-15-7-16,38 7 15,-1-23-15,-52 8 16,75 8-16,-29-1 16,29 16-1,-53-15-15,-22 0 16</inkml:trace>
+</inkml:ink>
+</file>
+
+<file path=ppt/ink/ink18.xml><?xml version="1.0" encoding="utf-8"?>
+<inkml:ink xmlns:inkml="http://www.w3.org/2003/InkML">
+  <inkml:definitions>
+    <inkml:context xml:id="ctx0">
+      <inkml:inkSource xml:id="inkSrc0">
+        <inkml:traceFormat>
+          <inkml:channel name="X" type="integer" max="3360" units="cm"/>
+          <inkml:channel name="Y" type="integer" max="1872" units="cm"/>
+          <inkml:channel name="T" type="integer" max="2.14748E9" units="dev"/>
+        </inkml:traceFormat>
+        <inkml:channelProperties>
+          <inkml:channelProperty channel="X" name="resolution" value="114.28571" units="1/cm"/>
+          <inkml:channelProperty channel="Y" name="resolution" value="112.77109" units="1/cm"/>
+          <inkml:channelProperty channel="T" name="resolution" value="1" units="1/dev"/>
+        </inkml:channelProperties>
+      </inkml:inkSource>
+      <inkml:timestamp xml:id="ts0" timeString="2020-09-15T17:57:44.815"/>
+    </inkml:context>
+    <inkml:brush xml:id="br0">
+      <inkml:brushProperty name="width" value="0.05292" units="cm"/>
+      <inkml:brushProperty name="height" value="0.05292" units="cm"/>
+      <inkml:brushProperty name="color" value="#FF0000"/>
+    </inkml:brush>
+  </inkml:definitions>
+  <inkml:trace contextRef="#ctx0" brushRef="#br0">7953 4724 0,'0'0'0,"0"0"16,0 0-16,0 0 0,-8 0 16,1 0-16,-1 0 15,1 0-15,-1 0 16,1 0-1,-1-7-15,0 14 16,1 1-16,-1 0 16,-7 7-1,0 8-15,0 7 16,7 1-16,-7-1 16,0 16-1,0 23-15,7-23 16,1 22-16,-1-22 15,8-8-15,0 0 16,0 1 0,0 6-16,8-6 15,-1-1-15,-7 0 16,8 8-16,0-16 16,7 1-1,0-1-15,8-7 16,7-8-16,8 1 15,-1-1-15,1-7 16,0-1 0,-8-7-16,0 0 15,-7 0-15,7-7 16,1-9 0,-1 1-16,0 0 15,8-16-15,-8 1 16,0-1-16,-7 8 15,0 0 1,-1 1-16,1-9 16,-8 16-16,-7-1 15,7-22-15,-8-8 16,1-7 0,-8 7-16,0 0 15,-8 1-15,8 7 16,-7 15-1,-1-8-15,-7 1 16,0-9-16,-8 24 16,-7-23-16,0 7 15,-15 1 1,-54-39-16,99 69 16</inkml:trace>
+</inkml:ink>
+</file>
+
+<file path=ppt/ink/ink19.xml><?xml version="1.0" encoding="utf-8"?>
+<inkml:ink xmlns:inkml="http://www.w3.org/2003/InkML">
+  <inkml:definitions>
+    <inkml:context xml:id="ctx0">
+      <inkml:inkSource xml:id="inkSrc0">
+        <inkml:traceFormat>
+          <inkml:channel name="X" type="integer" max="3360" units="cm"/>
+          <inkml:channel name="Y" type="integer" max="1872" units="cm"/>
+          <inkml:channel name="T" type="integer" max="2.14748E9" units="dev"/>
+        </inkml:traceFormat>
+        <inkml:channelProperties>
+          <inkml:channelProperty channel="X" name="resolution" value="114.28571" units="1/cm"/>
+          <inkml:channelProperty channel="Y" name="resolution" value="112.77109" units="1/cm"/>
+          <inkml:channelProperty channel="T" name="resolution" value="1" units="1/dev"/>
+        </inkml:channelProperties>
+      </inkml:inkSource>
+      <inkml:timestamp xml:id="ts0" timeString="2020-09-15T17:59:36.289"/>
+    </inkml:context>
+    <inkml:brush xml:id="br0">
+      <inkml:brushProperty name="width" value="0.05292" units="cm"/>
+      <inkml:brushProperty name="height" value="0.05292" units="cm"/>
+      <inkml:brushProperty name="color" value="#FF0000"/>
+    </inkml:brush>
+  </inkml:definitions>
+  <inkml:trace contextRef="#ctx0" brushRef="#br0">8565 5793 0,'0'0'0,"0"0"0,0 0 0,159 23 0,-106-16 16,7-7-1,24 0-15,6 8 16,-14 0-16,-23-8 15,0 0-15,30 0 16,15 0 0,-15 0-16,-7-8 15,30 0-15,15 1 16,-53-1 0,15 0-16,23-7 15,7 8-15,-22-1 16,7-7-16,0 15 15,-14-8 1,-16 0-16,-8-7 16,16 0-16,7 7 15,-8 8-15,-7 0 16,-15 0 0,8 0-16,-8 0 15,-8 0-15,-7 0 16,-8 0-16,-7 0 15,0 8 1,-8-8-16,0 0 16,0 0-16,-8 0 15,1 0 1,0 0-16,-8 0 16,7 0-16,1 8 15,-1-1-15,1 1 16,-8-8-1,7 7-15,1 1 16,0 0-16,-1-1 16,8 1-16,-15-8 15</inkml:trace>
+  <inkml:trace contextRef="#ctx0" brushRef="#br0" timeOffset="950.03">12496 5572 0,'0'0'16,"0"0"-16,8 0 15,7 0-15,15 0 16,16 7 0,7 1-16,-1-8 15,-14 0-15,0 7 16,7-7-16,23 8 15,16 0 1,-24-1-16,-7 1 16,0 0-16,15-1 15,23 8-15,-23-7 16,-15 0 0,-8-1-16,-7-14 15,-8 14-15,-7 1 16,-1-8-1,1 0-15,-8 0 16,0 0-16,0 0 16,-7 0-1,0 0-15,-1 0 16,-7 0-16,0 0 16,0 0-16,0 0 15,0 0 1,0 0-16,0 0 15</inkml:trace>
+  <inkml:trace contextRef="#ctx0" brushRef="#br0" timeOffset="27841.19">10523 4419 0,'0'0'0,"8"-8"15,7 1-15,8-8 16,-1-8 0,1 0-16,0 0 15,7 0-15,0-8 16,8 9-16,7 6 15,8 1 1,0-8-16,-8 8 16,1 0-16,-1 7 15,8 0 1,15 1-16,0-1 16,-15 0-16,-8 8 15,1-7-15,14 14 16,23 1-1,1 0-15,-16 7 16,15 0-16,8 8 16,-8 0-16,-23 0 15,-7 7 1,8 1-16,7-8 16,37 46-16,-36-31 15,-17-15 1,1 7-16,8 1 15,-1-1-15,-14-7 16,-1 0 0,0 0-16,-14-8 15,-1 0-15,-7 1 16,-8-9-16,0 9 16,0-1-1,0 0-15,-7-7 16,-1-1-16,-7-7 15,0 0-15,0 0 16,0 0 0,0 0-16,0 0 15,0 0-15,0 0 16,0-7 0,0-1-16,0 0 15,0 1-15,-7-8 16,-1-1-16,0 9 15,-7-1 1,0-7-16,0 7 16,0 0-16,0 8 15,7 0-15,1 0 16,-1 0 0,1 0-16,7 0 15,0 0-15,0 0 16,0 0-1,0 0-15,0 0 16,0 0-16,0 0 16,0 0-16,0 0 15,0 0 1,0 0-16,0 0 16,-8 0-16,-7-7 15,-8-1 1,-7-7-16,-30 0 15,-24-1-15,84 16 16</inkml:trace>
+  <inkml:trace contextRef="#ctx0" brushRef="#br0" timeOffset="28359.21">10576 4602 0,'0'0'0,"0"0"15,0 0-15,0 0 16,0 0-1,0 0-15,0 0 16,-7-7-16,7-1 16,0-7-16,7-23 15,16-24 1,-8 1-16,0 8 16,0 7-16,0 16 15,-7-1 1,-1 16-16,1 0 15,0 7-15,-8 8 16,0 0 0,0 0-16</inkml:trace>
+  <inkml:trace contextRef="#ctx0" brushRef="#br0" timeOffset="30787.83">7363 6556 0,'0'0'16,"8"-8"-16,-1 1 16,9-1-1,6-7-15,8 0 16,8-8-16,8 0 16,14-8-1,1 1-15,-16-1 16,-7 1-16,7-16 15,8 8-15,15-8 16,-8 15 0,-7 9-16,-7 6 15,-1 1-15,16 0 16,-8 0-16,-8 7 16,8 0-1,0 1-15,-8-1 16,-7 0-16,15 1 15,15-9-15,0 9 16,-8-1 0,-7 8-16,-7 8 15,7 7-15,15 0 16,0 1 0,0 7-16,-23-8 15,-7 0-15,-8 0 16,8 8-16,0-8 15,22 16 1,-7-8-16,0 7 16,-8 1-16,-7-1 15,0 9-15,-8-9 16,0 1 0,-7-8-16,7-1 15,-7 1-15,0-7 16,-1-1-1,-7 0-15,1-7 16,-1-1-16,0 1 16,0 0-16,0-1 15,-7-7 1,-1 0-16,-7 0 16,0 0-16,-15-7 15,-8-1 1,1 0-16,-1-7 15,8 8-15,-8-9 16,8 9-16,0-1 16,7 0-1,1 8-15,-1 0 16,8 0-16,0 0 16,0 0-16,0 0 15,0 0 1,0 0-16,8 8 15,7 0-15,0-1 16,0-7 0,-7 0-16,-1 0 15,-7 0-15,0 0 16,0 0-16,-22-15 16,22 15-1</inkml:trace>
+  <inkml:trace contextRef="#ctx0" brushRef="#br0" timeOffset="31502.74">7348 6709 0,'0'0'16,"0"0"-16,0 0 15,0 0-15,0 0 16,0 0-1,8-16-15,7 1 16,0-8-16,0-7 16,-7 14-1,-1 1-15,-7 15 16,0 0-16,0 0 16,0 0-16,0 15 15,0 1 1,0-1-16,0 0 15,0 1-15,0-9 16,0 1 0,0-8-16,0 0 15,0 0-15</inkml:trace>
+</inkml:ink>
+</file>
+
 <file path=ppt/ink/ink2.xml><?xml version="1.0" encoding="utf-8"?>
 <inkml:ink xmlns:inkml="http://www.w3.org/2003/InkML">
   <inkml:definitions>
@@ -6347,6 +6678,266 @@
 </inkml:ink>
 </file>
 
+<file path=ppt/ink/ink20.xml><?xml version="1.0" encoding="utf-8"?>
+<inkml:ink xmlns:inkml="http://www.w3.org/2003/InkML">
+  <inkml:definitions>
+    <inkml:context xml:id="ctx0">
+      <inkml:inkSource xml:id="inkSrc0">
+        <inkml:traceFormat>
+          <inkml:channel name="X" type="integer" max="3360" units="cm"/>
+          <inkml:channel name="Y" type="integer" max="1872" units="cm"/>
+          <inkml:channel name="T" type="integer" max="2.14748E9" units="dev"/>
+        </inkml:traceFormat>
+        <inkml:channelProperties>
+          <inkml:channelProperty channel="X" name="resolution" value="114.28571" units="1/cm"/>
+          <inkml:channelProperty channel="Y" name="resolution" value="112.77109" units="1/cm"/>
+          <inkml:channelProperty channel="T" name="resolution" value="1" units="1/dev"/>
+        </inkml:channelProperties>
+      </inkml:inkSource>
+      <inkml:timestamp xml:id="ts0" timeString="2020-09-15T18:26:14.761"/>
+    </inkml:context>
+    <inkml:brush xml:id="br0">
+      <inkml:brushProperty name="width" value="0.05292" units="cm"/>
+      <inkml:brushProperty name="height" value="0.05292" units="cm"/>
+      <inkml:brushProperty name="color" value="#FF0000"/>
+    </inkml:brush>
+  </inkml:definitions>
+  <inkml:trace contextRef="#ctx0" brushRef="#br0">8527 5701 0,'0'0'0,"0"0"16,0 0-16,0 0 15,0 8-15,0 7 16,0 0-16,0 8 16,0 0-1,0 8-15,8 7 16,0-8-16,-8-7 15,7 8 1,-7-1-16,0-7 16,8 0-16,-8-8 15,0 1-15,0-9 16,0 1 0,0-8-16,0 0 15,0 0-15,7 8 16,1-8-16,7 0 15,0 0 1,8 0-16,7 0 16,8-8-16,0 0 15,-1 1 1,9-1-16,-1 0 16,16 1-16,7-8 15,15 7-15,-30 0 16,7-7-1,23 0-15,16-1 16,-16 1-16,0 0 16,23 0-16,7 7 15,-30 0 1,23 1-16,30 7 16,-15 0-16,0 0 15,30 0 1,-52 0-16,29 7 15,31 1-15,-53-8 16,45 8-16,-23-8 16,-37 0-1,60 7-15,-7-7 16,0 0-16,30-7 16,-69-1-16,69 0 15,-23 8 1,16-7-16,-16 7 15,-60 0-15,90 7 16,-90-7 0,-8 0-16,68 0 15,-30 0-15,-38-7 16,31 7-16,14 0 16,-37-8-1,-15 1-15,-1 7 16,-7 7-16,-22-7 15,-16-7-15,-8 7 16,-6 0 0,-9 0-16,-7 0 15,0 0 1,0 0-16,0 0 16,0 0-16,0-8 15,-7-7-15,-9-8 16,1-8-1,-7-7-15,-24-23 16,46 61-16</inkml:trace>
+</inkml:ink>
+</file>
+
+<file path=ppt/ink/ink21.xml><?xml version="1.0" encoding="utf-8"?>
+<inkml:ink xmlns:inkml="http://www.w3.org/2003/InkML">
+  <inkml:definitions>
+    <inkml:context xml:id="ctx0">
+      <inkml:inkSource xml:id="inkSrc0">
+        <inkml:traceFormat>
+          <inkml:channel name="X" type="integer" max="3360" units="cm"/>
+          <inkml:channel name="Y" type="integer" max="1872" units="cm"/>
+          <inkml:channel name="T" type="integer" max="2.14748E9" units="dev"/>
+        </inkml:traceFormat>
+        <inkml:channelProperties>
+          <inkml:channelProperty channel="X" name="resolution" value="114.28571" units="1/cm"/>
+          <inkml:channelProperty channel="Y" name="resolution" value="112.77109" units="1/cm"/>
+          <inkml:channelProperty channel="T" name="resolution" value="1" units="1/dev"/>
+        </inkml:channelProperties>
+      </inkml:inkSource>
+      <inkml:timestamp xml:id="ts0" timeString="2020-09-15T18:02:58.010"/>
+    </inkml:context>
+    <inkml:brush xml:id="br0">
+      <inkml:brushProperty name="width" value="0.05292" units="cm"/>
+      <inkml:brushProperty name="height" value="0.05292" units="cm"/>
+      <inkml:brushProperty name="color" value="#FF0000"/>
+    </inkml:brush>
+  </inkml:definitions>
+  <inkml:trace contextRef="#ctx0" brushRef="#br0">13993 5030 0,'0'15'16,"0"8"-16,0-8 0,106 504 0,-30-427 16,-1 7-1,31 8-15,-8-23 16,-14-23-16,-16 0 16,7-8-16,-7-15 15,15-15 1,-30-7-16,-7-9 15,14 1-15,38-8 16,1 0-16,-16-15 16,8 22-1,37-30-15,-22 8 16,-23 0-16,38-1 16,-8 9-1,-29-1-15,6-7 16,9 0-16,-9-1 15,-29 1 1,-8 8-16,15-9 16,22-7-16,-6 8 15,-9-8-15,-22 0 16,0 0 0,0-15-16,-15-8 15,-16 16-15,-14-31 16,-16-8-1,-14-38-15,-1 31 16,0 7-16,8 16 16,8-23-16,7-1 15,7 9 1,16-1-16,7 8 16,0 30-16,8-22 15,-15 15-15,7-31 16,-7 0-1,-16 23-15,1 1 16,0 7-16,-8-1 16,0 1-1,-8 0-15,-7 8 16,-8 22-16,-15-30 16,-7-16-1,-31 9-15,-29-1 16,-9 8-16,16 15 15,-84 0-15,1-8 16,-16 8 0,76 8-16,-75-15 15,37 22-15,-30-7 16,61-8-16,7 23 16,-15 0-1,30 15-15,30 8 16,-7 15-16,7 38 15,39-37 1,37-39-16</inkml:trace>
+  <inkml:trace contextRef="#ctx0" brushRef="#br0" timeOffset="3686.63">14046 4717 0,'0'0'15,"0"0"-15,0 0 16,0 0-16,0 0 16,0 0-1,0 0-15,0 0 16,0 0-16,-7-8 16,-16-7-16,-15-23 15,-37-31 1,-16 8-16,8 0 15,15 7-15,-8-14 16,-45-9 0,30 16-16,8 16 15,-53-32-15,23 16 16,14-8 0,-37-7-16,-7 0 15,22 7-15,-46 0 16,62 24-16,-16-9 15,-38 8 1,8-7-16,-31 22 16,69 9-16,-69-1 15,9 7-15,-62 32 16,107-1 0,-107 15-16,54-22 15,-53 23-15,90-31 16,-106 45-1,61-29-15,8 14 16,0 1-16,-39 15 16,9-8-16,82 0 15,-75 8 1,30-1-16,-30 1 16,75 8-16,-7-16 15,-45 23-15,68-15 16,-54 15-1,54-15-15,30-16 16,-23 16-16,-15 23 16,38-24-1,22-6-15,-14 14 16,-8 0-16,22-14 16,16-9-16,7-7 15,8 0 1,7-8-16,8 0 15,0-7-15,7 0 16,1-1 0,-1-7-16,8 0 15,0 0-15,0 0 16,-8-7-16,8-1 16,0-7-1,0-1-15,0 1 16,0 0-16,0 7 15,0 8-15,0 0 16,0 0 0,8 8-16,0 0 15,-1 7-15,8 0 16,0 0 0,1 1-16,6-1 15,1-7-15,7-1 16,-7-7-16,-1-7 15,-6-1 1,-1-7-16,0 7 16,-8 0-16,-7 8 15,0 0-15,-7 0 16,-8 8 0,15-8-16</inkml:trace>
+  <inkml:trace contextRef="#ctx0" brushRef="#br0" timeOffset="5450.91">7000 4534 0,'0'0'15,"0"0"-15,0 0 16,0 0 0,0 0-16,0 0 15,0 0-15,0 0 16,0 0-16,8 22 16,7 32-1,8 45-15,-8 8 16,0 0-16,8 15 15,-1-8 1,-7 1-16,-7-31 16,0 0-16,-8-16 15,-8-6-15,0-9 16,1 0 0,-1-7-16,-7 0 15,8-16-15,-1 1 16,1-8-16,7-8 15,0-7 1,0-8-16,0 0 16,-8 0-16,-15-8 15,-7-7 1,-23 15-16,0-23 16,0 0-16,8 8 15,-8 0 1,-15-1-16,-15 16 15,15-7-15,22 7 16,-6 0-16,-39 0 16,-15 7-16,23-22 15,-23 23 1,-23-8-16,24 0 16,29 0-16,-52 0 15,-16 0 1,38 0-16,-45 0 15,37 0-15,16 7 16,-38 16 0,-15 15-16,45 1 15,-38 14-15,46-23 16,23-7-16,-16 0 16,-7 8-1,7-8-15,15-16 16,1 1-16,-1 0 15,0-1-15,24 1 16,14-8 0,15 0-16,0-8 15,1-7-15,7 0 16,-1-16-16,1-15 16,0-22-1,8-1-15,-1 8 16,8-38-16,0 22 15,0-7 1,0 1-16,0-9 16,8 0-16,-1 1 15,8 22 1,0 0-16,1 1 16,-1-9-16,-8 24 15,1 15-15,7 7 16,-8 1-1,1 14-15,0 1 16,-1 0-16,1 7 16,7 1-16,0-1 15,0 0 1,8 1-16,7 7 16,8 0-16,7 0 15,16 0-15,22 0 16,0 0-1,-15 7-15,45-7 16,39 8-16,-1 0 16,30-1-16,-67 9 15,112-9 1,-82 8-16,83 8 16,-106-7-16,90-9 15,-59 8 1,52-7-16,-91 7 15,69-7-15,-16-16 16,-22 24 0,22-24-16,-83 8 15,0 8-15,23-8 16,-23 0-16,-22 7 16,-16 1-1,-45-8-15</inkml:trace>
+</inkml:ink>
+</file>
+
+<file path=ppt/ink/ink22.xml><?xml version="1.0" encoding="utf-8"?>
+<inkml:ink xmlns:inkml="http://www.w3.org/2003/InkML">
+  <inkml:definitions>
+    <inkml:context xml:id="ctx0">
+      <inkml:inkSource xml:id="inkSrc0">
+        <inkml:traceFormat>
+          <inkml:channel name="X" type="integer" max="3360" units="cm"/>
+          <inkml:channel name="Y" type="integer" max="1872" units="cm"/>
+          <inkml:channel name="T" type="integer" max="2.14748E9" units="dev"/>
+        </inkml:traceFormat>
+        <inkml:channelProperties>
+          <inkml:channelProperty channel="X" name="resolution" value="114.28571" units="1/cm"/>
+          <inkml:channelProperty channel="Y" name="resolution" value="112.77109" units="1/cm"/>
+          <inkml:channelProperty channel="T" name="resolution" value="1" units="1/dev"/>
+        </inkml:channelProperties>
+      </inkml:inkSource>
+      <inkml:timestamp xml:id="ts0" timeString="2020-09-15T18:04:44.371"/>
+    </inkml:context>
+    <inkml:brush xml:id="br0">
+      <inkml:brushProperty name="width" value="0.05292" units="cm"/>
+      <inkml:brushProperty name="height" value="0.05292" units="cm"/>
+      <inkml:brushProperty name="color" value="#FF0000"/>
+    </inkml:brush>
+  </inkml:definitions>
+  <inkml:trace contextRef="#ctx0" brushRef="#br0">12693 6396 0,'0'0'0,"0"0"0,0 0 0,30-38 16,0-1-16,1 9 16,6-16-16,1 16 15,45-62 1,8 16-16,-23 15 15,8-16-15,30-7 16,-8 16-16,-23-1 16,-22 23-1,38-61-15,-8 23 16,-7 39-16,-8-9 16,-15 16-16,-8 0 15,-7 7 1,0 8-16,-23 8 15,-15 15-15</inkml:trace>
+  <inkml:trace contextRef="#ctx0" brushRef="#br0" timeOffset="1045.46">12769 6640 0,'0'0'16,"0"0"-16,0 0 16,0 0-16,0 0 15,0-8 1,0-7-16,0 0 15,0-8-15,0-8 16,0 9 0,0 6-16,0 1 15,-8 0-15,0-8 16,1 8-16,-1-8 16,1 0-1,-1-8-15,1 1 16,7 7-16,0-8 15,0 8 1,0-15-16,0 0 16,0 15-16,7-7 15,-7 7-15,0 0 16,0 8 0,0-1-16,0 9 15,0-1-15,0 8 16,0-8-1,0 8-15,0 0 16,0 0-16,-7 8 16,-16 15-16,-7 15 15,-1 8 1,9-8-16,7 0 16,0 0-16,-1 8 15,9 0-15,-1-23 16,8 0-1,0-8-15,0-15 16,8 8-16,7-8 16,0-8-1,8-7-15,7-23 16,0-1-16,8-14 16,-8 0-16,-7 14 15,0-6 1,-8 14-16,0 8 15,-8 8-15,-7 15 16,0 0 0,-7 8-16,-23 22 15,30-30-15</inkml:trace>
+  <inkml:trace contextRef="#ctx0" brushRef="#br0" timeOffset="59880.55">4128 8090 0,'0'0'0,"0"0"0,7-7 0,379-100 15,-273 122-15,-113-15 16</inkml:trace>
+  <inkml:trace contextRef="#ctx0" brushRef="#br0" timeOffset="60289.55">4309 8892 0,'0'0'15,"0"0"-15,15 0 16,23 0-16,15 0 15,0 0 1,30-8-16,8-15 16,-31 0-16,-60 23 15</inkml:trace>
+  <inkml:trace contextRef="#ctx0" brushRef="#br0" timeOffset="195465.39">13147 4289 0,'0'0'0,"0"0"0,-16 0 0,-233 168 16,204-122-16,7-8 15,15-7-15,8-8 16,7 7-16,1-7 16,7-8-1,7 8-15,1-8 16,0 1-16,7-9 16,-8 1-1,1-8-15,7 0 16,8-8-16,-1 1 15,1-9-15,0 1 16,-1-8 0,-7 8-16,1-8 15,-1-7-15,-8-16 16,1-15 0,-8 15-16,-8 15 15,1 1-15,-1 7 16,8 8-16,0 7 15,0 8 1,0-8-16,0 8 16,0 0-16,0 0 15,0 0 1,0 0-16,0 0 16,0 0-16,0 0 15,0 0-15,0 0 16,0 0-1,0 0-15,0 0 16,0 0-16,0 0 16,8-7-16,-1-1 15,16 1 1,0-1-16,7 0 16,-8 1-16,9-1 15,-1 8 1,0 0-16,8 0 15,30-8-15,8 1 16,-8-1-16,-23 1 16,-15 7-1,8-8-15,-8 0 16,-7 1-16,0-1 16,-8 0-1,-15 8-15</inkml:trace>
+  <inkml:trace contextRef="#ctx0" brushRef="#br0" timeOffset="196506.74">13562 4633 0,'0'0'0,"0"0"16,0 0-16,-7 23 16,-8 45-16,0-14 15,-1 14 1,1 16-16,8-7 15,7-24-15,0-53 16</inkml:trace>
+  <inkml:trace contextRef="#ctx0" brushRef="#br0" timeOffset="198016.47">13456 4770 0,'0'0'0,"0"8"15,0 7-15,0 8 16,-7 0-16,7 7 16,0 9-1,7 6-15,9 1 16,6 8-16,1-1 15,-8-23 1,-15-30-16</inkml:trace>
+  <inkml:trace contextRef="#ctx0" brushRef="#br0" timeOffset="207197.57">13986 4701 0,'0'0'16,"0"0"-16,0 0 16,0 0-1,0 0-15,0 0 16,0 8-16,0 15 15,7 23 1,1-16-16,-1 8 16,1 1-16,-8 14 15,0 0-15,0 1 16,0-8 0,0-23-16,0-8 15,0-8-15,0-7 16,0 0-1,0 0-15,-8-15 16,1-15-16,-1-8 16,1-1-16,-1 9 15,1-1 1,-1 8-16,8 8 16,0 0-16,0 0 15,0 15-15,0 0 16,0 0-1,0 0-15,15 15 16,0 8-16,8 0 16,0 0-1,-1-1-15,9-6 16,-9-1-16,1-7 16,0-8-1,-1-8-15,1-7 16,-8-1-16,0 1 15,-7 0-15,-1 0 16,1-1 0,-1 1-16,-7 0 15,0 0-15,0 7 16,0 0-16,0 8 16</inkml:trace>
+  <inkml:trace contextRef="#ctx0" brushRef="#br0" timeOffset="207613.58">14485 4846 0,'0'0'16,"0"0"-16,-8 8 15,0 0-15,1-1 16,-8 9-16,7-1 16,1-7-1,-1-1-15,1 8 16,-1-7-16,8-8 15,0 0 1,0 0-16,0 0 16,8 0-16,-1 0 15,1 0 1,-1 0-16,-7 0 16,0 0-16,0 0 15,0 0-15,8 8 16,-8-8-1</inkml:trace>
+  <inkml:trace contextRef="#ctx0" brushRef="#br0" timeOffset="208182.58">14643 4900 0,'0'0'15,"0"0"1,0 0-16,0 0 16,0 0-16,0 0 15,8 0-15,-1-8 16,9 1-1,-1-1-15,0 0 16,0 8-16,0 0 16,0 0-1,0 8-15,0 0 16,1 7-16,-9 0 16,1-7-16,-1-1 15,-7 1 1,0-8-16,0 0 15,0 0-15,0 0 16,0 0 0,0 0-16,8 0 15,7-8-15,8 1 16,7-1-16,-7 1 16,-8-1-1,-8 0-15,8 1 16,-7 7-16,-8 0 15,0 0-15,7 7 16,-7 1 0,0 7-16,0 8 15,0 0-15,0-23 16</inkml:trace>
+  <inkml:trace contextRef="#ctx0" brushRef="#br0" timeOffset="208676.62">15362 4740 0,'0'0'15,"0"0"-15,0 0 16,7 0-16,8-8 15,0 0 1,8 1-16,0-1 16,-1 0-16,-6 8 15,-16 0-15</inkml:trace>
+  <inkml:trace contextRef="#ctx0" brushRef="#br0" timeOffset="208869.62">15362 4984 0,'0'0'0,"0"0"15,15 0-15,15-8 16,23 1-16,-53 7 15</inkml:trace>
+  <inkml:trace contextRef="#ctx0" brushRef="#br0" timeOffset="209531.49">15785 4404 0,'0'0'0,"0"0"16,0 0 0,0 0-16,0 0 15,0 0-15,15 0 16,15-8 0,16 1-16,-1-1 15,0-7-15,-14 7 16,-1 0-16,0 1 15,0 7 1,1 0-16,-9 0 16,-22 0-16</inkml:trace>
+  <inkml:trace contextRef="#ctx0" brushRef="#br0" timeOffset="209904">16065 4503 0,'0'0'16,"0"0"-16,0 0 15,0 0-15,0 8 16,7-1 0,1 9-16,-8-9 15,0 8-15,7 8 16,-7 0-1,0 8-15,0-1 16,8-7-16,-8-23 16</inkml:trace>
+  <inkml:trace contextRef="#ctx0" brushRef="#br0" timeOffset="210681.04">16616 4320 0,'0'0'0,"0"0"16,0 0 0,0 0-16,0 0 15,-7-8-15,-1 8 16,1 0-1,-1 0-15,8 0 16,-7 0-16,-1 0 16,1 0-16,-1 0 15,0 8 1,8-8-16,-7 7 16,-1 1-16,1 7 15,-1 1 1,8-1-16,0 0 15,8 0-15,7 8 16,8-7 0,7-9-16,0 8 15,0-7-15,-7 0 16,-8-1-16,-7 1 16,-1 7-1,-7 1-15,-7-1 16,-24 31-16,9-24 15,-24 32-15,16-24 16,7-7 0,1 0-16,7-8 15,0-7-15,15-8 16</inkml:trace>
+  <inkml:trace contextRef="#ctx0" brushRef="#br0" timeOffset="-214342.69">17274 4656 0,'0'0'16,"0"0"-1,0 0-15,0 0 16,0 0-16,0 0 16,8-8-1,-1 0-15,1 1 16,-1-1-16,1-7 15,0-8-15,-1 0 16,8-7 0,8-9-16,-8 1 15,0 15-15,0 0 16,0 1 0,1 6-16,-9 9 15,1-1-15,-1 0 16,1 1-16,-8 7 15,0 0 1,7 0-16,1 0 16,7 7-16,15 24 15,16 7 1,6 0-16,9 0 16,-8 1-16,-8-9 15,-15 1-15,1-1 16,-9-7-1,1-8-15,0 1 16,-1-9-16,-22-7 16</inkml:trace>
+  <inkml:trace contextRef="#ctx0" brushRef="#br0" timeOffset="-211751.98">18801 4098 0,'0'0'0,"0"0"16,0 0-16,0 0 15,0 0-15,0 0 16,0 0-1,0 0-15,0 0 16,0 0-16,-7-7 16,-8-1-16,-1 1 15,1 7 1,0 0-16,0 0 16,0 7-16,0 1 15,0 7 1,-8 0-16,0 1 15,8 7-15,0-1 16,0 1-16,7 0 16,1 0-1,7-8-15,7 8 16,1-7-16,0-9 16,-1 1-1,1-1-15,-8-7 16,0 0-16,0 0 15,0 0 1,0 0-16,0 0 16,0 0-16,0 0 15,0 0-15,0 0 16,-8 8 0,-7 7-16,0 1 15,-8 7-15,8-1 16,8-6-16,-1 7 15,0-8 1,8 0-16,0 0 16,8 1-1,0-9-15,7 1 16,0 0-16,0-1 16,0 1-16,0-8 15,0 0-15,8 0 16,-23 0-1</inkml:trace>
+  <inkml:trace contextRef="#ctx0" brushRef="#br0" timeOffset="-211149.99">18952 4572 0,'0'0'0,"0"0"15,0 0-15,0 0 16,0 0-16,0-8 16,0 0-1,0 1-15,8-8 16,0 7-16,-1 0 16,1-7-16,-8 15 15,7 0 1,-7 0-16,8 0 15,-1 0-15,1 0 16,0 0-16,-8 0 16,0 0-1,7 0-15,1 0 16,-1 0-16,8 0 16,0-8-1,8-7-15,0 0 16,-1 0-16,-6 7 15,-1 0 1,0 8-16,0 0 16,0 8-16,0 0 15,0 7-15,0-8 16,-7 9 0,0-1-16,7 8 15,-15-23-15</inkml:trace>
+  <inkml:trace contextRef="#ctx0" brushRef="#br0" timeOffset="-210629.89">19436 4854 0,'0'0'0,"0"0"16,0 0-16,0 0 15,0 0-15,0 0 16,8 0 0,-1-8-16,1 1 15,7-8-15,0-8 16,-7 0-1,-1 7-15,1 9 16,-1-8-16,1 7 16,0 0-16,-1 1 15,1-1 1,-8 8-16,7-8 16,1 1-16,-1-1 15,8 1 1,-7-1-16,7 0 15,0-7-15,-7 0 16,-1-1-16,1 1 16,0 0-1,-8 0-15,0 7 16,0-7-16,-8 0 16,0 7-1,-14 0-15,-9 8 16,9 0-16,22 0 15</inkml:trace>
+  <inkml:trace contextRef="#ctx0" brushRef="#br0" timeOffset="-209789.12">19890 4198 0,'0'0'15,"0"0"1,0 0-16,0 0 15,7 0-15,16 0 16,0 0-16,-1 0 16,1-8-1,-8 0-15,0 1 16,1-1-16,-1 1 16,-15 7-16</inkml:trace>
+  <inkml:trace contextRef="#ctx0" brushRef="#br0" timeOffset="-209645.12">20003 4503 0,'0'0'0,"0"0"16,8-8-1,-1 1-15,-7 7 16</inkml:trace>
+  <inkml:trace contextRef="#ctx0" brushRef="#br0" timeOffset="-208203.12">20880 3793 0,'0'0'15,"0"0"-15,0 0 16,0 0-16,0 0 15,0 0 1,0 0-16,0 0 16,0 0-16,-7-7 15,-1 7 1,1-8-16,-9 8 16,-6 0-16,-16 0 15,0 8-15,0 7 16,8 0-1,-8 8-15,8 8 16,0 30-16,7 15 16,8-15-1,7-8-15,8 8 16,8-15-16,0 0 16,7-8-1,7 0-15,1-15 16,0-7-16,-1-9 15,1-7-15,-8-7 16,0-9 0,0 1-16,-15 15 15</inkml:trace>
+  <inkml:trace contextRef="#ctx0" brushRef="#br0" timeOffset="-207861.12">20918 4221 0,'0'0'0,"0"0"16,0 0-16,0 0 15,8 7-15,-1 1 16,1 7-16,7 0 16,0 1-1,0-9-15,0 9 16,-7-9-16,-1 8 15,-7-15 1</inkml:trace>
+  <inkml:trace contextRef="#ctx0" brushRef="#br0" timeOffset="-207487.92">21281 4411 0,'0'0'0,"0"0"16,0 0-16,0 0 16,0-7-16,0-8 15,7-1-15,1 1 16,0 0 0,-1-1-16,1 1 15,-1 0-15,1 0 16,-1 7-1,1-7-15,-1 7 16,1 1-16,0 7 16,-1 0-16,1 0 15,7 7 1,0 8-16,0 1 16,0 7-16,0 7 15,-7 1 1,-1-8-16,1-8 15,0-8-15,-8-7 16</inkml:trace>
+  <inkml:trace contextRef="#ctx0" brushRef="#br0" timeOffset="-206538.63">21666 3595 0,'0'0'0,"0"0"16,0 0-16,0 0 15,0 0 1,0 0-16,8 7 16,7 1-16,0 0 15,8 7 1,0 0-16,-1 0 15,1 8-15,0 0 16,-1 0-16,1-8 16,0 1-1,-1 7-15,1-1 16,-8 1-16,0-7 16,0 7-16,1-1 15,-9 9 1,1-1-16,-8 9 15,-8-1-15,1 0 16,-16 0 0,0 0-16,0 16 15,-7 14-15,0-7 16,7-7 0,1 7-16,22-61 15</inkml:trace>
+  <inkml:trace contextRef="#ctx0" brushRef="#br0" timeOffset="-205600.12">22695 3534 0,'0'0'0,"0"0"15,0 0-15,-8 7 16,0 1 0,-7 0-16,-7 15 15,-1 7-15,-7 8 16,-8 16 0,0 14-16,0 54 15,8 8-15,15-31 16,7 16-16,16-24 15,0-7 1,7-23-16,15 16 16,0-9-16,-7-14 15,7-16 1,-7-7-16,-1-9 16,1-6-16,7-9 15,1 1-15,-9-8 16,8 8-1,-7-8-15,-8 0 16,-15 0-16</inkml:trace>
+  <inkml:trace contextRef="#ctx0" brushRef="#br0" timeOffset="-203916.15">23231 3648 0,'0'0'15,"0"0"-15,0 0 16,0 0-16,0 0 15,0 0-15,-7 15 16,-8 8 0,-16 16-16,-14-9 15,0 8-15,7 16 16,-7 37 0,7 1-16,7-8 15,16 23-15,15-8 16,0-23-16,8-30 15,-1-16 1,1-7-16,0-7 16,-1-9-16,8 1 15,8-8 1,7-8-16,0-15 16,-7-7-16,-8-1 15,0 1-15,-7-8 16,-8 7-1,-8 8-15,1 8 16,-8-8-16,0 8 16,-1 7-16,9 1 15,-1 7 1,1 0-16,7 0 16,0 0-16</inkml:trace>
+  <inkml:trace contextRef="#ctx0" brushRef="#br0" timeOffset="-203543.16">23647 4175 0,'0'0'0,"0"0"16,0 0-16,0 0 15,-7 0-15,-9 0 16,-6 7-16,-8 1 16,-8 7-1,0 8-15,8 0 16,7-8-16,8 1 16,7-1-1,8 0-15,8 0 16,7 1-16,8-1 15,-1 0 1,1 1-16,0-1 16,-8 0-16,0-7 15,0-1-15,-7-7 16,-1 0 0,-7 0-16</inkml:trace>
+  <inkml:trace contextRef="#ctx0" brushRef="#br0" timeOffset="-203211.16">23708 4411 0,'0'0'15,"0"0"-15,0 0 16,0 0 0,0 0-16,0-7 15,0-1-15,0-15 16,0 8-16,7-8 15,1 8 1,-1 0-16,1-1 16,-1 9-16,1-1 15,0 8 1,-1 0-16,1 8 16,-1-1-16,8 24 15,-7-8 1,-1-8-16,1-7 15,-8-8-15,8 7 16,-1 1-16,-7-8 16</inkml:trace>
+  <inkml:trace contextRef="#ctx0" brushRef="#br0" timeOffset="-202858.59">24070 4228 0,'0'0'0,"0"0"15,0 0-15,0 0 16,-7 8-16,-8 7 16,0 0-1,0 1-15,-1 7 16,1-1-16,8-6 15,7-9-15,0-7 16,0 0 0,7 0-16,1 0 15,-1 0-15,1 0 16,0 0-16,-8 0 16,7 8-1,1 0-15,-1 7 16,1 8-16,-1-16 15,1 9 1,-8-16-16</inkml:trace>
+  <inkml:trace contextRef="#ctx0" brushRef="#br0" timeOffset="-202569.59">24350 4335 0,'0'0'0,"0"0"16,0 0-16,0 0 15,0 0-15,0 0 16,0 0-1,0 0-15,0 0 16,0 0-16,0 0 16,8 8-16,-8-8 15</inkml:trace>
+  <inkml:trace contextRef="#ctx0" brushRef="#br0" timeOffset="-202123.59">24418 3641 0,'0'0'16,"0"0"-16,0 7 16,23 31-16,15 31 15,30 84 1,-15-16-16,0 8 16,-23-15-16,-8-16 15,-22 1 1,-22-24-16,22-91 15</inkml:trace>
+  <inkml:trace contextRef="#ctx0" brushRef="#br0" timeOffset="-92620.13">20812 8502 0,'0'0'0,"0"0"0,0 0 16,280-30-16,-242 37 15,7 1-15,-7 0 16,-8-1-16,0 1 15,-7 0-15,-8 7 16,0 0 0,0 8-16,0 8 15,1 7-15,-9 23 16,1 0 0,-1-8-16,1 1 15,-1 45-15,1-15 16,0 0-16,7-16 15,0 1 1,0 30-16,0-15 16,0-15-16,-7 0 15,-1-1 1,8 39-16,-7-30 16,7-9-16,0-30 15,8 31-15,-8 0 16,8-1-1,-8-6-15,0-17 16,8 9-16,-1-1 16,8 16-1,1 15-15,-9-31 16,-6-15-16,-1 1 16,0-9-16,0 1 15,0 7 1,-7 0-16,-1-8 15,1 1-15,-8-16 16,0 16 0,0-8-16,0-8 15,0-7-15,0 7 16,0-8-16,0 1 16,0 0-1,0-1-15,0 1 16,0 0-16,0-8 15,0 0 1,0 0-16,0 0 16,0 0-16,0 7 15,0-7 1,0 8-16,0 0 16,-8-1-16,1 1 15,-1-1-15,-7 1 16,-8 7-1,-7-7-15,0 7 16,-8 0-16,-7 1 16,7-1-16,0 8 15,-7 0 1,7-8-16,-15 8 16,0 0-16,-8 7 15,1-7 1,-16 0-16,-37 0 15,113-23-15</inkml:trace>
+  <inkml:trace contextRef="#ctx0" brushRef="#br0" timeOffset="-64020.21">21039 8579 0,'0'0'16,"0"0"-16,0 0 16,0 0-1,0 0-15,0 0 16,0 0-16,0 0 15,0 0-15,-15-8 16,-15-7 0,-1-1-16,-6 1 15,6-8-15,9 8 16,-16 0 0,0-1-16,-30-6 15,0 6-15,0 9 16,0-1-16,-23 0 15,-30-7 1,46 8-16,-16 7 16,-60 7-16,30-7 15,-8 8 1,-45 7-16,91 0 16,-60 8-16,-16 0 15,53-15-15,-53 15 16,53-16-1,8 1-15,-38-8 16,0 0-16,0 0 16,-8 8-1,38-1-15,-7 8 16,-16-7-16,16 0 16,7 7-16,0-7 15,1-1 1,44-7-16,-7 0 15,-15 0-15,-15-7 16,7 7 0,0-8-16,-15 8 15,1-8-15,36 1 16,-6-1-16,-16 8 16,-7 0-1,7 0-15,8-8 16,-23 8-16,0 0 15,31-7 1,-24 7-16,-6-8 16,-9 8-16,1 0 15,-8-7-15,7 7 16,39-8 0,-39 0-16,-22 1 15,8-1-15,-8 0 16,0 1-1,53-1-15,-46 0 16,-15-7-16,31 0 16,-53-16-16,52 9 15,1-1 1,-69-8-16,77 16 16,-62-8-16,16 0 15,23 8 1,-39-8-16,9 15 15,-9 1-15,46-1 16,-22 0-16,-31-7 16,38 7-1,-38-7-15,60 0 16,-44 7-16,-1 1 16,0-1-1,-7 0-15,60 1 16,-60-8-16,30 7 15,0 8-15,-23-8 16,53 8 0,-45 0-16,-8 0 15,15 0-15,-37 8 16,75-8-16,-60 15 16,15-22-1,7 7-15,-30 0 16,68 0-16,-68 22 15,31-14 1,-9 7-16,9 1 16,52-9-16,-53 8 15,1 1-15,29-9 16,-22 1 0,23 0-16,30-8 15,-46 7-15,16 1 16,0-8-16,-8 8 15,7-1 1,39 1-16,-1-1 16,-22-7-16,7 0 15,8 0 1,7 0-16,-15 0 16,8 0-16,15 0 15,15-7-15,8 7 16,0-8-1,-8 1-15,0-1 16,0 8-16,8-8 16,-1 8-16,1 0 15,7 0 1,0 0-16,0 8 16,1-8-16,-1 8 15,0-1 1,8 1-16,0-1 15,-1 9-15,1-1 16,0 0-16,7 0 16,0 8-1,1 0-15,-1 8 16,0-8-16,8 7 16,0-7-16,0-8 15,0 16 1,0-1-16,7 9 15,1 14-15,-1 8 16,1 0 0,-1-7-16,0-9 15,8 16-15,0 16 16,0 7-16,0-23 16,-7-8-1,7 8-15,0 23 16,0 15-16,0-30 15,0 7 1,0 16-16,0-8 16,0 8-16,0-24 15,0 1-15,0 15 16,0 15 0,-8-23-16,1 1 15,-1 14-15,-7 1 16,8-16-16,-1-15 15,0-15 1,1 0-16,-8 23 16,7-24-16,1-6 15,-1-9 1,-7 1-16,0-1 16,0 1-16,7-8 15,1-1-15,-9 1 16,1 8-1,8-16-15,-1 0 16,1 1-16,-1-1 16,8-7-16,0-1 15,0-7 1,0 0-16,0 0 16,0 0-16,0 0 15,0 8-15,0-8 16,8 7-1,7 1-15,7 0 16,16-1-16,8 1 16,-1 0-1,0-8-15,-7 7 16,8 1-16,6-8 16,16-8-1,8 8-15,-8 0 16,0 0-16,8-7 15,14-1-15,1-7 16,-23 7 0,8 0-16,30 1 15,0-8-15,-1 7 16,16 8-16,0-8 16,-53 1-1,31 7-15,22-8 16,7 0-16,16 1 15,-1-1 1,-44 0-16,59 8 16,9-7-16,7-1 15,-8 1-15,-53 7 16,61 7 0,-23-7-16,31 8 15,-46-8-15,30 7 16,8 1-16,7 0 15,-7 7 1,-7 0-16,22 1 16,0-9-16,0 16 15,-31-15-15,39 15 16,7-16 0,-22 9-16,14-1 15,1 0-15,37 16 16,-68-24-1,76 8-15,-45 1 16,-1-1-16,8 0 16,1-7-1,29 0-15,-90-8 16,128 7-16,-144-7 16,122 8-16,-54-8 15,16 0 1,53 7-16,-145-7 15,145-7-15,-61 14 16,-15-7-16,8 0 16,30 0-1,7 0-15,-68-7 16,99 7-16,-54-8 16,-37 8-1,98-7-15,-83-1 16,46 8-16,-54-8 15,46 8-15,15 8 16,-98-16 0,105 16-16,-60-23 15,15 15-15,-45 0 16,53-8 0,-23-7-16,-15 7 15,-8 0-15,30 8 16,-29-7-16,7 14 15,-61-7 1,99-7-16,-91 7 16,52-8-16,-59-7 15,-8 7 1,60-15-16,-60 8 16,7-8-16,31 0 15,15 0-15</inkml:trace>
+  <inkml:trace contextRef="#ctx0" brushRef="#br0" timeOffset="-36170.16">4952 9090 0,'0'0'0,"0"0"16,0 0 0,0 0-16,-8 0 15,1 0-15,-1-8 16,0 1-16,1 7 15,-8 0 1,7 0-16,1 0 16,-1 0-16,1 7 15,-1 1 1,8-8-16,0 0 16,0 0-16,8 8 15,-1-1-15,1 1 16,7-1-1,23 16-15,22 0 16,8-7-16,8-1 16,-8-8-16,30 9 15,8-9 1,-23-7-16,15 0 16,23 0-16,0-7 15,0 7 1,45-16-16,-75 9 15,-8 7-15,38-8 16,0 1-16,-30 7 16,37 0-1,1 0-15,-53-8 16,37-15-16,23 38 16,-38-15-1,8-15-15,23-8 16,-31 8-16,-45 7 15,15-7-15,8 7 16,-8 1 0,0 7-16,-15-8 15,-16 8-15,-6 0 16,-1 8-16,-8-1 16,1 9-1,7-1-15,1 0 16,-9 8-16,1 0 15,0 15 1,-8 0-16,7 39 16,-14 14-16,-8-7 15,-8 15-15,-7 23 16,0-15 0,0 0-16,-8 23 15,8-16-15,8 8 16,-8 31-16,15-31 15,0-15 1,0 8-16,15-9 16,0-6-16,0-16 15,0 0 1,-7-31-16,7-7 16,-8-8-16,1 0 15,-1-7-15,1-8 16,-8-16-1,0 8-15,0-7 16,0 0-16,0-8 16,0 7-16,0-7 15,0 0 1,0 0-16,0 0 16,0 0-16,0 0 15,0 0 1,0 0-16,-8 0 15,-7-7-15,-7-1 16,-9 0-16,1 8 16,-15-7-1,-8 7-15,0 0 16,-15 7-16,7 1 16,16 0-16,-23 7 15,-23 0 1,-14 0-16,-1 1 15,-23-1-15,1 0 16,37-7 0,-45-8-16,-23 15 15,23-15-15,-38 8 16,76-8-16,-23 0 16,-53 7-1,46-7-15,-54-7 16,76 7-16,-22-8 15,-39-7 1,54-8-16,-46 8 16,38-16-16,38 16 15,-53-16-15,15 9 16,23-9 0,-8 8-16,0 0 15,38 8-15,15 0 16,15-1-16,8 1 15,-8 0 1,1-8-16,6-8 16,1-30-16,0-61 15,0-38 1,7-84-16,0-31 16,8 130-16</inkml:trace>
+  <inkml:trace contextRef="#ctx0" brushRef="#br0" timeOffset="50455.77">21236 7876 0,'0'0'0,"15"0"0,22-7 0,546 68 0,-478-38 16,-37-8-16,-22-15 16,-16 0-1,-7-8-15,-8 8 16,-8 0-16,-7 0 16,0 0-1,0 0-15,-15 0 16,-15 0-16,0 8 15,0 0-15,7-1 16,8-7 0,0 0-16,7 0 15,1 0-15,7 0 16,0 0 0,0 0-16</inkml:trace>
+  <inkml:trace contextRef="#ctx0" brushRef="#br0" timeOffset="50999.79">21553 11532 0,'0'0'0,"0"0"16,8 0-16,37-7 15,38-9-15,15 1 16,23 7 0,-15-7-16,-23 8 15,-15-1-15,-7 0 16,-8 1-16,-53 7 15</inkml:trace>
+  <inkml:trace contextRef="#ctx0" brushRef="#br0" timeOffset="51251.79">21757 12379 0,'0'0'0,"8"0"16,37-7-16,-45 7 15</inkml:trace>
+  <inkml:trace contextRef="#ctx0" brushRef="#br0" timeOffset="52576.79">21515 12334 0,'0'0'16,"0"0"-16,0 0 15,0 0 1,0 0-16,0 0 15,0 0-15,15-8 16,31-7-16,37-1 16,15 1-1,23 8-15,45-16 16,-45 23-16,-121 0 16</inkml:trace>
+  <inkml:trace contextRef="#ctx0" brushRef="#br0" timeOffset="62471.32">8505 6655 0,'0'0'16,"0"0"-16,0 0 15,0 0 1,0 0-16,0 0 16,0 0-16,0 0 15,0 0-15,0-7 16,7-16-1,1-15-15,-1-8 16,9 0-16,6-7 16,16 7-16,23-8 15,7-22 1,-15 38-16,7 0 16,23-8-16,8 8 15,-31 15 1,-7 8-16,0 7 15,8-7-15,14 7 16,-7-7-16,0 15 16,-15 7-1,8 9-15,7-1 16,0 0-16,-8 1 16,-7 6-16,-15 1 15,0 0 1,-8 0-16,8 0 15,15 15-15,0-23 16,7 16 0,-7-16-16,0 8 15,7 0-15,9-8 16,-1 1-16,0-1 16,-15-8-1,-8 1-15,0 0 16,16-1-16,7-14 15,15-1 1,-23 0-16,1 1 16,7-1-16,15-7 15,0-8-15,-30 8 16,0-1 0,23-6-16,29-9 15,-14 1-15,-8-1 16,1 0-16,-1-7 15,7 0 1,-29 8-16,-8-9 16,0-6-16,15-16 15,0 0-15,-8 15 16,-7 8 0,-15 15-16,0 0 15,7 8-15,1-1 16,6 1-1,-6 7-15,-1 1 16,-7 7-16,-8 7 16,8 24-16,0 22 15,7 24 1,0-9-16,8-14 16,15 7-16,-7 23 15,-8-16 1,-8-6-16,8-9 15,23-7-15,-1-16 16,-7 1 0,-15-8-16,8-8 15,37-15-15,-7 0 16,-23-8-16,-23 8 16,1 0-1,-46 0-15</inkml:trace>
+</inkml:ink>
+</file>
+
+<file path=ppt/ink/ink23.xml><?xml version="1.0" encoding="utf-8"?>
+<inkml:ink xmlns:inkml="http://www.w3.org/2003/InkML">
+  <inkml:definitions>
+    <inkml:context xml:id="ctx0">
+      <inkml:inkSource xml:id="inkSrc0">
+        <inkml:traceFormat>
+          <inkml:channel name="X" type="integer" max="3360" units="cm"/>
+          <inkml:channel name="Y" type="integer" max="1872" units="cm"/>
+          <inkml:channel name="T" type="integer" max="2.14748E9" units="dev"/>
+        </inkml:traceFormat>
+        <inkml:channelProperties>
+          <inkml:channelProperty channel="X" name="resolution" value="114.28571" units="1/cm"/>
+          <inkml:channelProperty channel="Y" name="resolution" value="112.77109" units="1/cm"/>
+          <inkml:channelProperty channel="T" name="resolution" value="1" units="1/dev"/>
+        </inkml:channelProperties>
+      </inkml:inkSource>
+      <inkml:timestamp xml:id="ts0" timeString="2020-09-15T18:09:35.894"/>
+    </inkml:context>
+    <inkml:brush xml:id="br0">
+      <inkml:brushProperty name="width" value="0.05292" units="cm"/>
+      <inkml:brushProperty name="height" value="0.05292" units="cm"/>
+      <inkml:brushProperty name="color" value="#FF0000"/>
+    </inkml:brush>
+  </inkml:definitions>
+  <inkml:trace contextRef="#ctx0" brushRef="#br0">8316 6625 0,'0'0'0,"0"0"15,0 0-15,0 0 0,0 0 16,0 0-16,0 0 16,0 0-16,0 0 15,0 0 1,0 0-16,0 0 15,0 0-15,0 0 16,0 0 0,0 0-16,7 7 15,1 1-15,-1 0 16,1-1-16,0 1 16,-1 0-1,1-1-15,-1 1 16,-7-8-16,8 15 15,-8-7 1,0-1-16,0 1 16,7 7-16,1-7 15,0 0-15,-1 7 16,1 0 0,-1 0-16,1 1 15,-1-1-15,1 0 16,-1 0-16,1 1 15,0-9 1,-1 9-16,1-9 16,-1 8-16,1 1 15,-8-16-15,0 0 16,7 15 0,1-7-16,-1-1 15,1 1-15,0-1 16,7 1-1,0 0-15,0-1 16,0 1-16,0-8 16,8 0-1,0 8-15,7-8 16,-8 0-16,1 0 16,0 0-16,0 7 15,-1-7-15,1 0 16,0 0-1,-1 0-15,8 8 16,8-8-16,-7-8 16,6 1-1,-6 7-15,-1 0 16,0 0-16,-7 0 16,-1-8-16,-7 8 15,1 0 1,-1 0-16,0 0 15,8 0-15,7 0 16,0 0 0,0-8-16,8 1 15,0-1-15,-8 0 16,0 1-16,1 7 16,-9 0-1,1 0-15,7 0 16,0 0-16,8-8 15,-8 1-15,8-1 16,0 0 0,0 1-16,-8 7 15,-7-8-15,-1 8 16,1-8 0,-8 8-16,0 0 15,0 0-15,8 0 16,0 0-16,0 0 15,7 0 1,8-7-16,-1 7 16,9-8-16,-8 1 15,-1 14 1,-6-7-16,-1-15 16,0 15-16,0 0 15,8 0-15,0 0 16,0 0-16,-1 0 15,9 0 1,-8 0-16,-16 0 16,1 0-16,0 0 15,-1 8 1,1-8-16,0 0 16,7 0-16,8 0 15,0 7-15,-1-7 16,1 0-1,-8 0-15,1 0 16,-1 15-16,-7 1 16,-1-16-1,-7 0-15,8 0 16,0 7-16,-1 1 16,1 0-16,7-1 15,1 1 1,-1-1-16,0 1 15,-7 0-15,-1 7 16,-7-7-16,1-1 16,-1 1-1,0 0-15,0-1 16,8 1-16,-1-1 16,9 1-1,-9 0-15,1 7 16,0-7-16,-1-1 15,-7-7-15,8 8 16,-8-8 0,0 7-16,0 1 15,1 0-15,-1-1 16,0 1-16,-8 0 16,1-1-1,-1 1-15,-7-8 16,8 8-16,-8-8 15,0 0 1,0 0-16,0 0 16,0 0-16,0 0 15,8-8-15,-8 8 16,7-8 0,-7 8-16,8-7 15,-1-9-15,1 1 16,-1 0-1,1 0-15,7-8 16,0 0-16,8-15 16,-8 15-1,0 15-15,8-15 16,-1 8-16,9 0 16,-9-1-16,9 1 15,-1 0-15,0 7 16,-7 1-1,-1-1-15,1 0 16,0 1-16,0-1 16,7 8-1,0 0-15,15-8 16,1 8-16,-1 0 16,8 0-16,-15 8 15,7 0 1,1-1-16,6-14 15,-6 7-15,7 7 16,-8 1 0,-7 0-16,0-1 15,-1 1-15,16-8 16,8 0-16,7 0 16,-8 0-1,-14 8-15,7-8 16,0 7-16,45-14 15,-15 7 1,-30 0-16,-8 0 16,-7 0-16,15 0 15,0 0 1,7-8-16,-7 8 16,0 0-16,-7 0 15,-9 0-15,1 0 16,8 8-16,-1-8 15,0 0 1,1 0-16,-1 0 16,-15 7-16,-7 1 15,0-8 1,-1 0-16,1 0 16,15 0-16,7-8 15,0 8-15,1 0 16,-1 0-1,-7 8-15,0-8 16,-8 7-16,0-7 16,8 8-1,7 0-15,1-8 16,7 0-16,-8 0 16,-7 0-16,-8 0 15,-7 7 1,-1 1-16,16 0 15,0-8-15,15 0 16,0 7 0,-8-7-16,1 0 15,-9 8-15,-6-1 16,6-7-16,1 8 16,0-8-1,7 8-15,1-1 16,-1 1-16,-7 0 15,-15-1 1,-1-7-16,1 0 16,-8 0-16,8 0 15,-1 8-15,9 0 16,-9-8 0,1 0-16,0 0 15,7 0-15,-7 0 16,7 0-1,-7 0-15,-1 0 16,1-8-16,0 8 16,-8 0-1,0 0-15,0-8 16,0 1-16,0-1 16,0 0-16,8-7 15,0 7 1,-1-7-16,1 0 15,-8 0-15,8-8 16,-8 15-16,0-7 16,0 0-1,0-1-15,0 1 16,-7 0-16,0 0 16,-1-1-1,1 9-15,-1-1 16,1-7-16,-1 0 15,1 7-15,-8 8 16,7-8 0,-7 1-16,0-1 15,0 0-15,0 8 16,0-7 0,0-1-16,0 8 15,0-8-15,0 8 16,0 0-16,0 0 15,0 0 1,0 0-16,0 0 16</inkml:trace>
+  <inkml:trace contextRef="#ctx0" brushRef="#br0" timeOffset="57695.93">4158 6716 0,'0'0'0,"0"0"16,0 0-16,0 0 15,0 0 1,0 0-16,0 0 15,0 0-15,0 0 16,-8 8 0,8 7-16,-7 8 15,-1 15-15,1 0 16,-1 16-16,1-8 16,7-8-1,0 0-15,-8 15 16,8-30-16,0-7 15,0-1-15,0 0 16,0-7 0,0-1-16,0 1 15,0-8-15,0 8 16,0-8-16,0 0 16,8 7-1,-8-7-15,7 0 16,8 0-16,0 0 15,8-7 1,7-1-16,16 0 16,7 1-16,7-1 15,0-7-15,-7 15 16,15-15 0,16 7-16,-1-7 15,-15 7-15,0-7 16,23 0-16,7 7 15,-7 0 1,-1 8-16,24 0 16,7 0-16,-38 8 15,38-16 1,0 24-16,-8-1 16,16-8-16,-1 1 15,-45-8-15,23 8 16,23-8-1,-1 7-15,16 16 16,-8-23-16,-45-15 16,37 23-16,1-1 15,-24 1 1,24-1-16,-1-7 16,-44 0-16,-1 8 15,23 0 1,-1-1-16,-6 9 15,-16-16-15,0 7 16,0 9-16,-22-9 16,-23 1-1,-8-1-15,-8 1 16,1-8-16,-8 0 16,-7 0-16,-1 0 15,1 0 1,-1 0-16,-7 0 15,0 0-15,0 0 16,0 0 0,0 0-16,0-8 15,0-7-15,0-15 16,8-16-16,-8-38 16,0 0-1,0 84-15</inkml:trace>
+  <inkml:trace contextRef="#ctx0" brushRef="#br0" timeOffset="-33905.51">8316 8212 0,'0'0'0,"0"0"0</inkml:trace>
+  <inkml:trace contextRef="#ctx0" brushRef="#br0" timeOffset="-31920.44">8429 7693 0,'0'0'0,"0"0"15,0 0-15,0 0 16,0 0-16,0 0 16,0 0-1,0 0-15,8 8 16,-1 0-16,1 7 16,-1 0-1,1 0-15,-8 1 16,8 6-16,-1 1 15,-7 8 1,8-1-16,-8 9 16,7-1-16,-7 0 15,0 0-15,0-15 16,0 0 0,8 0-16,-8-8 15,7 0-15,1 1 16,-1-1-16,1-8 15,0 1 1,7 0-16,0-1 16,0 1-16,8 0 15,-1-1-15,9-7 16,-1 0 0,0 0-16,0 0 15,1 0-15,-1 0 16,0 0-1,8 0-15,0 0 16,-1 0-16,1 0 16,8-7-16,-9 7 15,1 0 1,-15 0-16,-1 0 16,9 0-16,7 0 15,7 0 1,0 0-16,8 0 15,-7-8-15,-1 8 16,0 0-16,1 0 16,7 0-1,7-8-15,0 8 16,-7-7-16,-7-1 16,-16 8-16,8 0 15,15 0 1,0 0-16,15 0 15,-8 0-15,-7-8 16,0 8 0,0 8-16,0-16 15,0 16-15,0-8 16,-8 8 0,0-1-16,-7 1 15,-15 0-15,0-1 16,-1 9-16,1-1 15,0 0-15,-8 0 16,7 1 0,-6-1-16,-1 0 15,0 0-15,0 1 16,0-1 0,0 0-16,-7 0 15,-1 1-15,1-9 16,-1 9-16,1-9 15,-1 1 1,-7-8-16,0 0 16,0 0-16,0 0 15,8 0-15,0-8 16,7 1 0,0-9-16,0-7 15,0 1-15,8-1 16,-1-8-1,-6 16-15,6-8 16,1 8-16,7-8 16,8 8-16,0-1 15,7 1 1,0 0-16,-7 7 16,0 8-16,7-23 15,8 23-15,15 0 16,0 0-1,0 0-15,0 0 16,16 0-16,6 0 16,1 0-1,-30 0-15,14 0 16,31 0-16,0 0 16,-8 0-1,16 0-15,6 0 16,-36 0-16,21 0 15,47 0-15,-69 0 16,15 0 0,68-7-16,-60 14 15,-15-7-15,45 0 16,-15 8-16,-15-1 16,15 1-1,-8-8-15,-45 8 16,15-8-16,16 0 15,6 0 1,-21 7-16,-1 1 16,8-8-16,7 0 15,-38 0-15,-7 0 16,23 0 0,-8 0-16,0-8 15,-8 1-15,-7-1 16,-7 0-1,-9 8-15,9-7 16,-8-8-16,7-1 16,0 1-16,1-8 15,-1-7 1,-7-16-16,-8 8 16,0 0-16,-7-1 15,0 9-15,-1-16 16,1 8-1,-8 7-15,0 1 16,-7-1-16,-1 8 16,-7 0-1,0-7-15,-15-1 16,0-7-16,-8-8 16,-7-15-1,-15 8-15,45 53 16</inkml:trace>
+  <inkml:trace contextRef="#ctx0" brushRef="#br0" timeOffset="-26291.89">10674 9059 0,'0'0'15,"0"0"-15,0 0 16,16-7-16,14-1 16,8-7-16,7-8 15,0 0 1,-7 8-16,-8 0 15,1 7-15,-9 0 16,1-7 0,7 0-16,0 0 15,1-1-15,-1 9 16,0-1-16,-7 0 16,0-7-1,-8 7-15,-15 8 16</inkml:trace>
+  <inkml:trace contextRef="#ctx0" brushRef="#br0" timeOffset="-25907.91">10916 8869 0,'0'0'16,"0"0"0,0 0-16,8 7 15,-1 1-15,9 0 16,-1 7 0,0 0-16,0 0 15,0 8-15,0-8 16,0 1-16,0 7 15,1 0 1,-1-1-16,7 9 16,1 7-16,0-7 15,-1-1-15,-6-7 16,-1 0 0,-8-8-16,1 1 15,-1-9-15,-7 8 16,0-15-16</inkml:trace>
+  <inkml:trace contextRef="#ctx0" brushRef="#br0" timeOffset="-24968.42">11461 8907 0,'0'0'0,"0"0"16,0 0-16,0 0 15,0 0-15,0 0 16,0 0 0,7-8-16,1-7 15,-1 0-15,1-8 16,-1 0-16,1 0 16,0 0-1,-8 8-15,0 0 16,0 7-16,0 0 15,0 1-15,0-1 16,0 8 0,0 0-16,0 0 15,0 0-15,0 0 16,0 0 0,0 0-16,7 0 15,1 0-15,7 8 16,8 7-16,-1 8 15,1-8 1,-8 8-16,0-8 16,0 0-16,0 1 15,-7-9 1,-1 9-16,1-9 16,7 1-16,-7 7 15,7-7-15,0-1 16,0 9-1,0-9-15,0 9 16,0-1-16,-7-8 16,7 9-16,-7-1 15,-8-15 1</inkml:trace>
+  <inkml:trace contextRef="#ctx0" brushRef="#br0" timeOffset="-24689.31">11808 9220 0,'0'0'15,"0"0"-15,0 0 16,8 0-16,7 0 16,0 0-1,8 0-15,-8 0 16,8-8-16,-8-7 16,-15 15-16</inkml:trace>
+  <inkml:trace contextRef="#ctx0" brushRef="#br0" timeOffset="-17770.25">11551 8495 0,'0'0'16,"0"0"-16,-15-8 15,0 0 1,-8-7-16,8 7 16,-15-7-16,-23-8 15,-15 8-15,0 0 16,0 7 0,8 8-16,-16 8 15,0-1-15,1 9 16,14-1-1,16 8-15,-8 0 16,0 7-16,-7 1 16,7-1-16,0 1 15,7-1 1,1 16-16,15-8 16,-8 16-16,8-16 15,7-8-15,-7 9 16,7 6-1,8 24-15,8 0 16,-1-1-16,8-6 16,0-1-1,8-8-15,-1 0 16,1 1-16,-1-8 16,8-8-16,0-8 15,1 9 1,-1-9-16,7 1 15,1-1-15,7 8 16,1-7-16,-1-8 16,15 22-1,1 1-15,-16-15 16,0-1-16,0 1 16,16-1-1,7-7-15,7 8 16,0-8-16,8 0 15,-15-8-15,8-7 16,-1-1 0,8 1-16,-7-1 15,-16 1-15,1-8 16,-1 0-16,15 0 16,8-8-1,-7 1-15,-1-8 16,-7-1-16,8-7 15,-1 0 1,8 1-16,-7-1 16,-8-8-16,-8 1 15,-15-1-15,1-7 16,-1 7 0,0 1-16,0-1 15,-7 1-15,0-8 16,-1-1-1,1-6-15,-8-1 16,-7 0-16,-1 0 16,-14-7-16,-1 7 15,-7-15 1,-8 0-16,1 0 16,7 23-16,-1 0 15,1 7-15,0 1 16,-7-1-1,-9 0-15,-7 9 16,-7-1-16,-15-8 16,-8 1-1,0-1-15,-16 1 16,-21-16-16,29 23 16,15 8-16,-29-1 15,-16 1 1,8 0-16,-23 15 15,121 0-15</inkml:trace>
+</inkml:ink>
+</file>
+
+<file path=ppt/ink/ink24.xml><?xml version="1.0" encoding="utf-8"?>
+<inkml:ink xmlns:inkml="http://www.w3.org/2003/InkML">
+  <inkml:definitions>
+    <inkml:context xml:id="ctx0">
+      <inkml:inkSource xml:id="inkSrc0">
+        <inkml:traceFormat>
+          <inkml:channel name="X" type="integer" max="3360" units="cm"/>
+          <inkml:channel name="Y" type="integer" max="1872" units="cm"/>
+          <inkml:channel name="T" type="integer" max="2.14748E9" units="dev"/>
+        </inkml:traceFormat>
+        <inkml:channelProperties>
+          <inkml:channelProperty channel="X" name="resolution" value="114.28571" units="1/cm"/>
+          <inkml:channelProperty channel="Y" name="resolution" value="112.77109" units="1/cm"/>
+          <inkml:channelProperty channel="T" name="resolution" value="1" units="1/dev"/>
+        </inkml:channelProperties>
+      </inkml:inkSource>
+      <inkml:timestamp xml:id="ts0" timeString="2020-09-15T18:11:38.516"/>
+    </inkml:context>
+    <inkml:brush xml:id="br0">
+      <inkml:brushProperty name="width" value="0.05292" units="cm"/>
+      <inkml:brushProperty name="height" value="0.05292" units="cm"/>
+      <inkml:brushProperty name="color" value="#FF0000"/>
+    </inkml:brush>
+  </inkml:definitions>
+  <inkml:trace contextRef="#ctx0" brushRef="#br0">10871 6503 0,'0'0'0,"0"0"16,0 0-1,0 7-15,8 1 16,-1 0-16,8 7 16,0-8-1,0 1-15,1 0 16,-1-8-16,0 0 15,0 0-15,0 0 16,-15 0 0</inkml:trace>
+  <inkml:trace contextRef="#ctx0" brushRef="#br0" timeOffset="588.8">10773 6602 0,'0'0'0,"0"0"16,7 7-16,24 9 15,14-1 1,-45-15-16</inkml:trace>
+</inkml:ink>
+</file>
+
+<file path=ppt/ink/ink25.xml><?xml version="1.0" encoding="utf-8"?>
+<inkml:ink xmlns:inkml="http://www.w3.org/2003/InkML">
+  <inkml:definitions>
+    <inkml:context xml:id="ctx0">
+      <inkml:inkSource xml:id="inkSrc0">
+        <inkml:traceFormat>
+          <inkml:channel name="X" type="integer" max="3360" units="cm"/>
+          <inkml:channel name="Y" type="integer" max="1872" units="cm"/>
+          <inkml:channel name="T" type="integer" max="2.14748E9" units="dev"/>
+        </inkml:traceFormat>
+        <inkml:channelProperties>
+          <inkml:channelProperty channel="X" name="resolution" value="114.28571" units="1/cm"/>
+          <inkml:channelProperty channel="Y" name="resolution" value="112.77109" units="1/cm"/>
+          <inkml:channelProperty channel="T" name="resolution" value="1" units="1/dev"/>
+        </inkml:channelProperties>
+      </inkml:inkSource>
+      <inkml:timestamp xml:id="ts0" timeString="2020-09-15T18:21:04.968"/>
+    </inkml:context>
+    <inkml:brush xml:id="br0">
+      <inkml:brushProperty name="width" value="0.05292" units="cm"/>
+      <inkml:brushProperty name="height" value="0.05292" units="cm"/>
+      <inkml:brushProperty name="color" value="#FF0000"/>
+    </inkml:brush>
+  </inkml:definitions>
+  <inkml:trace contextRef="#ctx0" brushRef="#br0">9790 9250 0,'0'0'0,"0"0"0,0 0 0,0 0 15,0 0-15,0 8 16,0 7-16,0 8 16,0 15-16,0 0 15,8 1 1,-1-1-16,-7-8 15,0-7-15,8 8 16,-1-16-16,1 0 16,-1 0-1,1 1-15,-1-1 16,1-7-16,0 7 16,7-8-1,0 1-15,0 0 16,0-1-16,0 9 15,0-9 1,8 1-16,7 0 16,0-1-16,8 1 15,0-1-15,0 1 16,0-8-16,7 8 16,0-8-1,1-8-15,7 16 16,0-8-16,15 0 15,-15 0 1,-8 0-16,8 7 16,15-7-16,15 0 15,0-7-15,-15 7 16,-7 0 0,22 0-16,-8-8 15,1 8-15,-23 0 16,0 0-1,15 8-15,15-8 16,0 7-16,0 1 16,-7 0-16,15 22 15,7-22-15,-30-8 16,-15 0 0,23 0-16,22 0 15,-15 7-15,-15 1 16,0 0-1,0 7-15,-7-7 16,7 14-16,-16-14 16,-14 15-1,-7-15-15,-1 7 16,8 0-16,7 0 16,-7 1-16,15-1 15,-16-7 1,-6-1-16,-9-7 15,-7 8-15,1-1 16,-9 1 0,1 0-16,-8-8 15,0 0-15,0 0 16,0 0-16,0 0 16,0 0-1,0 0-15,0 0 16,0 0-16,0 0 15,7-8-15,1-7 16,-1-8 0,1 0-16,7 0 15,0-7-15,0-1 16,-7 16 0,-1 7-16,9-15 15,-1 8-15,0 0 16,0-1-1,23-6-15,0-1 16,7 0-16,-7 8 16,-1 7-16,-6 8 15,-1-8 1,15 1-16,16-1 16,7 0-16,7 8 15,-7 0-15,8 8 16,7-8-1,8 8-15,-23-1 16,-15 1-16,22 0 16,24-1-1,7 1-15,-16 7 16,16-7-16,0-8 16,-15 7-16,-16 1 15,31 0 1,15 7-16,-15-30 15,0 37-15,15-6 16,-31-1-16,1-7 16,23 15-1,-1-16-15,-22 8 16,15-7-16,7-8 16,-30 0-1,-15 15-15,38-15 16,0-7-16,-8-9 15,-15 1 1,23-8-16,0 0 16,-30 0-16,-24 1 15,16-9-15,16 1 16,-24-1 0,8-7-16,-7-8 15,-8 0-15,-1-7 16,1 7-1,-7 8-15,-1 0 16,-15 15-16,-15 8 16,1-1-1,-9 9-15,1-1 16,-1 0-16,-7 8 16,-7-7-16,-31-1 15,38 8 1</inkml:trace>
+  <inkml:trace contextRef="#ctx0" brushRef="#br0" timeOffset="2674.83">5330 9922 0,'0'0'15,"0"-8"1,0-22-16,0 30 16,0 0-16,0 0 15,0 0-15,0 0 16,0 0-1,0 0-15,0 0 16,0 30-16,0-7 16,7 15-16,1 46 15,-1 0 1,8 0-16,8-15 16,0-8-16,0 23 15,-1-15 1,8-1-16,-7-22 15,0 0-15,-1-8 16,9 8-16,-9 0 16,9-8-1,14 8-15,8-8 16,0-8-16,7 1 16,1-8-16,14 0 15,9-8 1,-1-15-16,-15 0 15,-15 0-15,22-15 16,8-1-16,8 1 16,-8 7-1,23-7-15,8 0 16,-9 0-16,-21 7 16,44-23-1,-7 9-15,-8 14 16,8 0-16,15-7 15,-52 7-15,29-7 16,38 7 0,-30 8-16,45-7 15,-52 7-15,22-23 16,30 46 0,-37-31-16,30 1 15,-39 7-15,-6 0 16,45 0-16,-38 7 15,15 8 1,22-7-16,-52 0 16,38 15-16,0 0 15,-8-16-15,15 8 16,-45 1 0,22-9-16,16 16 15,-38-8-15,15 8 16,7 0-1,-45-7-15,-7 6 16,15 1-16,-8-7 16,-15-1-16,-15 8 15,-8 0 1,-15-8-16,-7 0 16,-8 0-16,0-7 15,-7 0 1,-1-1-16,-7-7 15,8 8-15,-8 0 16,0-8-16,0 0 16,0 0-1,0 0-15,0 0 16,-8 0-16,1-8 16,-8-7-16,0-8 15,-1 0 1,1 0-16,8-8 15,-1-14-15,1-1 16,7 8-16,7-8 16,1 8-1,-1 7-15,8 1 16,1 7-16,-1-8 16,7 8-1,16-7-15,0 15 16,7-1-16,16-7 15,-16 16 1,0-1-16,24 1 16,14-1-16,0 0 15,0 1-15,-7 7 16,7 7 0,23-22-16,-31 7 15,16 1-15,60-1 16,-53 8-16,-14 0 15,67 0 1,-38 8-16,-30 7 16,38-7-16,0 15 15,-15-16 1,38 1-16,-23-1 16,-53 9-16,45-1 15,23-7 1,-22 7-16,14 0 15,1-15-15,-39 15 16,16-7-16,30-8 16,-15 8-1,-7-1-15,29-7 16,-37 8-16,7 0 16,39-8-1,-24 0-15,-7 0 16,30 0-16,-68 0 15,46 0-15,30 0 16,-31 0-16,16-8 16,-31-7-1,-14 7-15,37-7 16,-23 0-16,-7-1 16,30-14-1,-15-1-15,-53-7 16,23-23-16,-8-8 15,-8 16 1,1-23-16,-16-8 16,-7 0-16,-15 15 15,-8-15-15,-7 38 16,7-61 0,-15 54-16,1 7 15,-9 0-15,-7 1 16,0-1-1,-7-8-15,-16-14 16,-22-9-16,45 77 16</inkml:trace>
+  <inkml:trace contextRef="#ctx0" brushRef="#br0" timeOffset="15458.62">13547 10166 0,'0'0'15,"0"0"-15,0 0 16,0 0-1,0 0-15,0 0 16,0 0-16,0 0 16,0 0-1,0 0-15,0 0 16,0 0-16,8-8 16,-1 1-1,1-1-15,-1 1 16,1-1-16,-8 0 15,8 1-15,-1-9 16,1 9 0,-8 7-16,0 0 15,0 0-15,0 0 16</inkml:trace>
+  <inkml:trace contextRef="#ctx0" brushRef="#br0" timeOffset="15961.62">13623 10067 0,'0'0'0,"0"0"15,0 0-15,0 0 16,0 0 0,0 0-16,0 0 15,0 0-15,0 0 16,0 0-16,0 0 16,0 0-1,0 0-15,0 0 16,7 8-16,-7-8 15,8 7-15,-8-7 16,7 8 0,1-1-16,0-7 15,-1 0-15,1 0 16,-1 8 0,1 0-16,-1-1 15,1 1-15,0 0 16,7-1-16,0 1 15,0-1 1,0 1-16,0 0 16,0-1-16,-7 1 15,-1 0 1,-7-8-16</inkml:trace>
+  <inkml:trace contextRef="#ctx0" brushRef="#br0" timeOffset="16803.43">13630 10227 0,'0'0'16,"0"0"-16,0 0 15,0 0-15,0 0 16,0 0 0,0 0-16,0 0 15,0 0-15,0 0 16,0 0-16,0-7 15,8-9 1,-1 1-16,9-8 16,-1 0-16,7-15 15,-6 23 1,-1 0-16,0-1 16,0 1-16,0 0 15,-7 7 1,-1 0-16,1 1 15,-8 7-15,7-8 16,-7 8-16,0 0 16</inkml:trace>
+  <inkml:trace contextRef="#ctx0" brushRef="#br0" timeOffset="17583.09">14046 9899 0,'0'0'0,"0"0"15,0-8 1,0 8-16,0 0 16,0 0-16,0 0 15,0 0-15,0 0 16,0 0-1,0 0-15,8 0 16,-1 0-16,8 8 16,1 0-1,6-1-15,1 9 16,0-1-16,-1 0 16,-7-7-16,0-1 15,-7 1 1,0 0-16,7-1 15,-8 1-15,16 7 16,0 0 0,7 8-16,8 0 15,-8 0-15,-30-23 16</inkml:trace>
+  <inkml:trace contextRef="#ctx0" brushRef="#br0" timeOffset="18355.47">13577 10136 0,'0'0'16,"0"0"-1,0 0-15,0 0 16,0 0-16,0 0 15,0 0-15,0 0 16,0 0 0,0 0-16,0 0 15,0 0-15,0 0 16,0 0 0,0 0-16,8-8 15,0-7-15,7 7 16,0-7-16,0 0 15,8-1 1,-8 1-16,0 7 16,0 1-16,-7-1 15,-1 0 1,1 8-16,-8 0 16,0 0-16</inkml:trace>
+  <inkml:trace contextRef="#ctx0" brushRef="#br0" timeOffset="18671.49">13774 10036 0,'0'0'15,"0"0"-15,0 0 16,0 0-16,0 0 16,8 16-1,-1-1-15,16 8 16,7 23-16,0-1 16,1-6-16,-1-1 15,-8-8 1,1 1-16,-8-8 15,0 0-15,-7-8 16,-8-15-16</inkml:trace>
+</inkml:ink>
+</file>
+
+<file path=ppt/ink/ink26.xml><?xml version="1.0" encoding="utf-8"?>
+<inkml:ink xmlns:inkml="http://www.w3.org/2003/InkML">
+  <inkml:definitions>
+    <inkml:context xml:id="ctx0">
+      <inkml:inkSource xml:id="inkSrc0">
+        <inkml:traceFormat>
+          <inkml:channel name="X" type="integer" max="3360" units="cm"/>
+          <inkml:channel name="Y" type="integer" max="1872" units="cm"/>
+          <inkml:channel name="T" type="integer" max="2.14748E9" units="dev"/>
+        </inkml:traceFormat>
+        <inkml:channelProperties>
+          <inkml:channelProperty channel="X" name="resolution" value="114.28571" units="1/cm"/>
+          <inkml:channelProperty channel="Y" name="resolution" value="112.77109" units="1/cm"/>
+          <inkml:channelProperty channel="T" name="resolution" value="1" units="1/dev"/>
+        </inkml:channelProperties>
+      </inkml:inkSource>
+      <inkml:timestamp xml:id="ts0" timeString="2020-09-15T18:25:31.201"/>
+    </inkml:context>
+    <inkml:brush xml:id="br0">
+      <inkml:brushProperty name="width" value="0.05292" units="cm"/>
+      <inkml:brushProperty name="height" value="0.05292" units="cm"/>
+      <inkml:brushProperty name="color" value="#FF0000"/>
+    </inkml:brush>
+  </inkml:definitions>
+  <inkml:trace contextRef="#ctx0" brushRef="#br0">15634 7716 0,'0'0'0,"0"0"16,0 0-16,90-53 0,-37 15 15,15-1-15,0 1 16,0 0-16,0 0 15,16-15 1,21-24-16,-21 16 16,-16 8-16,0 7 15,30-23 1,8 1-16,-23 6 16,-7 9-16,7 7 15,0 0-15,-23 16 16,-14 7-1,-1 0-15,-7 8 16,-8 0-16,0 7 16,-7 0-1,0 1-15,-8-1 16,-8 8-16,-7 0 16,0 0-16</inkml:trace>
+  <inkml:trace contextRef="#ctx0" brushRef="#br0" timeOffset="1107.08">15694 7777 0,'0'0'0,"0"0"16,0 0-16,0 0 16,8-7-1,-1-9-15,8-7 16,1-7-16,-1-1 16,-8 1-16,8-1 15,0 8 1,1-7-16,6 7 15,1 0-15,-8 0 16,0 8-16,0 7 16,-7 1-1,-1-1-15,-7 8 16,0 0-16,0 0 16,0 0-1,0 0-15,-7 8 16,-1-1-16,1 9 15,-8-1-15,-1 0 16,9 0 0,-8 8-16,7 0 15,1-8-15,-1 1 16,1-1 0,7-7-16,0 7 15,0-8-15,0-7 16,7 8-1,1-8-15,7 0 16,7 0-16,1 0 16,0-8-16,0 1 15,-1-1 1,-7 1-16,0-1 16,-7 0-16,0 1 15,-8 7-15,0 0 16,0-8-1,0 0-15,0 1 16,-8-1-16,0 1 16,-7-1-1,-7 0-15,-1-7 16,23 15-16</inkml:trace>
+  <inkml:trace contextRef="#ctx0" brushRef="#br0" timeOffset="5782.83">11438 6930 0,'0'0'0,"0"0"16,0 0-16,0 0 15,0 0-15,0 0 16,0 0-1,0 0-15,0 0 16,0 0-16,0 0 16,-8 8-16,-7 15 15,-7-1 1,-9 9-16,-6 0 16,-16 7-16,0 7 15,7 1 1,-7 8-16,-7 14 15,7-14-15,-15-1 16,8 1-16,7-1 16,15 1-1,0-1-15,0 0 16,0-7-16,8-8 16,0-7-1,7-8-15,8 0 16,0-8-16,0 8 15,7-16-15,1 1 16,-1 0 0,8-8-16,0 0 15,0 0-15,0 0 16,15 0-16,16 0 16,-1-8-1,-7 0-15,7-7 16,0 0-16,0 0 15,1-1 1,-9 9-16,-7-1 16,-7 8-16,-1 0 15,-7 0-15,0 0 16,0 0 0,0 0-16,-7 15 15,-1-7-15,1 0 16,-1-1-1,1 1-15,7 0 16,0-8-16,0 0 16,0 0-16,0 0 15,0 0 1,0 0-16,0 0 16,0 0-16,0 0 15,0 0-15,0 0 16,0 0-1</inkml:trace>
+  <inkml:trace contextRef="#ctx0" brushRef="#br0" timeOffset="6999.4">6055 8021 0,'0'0'0,"8"-7"15,7 7-15,23-31 16,15 1-16,-8 7 15,-7 0-15,-8 0 16,0 0 0,8-7-16,0 7 15,-8 0-15,1-8 16,-1 1 0,-8 15-16,1-8 15,-8 7-15,0 1 16,0 0-16,1 0 15,6-8 1,-7 0-16,1 8 16,-9 7-16,1 0 15,-1 1 1,1-1-16,-8 8 16,7-8-16,-7 8 15,0 0-15,0 0 16,0 0-1,0 0-15,8 0 16,-1-7-16,1 7 16,0 0-16,-1-8 15,1 8 1,-1 0-16,-7 0 16,8 0-16,-8 0 15,0 0 1,0 0-16,7 0 15,-7 0-15,8 0 16,-1 0-16,1 0 16,7-8-1,-7 8-15,-1 0 16,-7 0-16,0 0 16,0 0-16</inkml:trace>
+  <inkml:trace contextRef="#ctx0" brushRef="#br0" timeOffset="7420.41">5897 8105 0,'0'0'16,"0"0"-16,0-7 15,7-8 1,16-24-16,0-14 16,-1-8-16,-7 7 15,-15 1 1,0 7-16,-7 8 15,-1 23-15,1 7 16,7 8 0,0 0-16,0 15 15,0 1-15,0 7 16,0-8-16,7 8 16,1-8-1,-1 8-15,1 0 16,-1-8-16,9 16 15,-16-31-15</inkml:trace>
+  <inkml:trace contextRef="#ctx0" brushRef="#br0" timeOffset="32023.12">6055 8052 0,'0'0'16,"0"0"-16,0 0 15,0 0 1,0 0-16,0 0 16,0 0-16,0 0 15,8 0-15,22-15 16,23-16 0,15-7-16,-15 0 15,23-8-15,22-7 16,-7 7-16,-23 15 15,-15-7 1,-16 8-16,-6 14 16,-9 1-16,-7 7 15,-7 1 1,0-1-16,-8 1 16,0 7-16,0-16 15,0 16-15,0 0 16</inkml:trace>
+  <inkml:trace contextRef="#ctx0" brushRef="#br0" timeOffset="33159.76">5383 7770 0,'0'0'15,"0"0"-15,-8 7 16,8-7 0,-8 8-16,1-8 15,-1 7-15,1-7 16,-8 0 0,0 8-16,-8 0 15,0-1-15,-7 1 16,0 0-16,-1-1 15,-6 9 1,6-1-16,-6 15 16,6 9-16,-6 14 15,14 0-15,8-7 16,7 0 0,1 7-16,-1 1 15,8-16-15,8 0 16,-1 0-1,16-7-15,15-1 16,15-7-16,0-15 16,7-1-16,8-7 15,0-15 1,8-8-16,-23 0 16,-8 1-16,-15 6 15,-7 1 1,-8 0-16,0-1 15,-7 1-15,-8-8 16,-8-7-16,-7-8 16,-23-23-1,0-8-15,16 38 16,-16-37-16,8 22 16,7 15-1,0 16-15,-7 7 16,-23 39-16,53-31 15</inkml:trace>
+  <inkml:trace contextRef="#ctx0" brushRef="#br0" timeOffset="34448.53">10138 8052 0,'0'0'15,"0"0"-15,0 0 16,0 0-16,0 0 15,0 0 1,0 0-16,0-8 16,0-7-16,-8 0 15,-7 0 1,0-1-16,-8 1 16,1 0-16,-1 7 15,0 8-15,-7 8 16,-8 7-1,-22 23-15,7 0 16,15 1-16,8-1 16,-1 0-1,9-8-15,-1 9 16,16-9-16,-1 8 16,8 0-16,8 1 15,22 6 1,15 1-16,8-8 15,0 0-15,-8-15 16,16 8-16,7-16 16,-23-7-1,-7-8-15,-15-8 16,-1-7-16,1-8 16,0 0-1,-8-7-15,-8-16 16,-22-8-16,-15-14 15,-15-1-15,-16 0 16,-29 8 0,90 61-16</inkml:trace>
+</inkml:ink>
+</file>
+
 <file path=ppt/ink/ink3.xml><?xml version="1.0" encoding="utf-8"?>
 <inkml:ink xmlns:inkml="http://www.w3.org/2003/InkML">
   <inkml:definitions>
@@ -6373,7 +6964,7 @@
   </inkml:definitions>
   <inkml:trace contextRef="#ctx0" brushRef="#br0">19376 4801 0,'0'0'0,"0"0"0,0 7 0,-53 474 15,53-305-15,0-69 16,0 22-16,7 1 16,1-31-16,-8 16 15,8 7 1,-8-38-16,0-8 16,0 0-1,0-7-15,0-69 16</inkml:trace>
   <inkml:trace contextRef="#ctx0" brushRef="#br0" timeOffset="775.59">19315 4648 0,'0'0'0,"0"0"16,0 0-16,15 0 15,38-8 1,46-7-16,6 0 15,16 0 1,46-8-16,-61 7 0,83 1 16,-8-8-1,8 8-15,-60 0 16,97-1-16,-52 1 16,38 8-1,-99-1-15,38 0 16,1 8-16,-62 8 15,1 7-15,0-7 16,-16 7 0,-22 0-16,-15 1 15,8 7-15,-1 7 16,0 16 0,1 15-16,-1 8 15,-15-1-15,0 1 16,1 23-16,-9 14 15,-14-22 1,-1-15-16,1 23 16,-8 15-16,0-24 15,-8-14 1,8 15-16,-7 8 16,-1-16-16,-7-15 15,0-8-15,-8 9 16,-7-9-1,30-53-15</inkml:trace>
-  <inkml:trace contextRef="#ctx0" brushRef="#br0" timeOffset="1154.1">19247 6495 0,'8'0'0,"15"-8"15,22-7 1,68-8-16,38 0 15,38 0-15,-30 8 16,45 0-16,0 7 16,31 1-1,-107 7-15,137 0 16,-91-8-16,15 8 16,-91 0-1,38 0-15,-7 0 16,-46 0-16,-8 0 15,-75 0-15</inkml:trace>
+  <inkml:trace contextRef="#ctx0" brushRef="#br0" timeOffset="1154.09">19247 6495 0,'8'0'0,"15"-8"15,22-7 1,68-8-16,38 0 15,38 0-15,-30 8 16,45 0-16,0 7 16,31 1-1,-107 7-15,137 0 16,-91-8-16,15 8 16,-91 0-1,38 0-15,-7 0 16,-46 0-16,-8 0 15,-75 0-15</inkml:trace>
   <inkml:trace contextRef="#ctx0" brushRef="#br0" timeOffset="1992.63">20253 3740 0,'0'0'16,"0"0"-16,0 0 16,0 0-16,0 7 15,0 1 1,0 0-16,0-1 15,0 9-15,0-1 16,0 8 0,7 7-16,1 16 15,7 7-15,8 9 16,-1-9 0,1-7-16,0 0 15,7-8-15,0-8 16,8-7-16,0-8 15,15-7-15,15 0 16,-23-16 0,-15 0-16,1-7 15,-1 0 1,0-8-16,0-8 16,-7-7-16,-8 0 15,0-8-15,-7 1 16,-8 6-16,0 1 15,0 0 1,0 0-16,0 0 16,0 7-16,0 8 15,0 0 1,-8 1-16,8 6 16,-7-7-16,7 23 15</inkml:trace>
   <inkml:trace contextRef="#ctx0" brushRef="#br0" timeOffset="2586.85">21145 4045 0,'0'0'15,"0"8"1,0 7-16,0 8 16,0 7-16,0 9 15,0 6-15,0 9 16,0-1-1,7-15-15,-7 1 16,8-9-16,-8-7 16,7 0-1,-7-8-15,0-15 16</inkml:trace>
   <inkml:trace contextRef="#ctx0" brushRef="#br0" timeOffset="3016.84">21122 3854 0,'0'0'15,"0"0"-15,8 0 16,7 0-16,7 0 16,9 0-1,7 0-15,-1 0 16,-6 0-16,6 0 16,-6 0-1,-9 8-15,1 0 16,0 7-16,-8 15 15,0 8-15,-8 1 16,-7-1 0,-7-15-16,-8 7 15,-15-7-15,-1-8 16,1-7 0,7 0-16,8-8 15,8-8-15,7-7 16,0 15-16</inkml:trace>
@@ -6385,12 +6976,12 @@
   <inkml:trace contextRef="#ctx0" brushRef="#br0" timeOffset="8357.09">21644 9960 0,'0'0'0,"0"8"15,0 7 1,0 8-16,7 7 16,1 9-16,-1-1 15,9 7-15,-9-6 16,1-9-1,-1-7-15,1 0 16,-8 0-16,0-16 16,0 1-16,0-8 15,0 0 1,0-8-16,-8-22 16,8 30-16</inkml:trace>
   <inkml:trace contextRef="#ctx0" brushRef="#br0" timeOffset="8763.66">21561 9563 0,'0'0'0,"0"0"16,0 0-16,0 0 15,0 0-15,0 0 16,15 0-16,23 0 16,14 0-1,1-7-15,-7 7 16,-1 7 0,-7 1-16,-8-1 15,-7 9-15,-1 7 16,-14-1-16,0 9 15,-8 0-15,-8-1 16,-7 8 0,-8-7-16,-7-1 15,-15 1-15,-1-8 16,8-8 0,8-7-16,15-8 15,8 0-15,7 0 16,0 0-16</inkml:trace>
   <inkml:trace contextRef="#ctx0" brushRef="#br0" timeOffset="9537.68">22589 9258 0,'0'0'0,"-8"0"15,-15 8-15,-7-1 16,-8 8-16,1-7 15,14 0 1,0 7-16,8-7 16,8-1-16,7 1 15,7 7-15,16 8 16,15 8 0,-1-1-16,-6 1 15,-1-1-15,-7-7 16,-8 0-1,-8 0-15,-7 7 16,-7 1-16,-8 7 16,-16 8-1,-14 0-15,7-16 16,0 1-16,8-8 16,8-8-16,6-8 15,9-7 1,7 0-16,0 0 15,0-7-15,0 7 16</inkml:trace>
-  <inkml:trace contextRef="#ctx0" brushRef="#br0" timeOffset="10186.86">22936 9327 0,'0'0'16,"0"0"-16,0 0 15,0 0 1,0 15-16,0 15 15,0 16-15,8 0 16,0-8-16,-8-7 16,0-8-1,7-1-15,-7-6 16,0-1-16,0-7 16,0-1-1,0-7-15,0 0 16,0 0-16,0 0 15,0 0 1,0-15-16,0-8 16,0-7-16,0-9 15,0 1-15,0 15 16,-7 0-16,7 8 16,0 0-1,0 7-15,0 1 16,0-1-16,0 0 15,0 8 1,0-7-16,0 7 16,0 0-16,0-8 15,7 0 1,1 1-16,-1-1 16,16-7-16,7 7 15,0 1-15,-7-1 16,-8 0-1,-7 8-15,-1 0 16,-7 0-16,0 0 16,0 0-16</inkml:trace>
+  <inkml:trace contextRef="#ctx0" brushRef="#br0" timeOffset="10186.85">22936 9327 0,'0'0'16,"0"0"-16,0 0 15,0 0 1,0 15-16,0 15 15,0 16-15,8 0 16,0-8-16,-8-7 16,0-8-1,7-1-15,-7-6 16,0-1-16,0-7 16,0-1-1,0-7-15,0 0 16,0 0-16,0 0 15,0 0 1,0-15-16,0-8 16,0-7-16,0-9 15,0 1-15,0 15 16,-7 0-16,7 8 16,0 0-1,0 7-15,0 1 16,0-1-16,0 0 15,0 8 1,0-7-16,0 7 16,0 0-16,0-8 15,7 0 1,1 1-16,-1-1 16,16-7-16,7 7 15,0 1-15,-7-1 16,-8 0-1,-7 8-15,-1 0 16,-7 0-16,0 0 16,0 0-16</inkml:trace>
   <inkml:trace contextRef="#ctx0" brushRef="#br0" timeOffset="10448.44">22944 9571 0,'0'0'16,"0"0"-16,0 0 16,0 0-16,0 0 15,0 0 1,0 0-16,8 0 15,7 0-15,0 0 16,8-8 0,7 1-16,8-1 15,-38 8-15</inkml:trace>
   <inkml:trace contextRef="#ctx0" brushRef="#br0" timeOffset="10787.97">23458 9784 0,'0'0'0,"0"0"15,0 0-15,0 0 16</inkml:trace>
   <inkml:trace contextRef="#ctx0" brushRef="#br0" timeOffset="11089.98">22710 9830 0,'0'0'0,"0"0"16,0 0-16</inkml:trace>
   <inkml:trace contextRef="#ctx0" brushRef="#br0" timeOffset="21589.15">19338 5205 0,'0'0'16,"0"0"-16,0 0 15,0 0-15,0 0 16,8 0 0,14-7-16,24-1 15,14-7-15,16-8 16,7 7-1,45-6-15,24-1 16,-39 0-16,99 0 16,-38-8-16,22 8 15,-60 1 1,98-9-16,-37 1 16,0-1-16,-31 0 15,30 1-15,-29 7 16,-8 8-1,-69-1-15,39 16 16,-23 0-16,-38 0 16,-15 0-1,-23 0-15,-8 8 16,-22-8-16</inkml:trace>
-  <inkml:trace contextRef="#ctx0" brushRef="#br0" timeOffset="22120.11">20200 4709 0,'0'0'0,"-8"23"16,1 15-16,-8 16 16,7 22-16,0 31 15,1 7 1,7-15-16,0 16 15,-8 15-15,8-39 16,0 16 0,-7 15-16,-1-15 15,8 0-15,0 38 16,0-31-16,8 47 16,7-54-1,-15-107-15</inkml:trace>
+  <inkml:trace contextRef="#ctx0" brushRef="#br0" timeOffset="22120.1">20200 4709 0,'0'0'0,"-8"23"16,1 15-16,-8 16 16,7 22-16,0 31 15,1 7 1,7-15-16,0 16 15,-8 15-15,8-39 16,0 16 0,-7 15-16,-1-15 15,8 0-15,0 38 16,0-31-16,8 47 16,7-54-1,-15-107-15</inkml:trace>
   <inkml:trace contextRef="#ctx0" brushRef="#br0" timeOffset="22523.09">21349 4595 0,'0'0'16,"0"0"-1,0 0-15,0 0 16,0 0-16,0 0 15,0 0-15,0 15 16,-8 46 0,-7 46-16,-7 45 15,6 47-15,-6-1 16,14-15 0,-7 16-16,15-54 15,-7-31-15,7 16 16,0-46-16,0-84 15</inkml:trace>
   <inkml:trace contextRef="#ctx0" brushRef="#br0" timeOffset="23473.54">19656 7899 0,'0'0'0,"0"0"15,0 0-15,0 0 16,0 0-16,7 0 15,23 0-15,23-7 16,15-1 0,15-7-16,-15 0 15,16-1-15,74-22 16,-22 0 0,69-8-16,-77 8 15,84-15-15,-53 22 16,45-15-1,-83 16-15,30 7 16,38-8-16,-46 8 16,31 1-16,-75 6 15,59 9 1,-14-1-16,-23 8 16,7 0-16,-37 8 15,-30-1-15,-24-7 16,-14 0-1,-8 0-15,0 0 16,0 0-16,-7 0 16,0 0-1,-8 0-15,0 0 16,0 0-16,0 0 16</inkml:trace>
   <inkml:trace contextRef="#ctx0" brushRef="#br0" timeOffset="24050.23">20669 7220 0,'0'0'0,"0"0"16,0 0-1,0 0-15,0 0 16,0 0-16,-8 15 16,0 23-1,1 16-15,-1 15 16,-7 22-16,15 31 15,0-22 1,0-9-16,0 47 16,0-24-16,0 0 15,0 16-15,0-23 16,-7-15-16,-8 22 16,7-15-1,0-15-15,8 0 16,0 8-16,0-31 15,8-23 1,0-15-16,-8-23 16</inkml:trace>
@@ -6426,7 +7017,7 @@
     </inkml:brush>
   </inkml:definitions>
   <inkml:trace contextRef="#ctx0" brushRef="#br0">12360 3862 0,'0'0'16,"0"0"-16,-7 0 0,-394 15 0,310 8 15,1 0-15,-9 15 16,16 16-1,23-9-15,-1 9 16,-14 7-16,-16 0 16,8 8-16,15-1 15,-8 1 1,8-8-16,0 0 16,15 0-16,0 15 15,23-7 1,7 7-16,1 1 15,7 14-15,7-7 16,0-15 0,8 0-16,0-1 15,0 1-15,0 0 16,8-16-16,7 1 16,8-9-1,-1 9-15,9-1 16,6 1-16,1-1 15,-8-7-15,1-8 16,-1-7 0,0-1-16,8 1 15,0-8-15,0-1 16,-1 1 0,16 0-16,0 0 15,-15 0-15,7 0 16,23 0-16,8-8 15,0-7 1,-8-8-16,-8-8 16,8-7-16,0 0 15,8-8-15,-16 0 16,-14 0 0,-9 0-16,9-8 15,7-14-15,7-24 16,1 0-16,-16 1 15,-7 7 1,7-23-16,1-8 16,-9 23-16,-6 8 15,-1-7 1,0-1-16,0-15 16,-7 15-16,-8 1 15,0 6-15,-7-14 16,-8 0-1,0-1-15,-8 16 16,1 8-16,-8-8 16,-1-8-1,1 16-15,0-8 16,-7 15-16,-9 0 16,-6-7-16,-9-8 15,-14-16 1,-8 9-16,0 7 15,15 22-15,-23 1 16,-22 8-16,98 30 16</inkml:trace>
-  <inkml:trace contextRef="#ctx0" brushRef="#br0" timeOffset="1399.18">13555 3992 0,'0'0'0,"0"0"16,0 0-16,0 0 15,0 0-15,-8-8 16,-7-7 0,-15-1-16,-16 1 15,1 0-15,0 0 16,-1 7-1,-7 0-15,-37 8 16,-9 16-16,24 7 16,22-1-1,-30 24-15,-15 8 16,-1 7-16,16-8 16,-8 16-16,-14 22 15,14-14 1,30-24-16,1 24 15,-1 6-15,-14 24 16,22-23 0,0-7-16,8 14 15,7-7-15,8 0 16,7-15-16,8-1 16,7 1-1,1 15-15,7-23 16,7-7-16,1 14 15,7 1-15,15 30 16,8-22 0,0-9-16,7-7 15,8 0-15,-8-7 16,-14-16-16,14 8 16,8-8-1,7 0-15,8-7 16,-7-9-16,7-6 15,23-1 1,-8-7-16,0-1 16,-30-7-16,22 0 15,46-7-15,-37-9 16,-24 1 0,8-8-16,0-7 15,68-24-15,-60 16 16,-23 0-1,0 0-15,7-8 16,1 0-16,7-23 16,-15 1-16,-8 7 15,0 0 1,-7 0-16,0-8 16,0-23-16,-8 24 15,0-1-15,-7 8 16,0-31-1,-8 16-15,0 15 16,-8 8-16,1-1 16,-1-22-1,-7-31-15,0 31 16,-7 7-16,-1 8 16,-7-15-1,-7-1-15,-1 16 16,0 15-16,-15-7 15,-22 0 1,-46-24-16,-7 8 16,-54-7-16,-7 30 15,-37 16-15,52 7 16</inkml:trace>
+  <inkml:trace contextRef="#ctx0" brushRef="#br0" timeOffset="1399.17">13555 3992 0,'0'0'0,"0"0"16,0 0-16,0 0 15,0 0-15,-8-8 16,-7-7 0,-15-1-16,-16 1 15,1 0-15,0 0 16,-1 7-1,-7 0-15,-37 8 16,-9 16-16,24 7 16,22-1-1,-30 24-15,-15 8 16,-1 7-16,16-8 16,-8 16-16,-14 22 15,14-14 1,30-24-16,1 24 15,-1 6-15,-14 24 16,22-23 0,0-7-16,8 14 15,7-7-15,8 0 16,7-15-16,8-1 16,7 1-1,1 15-15,7-23 16,7-7-16,1 14 15,7 1-15,15 30 16,8-22 0,0-9-16,7-7 15,8 0-15,-8-7 16,-14-16-16,14 8 16,8-8-1,7 0-15,8-7 16,-7-9-16,7-6 15,23-1 1,-8-7-16,0-1 16,-30-7-16,22 0 15,46-7-15,-37-9 16,-24 1 0,8-8-16,0-7 15,68-24-15,-60 16 16,-23 0-1,0 0-15,7-8 16,1 0-16,7-23 16,-15 1-16,-8 7 15,0 0 1,-7 0-16,0-8 16,0-23-16,-8 24 15,0-1-15,-7 8 16,0-31-1,-8 16-15,0 15 16,-8 8-16,1-1 16,-1-22-1,-7-31-15,0 31 16,-7 7-16,-1 8 16,-7-15-1,-7-1-15,-1 16 16,0 15-16,-15-7 15,-22 0 1,-46-24-16,-7 8 16,-54-7-16,-7 30 15,-37 16-15,52 7 16</inkml:trace>
   <inkml:trace contextRef="#ctx0" brushRef="#br0" timeOffset="20851.55">11090 4472 0,'0'0'16,"0"0"-16,0 0 16,15 0-1,16 0-15,22-7 16,-1-8-16,-6-8 15,7 0-15,15-8 16,30-15 0,0 8-16,-7 0 15,7 8-15,8-9 16,-15 17-16,-38-1 16,-8 0-1,-15 7-15,1 9 16,-9-1-16,-14 8 15,-8 0 1</inkml:trace>
   <inkml:trace contextRef="#ctx0" brushRef="#br0" timeOffset="21286.8">10712 5220 0,'0'0'0,"15"-15"16,31-23-16,37-23 15,8 8 1,-1 7-16,39-15 16,-23 0-16,-16-8 15,16 0-15,-7 8 16,-16 15-1,-15 16-15,0-1 16,-8 1-16,-14 15 16,-1-1-16,-15 9 15,-7-1 1,-23 8-16,0 0 16</inkml:trace>
   <inkml:trace contextRef="#ctx0" brushRef="#br0" timeOffset="21662.8">11098 5564 0,'0'0'0,"0"0"0,15-8 16,15 1 0,23-16-16,8-8 15,-9 8-15,9-7 16,7-8-16,8-1 15,-8 9 1,-8-1-16,-7 8 16,0 1-16,-8-1 15,8 7 1,-15 9-16,-38 7 16</inkml:trace>
@@ -6452,7 +7043,7 @@
   <inkml:trace contextRef="#ctx0" brushRef="#br0" timeOffset="36776.58">23821 8464 0,'0'0'16,"0"0"-16,0 15 15,0 8-15,8 31 16,-1 45 0,-7-7-16,0-1 15,0 1-15,0-31 16,0-23-16,0-15 15,0-8 1,0-7-16,0-8 16,0 0-16,-7-23 15,-1-15 1,0-8-16,1 8 16,-8-8-16,7 0 15,1 0 1,-1 1-16,1 6 15,-1-6-15,8-1 16,0 0-16,0 8 16,8 7-1,-1 8-15,1 8 16,7 0-16,7 0 16,1-1-1,0 1-15,7 0 16,0 0-16,1 7 15,6 0 1,1 1-16,-8 7 16,1 0-16,-1-8 15,-7 8-15,-23 0 16</inkml:trace>
   <inkml:trace contextRef="#ctx0" brushRef="#br0" timeOffset="36963.64">23987 8785 0,'0'0'0,"15"-16"15,16 1-15,14 0 16,8 0-16,-53 15 15</inkml:trace>
   <inkml:trace contextRef="#ctx0" brushRef="#br0" timeOffset="37763.3">18665 8311 0,'0'0'0,"0"0"16,15 0-1,31 0-15,29 0 16,-7-7-16,23-1 15,30-7-15,-8 0 16,-7 7 0,76-7-16,-16 7 15,61 1-15,-76-1 16,98 0 0,-14 8-16,-84-7 15,53 7-15,-7-8 16,7 8-16,-76 0 15,46 8 1,-23-8-16,-37 0 16,-16 0-16,-98 0 15</inkml:trace>
-  <inkml:trace contextRef="#ctx0" brushRef="#br0" timeOffset="38649.26">19769 7564 0,'0'0'15,"0"0"1,0 0-16,0 0 16,0 0-16,0 0 15,0 0-15,0 7 16,0 8 0,-8 8-16,8 15 15,-7 8-15,-1 8 16,8 7-1,-7 30-15,7 16 16,0-30-16,0 14 16,0 39-1,-8-23-15,8-8 16,-7 23-16,7-15 16,0-23-16,0 0 15,0 23 1,0-31-16,-8-7 15,8-16-15,0 16 16,0-16 0,0 1-16,0-9 15,0-6-15,0-39 16</inkml:trace>
+  <inkml:trace contextRef="#ctx0" brushRef="#br0" timeOffset="38649.25">19769 7564 0,'0'0'15,"0"0"1,0 0-16,0 0 16,0 0-16,0 0 15,0 0-15,0 7 16,0 8 0,-8 8-16,8 15 15,-7 8-15,-1 8 16,8 7-1,-7 30-15,7 16 16,0-30-16,0 14 16,0 39-1,-8-23-15,8-8 16,-7 23-16,7-15 16,0-23-16,0 0 15,0 23 1,0-31-16,-8-7 15,8-16-15,0 16 16,0-16 0,0 1-16,0-9 15,0-6-15,0-39 16</inkml:trace>
   <inkml:trace contextRef="#ctx0" brushRef="#br0" timeOffset="39170.28">21205 7525 0,'0'0'0,"0"8"16,-7 23-16,-1 37 15,8 16-15,0 38 16,0 54-16,0-8 16,0 76-1,0 23-15,8 0 16,-8 8-16,0-130 16</inkml:trace>
   <inkml:trace contextRef="#ctx0" brushRef="#br0" timeOffset="40110.4">19255 3999 0,'0'0'15,"0"0"-15,0 0 16,7-7-16,-7 7 16,8 0-16,0 0 15,-1 0 1,1 0-16,-1 7 15,1 9-15,-1 6 16,8 17 0,-7-1-16,7 8 15,0 22-15,0 24 16,-7-8 0,-1 0-16,9 30 15,-9 8-15,1-22 16,7 6-16,0 1 15,0 0 1,-7-31-16,7 16 16,0 7-16,0-15 15,0-7-15,8 22 16,-1 8 0,1-31-16,-8-7 15,8 7-15,0 0 16,-8-22-16,0-9 15,-8-22 1,-7-23-16</inkml:trace>
   <inkml:trace contextRef="#ctx0" brushRef="#br0" timeOffset="40683.39">20721 4068 0,'0'0'0,"0"0"16,0 0-16,-15 8 16,0 7-16,-7 15 15,-1 16-15,8 38 16,0 15 0,0-7-16,-1 22 15,1 54-15,15-46 16,0 77-1,8-46-15,7 45 16,0-45-16,15 30 16,1-38-16,6-8 15,-6-15 1,-16-53-16,-8-16 16,1-14-16,-8-39 15</inkml:trace>
@@ -6486,7 +7077,7 @@
   </inkml:definitions>
   <inkml:trace contextRef="#ctx0" brushRef="#br0">3727 5686 0,'0'0'16,"0"0"-16,0 0 0,121 0 0,-91 0 16,0 0-1,1 0-15,-1 0 16,0 0-16,0 0 15,8 0-15,-15 0 16,0-8 0,-1 8-16,8 0 15,1 0-15,6 0 16,9-7 0,-1 7-16,8 0 15,-8 0-15,1 0 16,-1 0-16,8 0 15,0 0 1,-8 0-16,8-8 16,-7 8-16,-9 0 15,-6 0-15,-1 0 16,8 0 0,0 0-16,-1 0 15,1 0-15,0 0 16,0 8-16,0-8 15,-1 7 1,1-7-16,0 8 16,7-8-16,1 0 15,-1 0-15,0 0 16,1 0 0,-1 0-16,-15 0 15,1 0-15,6 0 16,9-8-1,7 8-15,0-7 16,0 7-16,-8-8 16,8 8-16,-8-8 15,0 8 1,1-7-16,-1 7 16,8 0-16,-8 0 15,-7 0 1,-7 0-16,-9 0 15,1 0-15,7 7 16,8 1-16,-8-8 16,8 8-1,-8-8-15,0 0 16,1 0-16,-1 0 16,0 0-16,0 0 15,1 0 1,-9 0-16,1 0 15,0 0-15,-1 0 16,1 7 0,-8-7-16,8 0 15,-8 0-15,0 0 16,0 0-16,0 0 16,0 0-1,1 0-15,-9 0 16,1 0-16,-1 0 15,1 0 1,-1 0-16,1 0 16,-1 0-16,1 0 15,0 0-15,-1 8 16,1-8 0,-1 0-16,1 0 15,-1 0-15,1 0 16,0 0-16,-1 0 15,1 0 1,-1 0-16,1 0 16,-8 0-16,0 0 15,7 0-15,-7 0 16,0 0 0,0 0-16,0 0 15,0 0-15,0 0 16,0 0-16,0 0 15,0 0 1,8-8-16,-1 1 16,1-1-16,0-7 15,-8-8 1,0-8-16,0 1 16,0-8-16,-8 7 15,8 1 1,-8-1-16,8 1 15,-7-1-15,-1 1 16,1-9-16,-1-6 16,1-1-1,-1 0-15,8 8 16,0 0-16,0 0 16,0 7-16,-7 0 15,7 1 1,-8-1-16,8 1 15,0-1-15,-8 1 16,1-1-16,7 1 16,-8 7-1,8 0-15,0 0 16,0 0-16,0 8 16,0 0-1,0-1-15,0 9 16,0-1-16,0 0 15,0 1 1,0 7-16,0 0 16,0 0-16,0 0 15,0 0-15,0 0 16,-7-8-16,7 8 16,-8 0-1,1-7-15,-1-1 16,-7 8-16,-8-8 15,1 8 1,-9 0-16,-14 0 16,0-7-16,-8-1 15,-15 8-15,-8 0 16,8 0 0,15 0-16,-23 0 15,-7 0-15,-15 0 16,0 0-1,-1 0-15,-6 8 16,14-8-16,15 7 16,-14 1-16,-16 0 15,23-8 1,-8 0-16,8 7 16,-16 1-16,24-8 15,14 7 1,-7 1-16,-7 0 15,-8-8-15,7 7 16,0-7-16,8 0 16,0 8-1,0 0-15,8-8 16,7 0-16,8 0 16,-8 7-16,0-7 15,0 8 1,0 0-16,0-1 15,0-7-15,8 8 16,-1-1 0,9 1-16,-1-8 15,0 0-15,0 0 16,8 0-16,0 0 16,7 8-1,0-8-15,1 0 16,6 0-16,1 0 15,0 0-15,8 0 16,-1 7 0,1 1-16,-1 0 15,8-8-15,-8 7 16,1 1 0,-1-1-16,1 9 15,7-1-15,-8 8 16,8 0-16,0 0 15,0 0 1,0 7-16,0 8 16,0 0-16,0 8 15,0 0 1,0 7-16,0-14 16,0-1-16,0 0 15,0 8-15,0 0 16,-7 7-1,7-7-15,-8 0 16,8-8-16,0-8 16,0-7-16,0-8 15,0-7 1,0-8-16</inkml:trace>
   <inkml:trace contextRef="#ctx0" brushRef="#br0" timeOffset="9821.28">5277 4824 0,'0'0'0,"0"0"16,0 0-16,0 0 16,0 0-1,0-16-15,0-7 16,-8-7-16,1-8 16,-1-8-16,1 0 15,-1 0 1,0 1-16,8-9 15,0 8-15,8-7 16,-8 7-16,0 8 16,8 0-1,-1 0-15,1-8 16,-1 8-16,1 7 16,-1 1-16,1 7 15,-1 0 1,1 8-16,0-1 15,-1 1-15,8 0 16,8-1 0,7 1-16,0 0 15,8 7-15,0 1 16,-8-1-16,0 8 16,8 0-1,8 0-15,-1 0 16,0 0-16,1-8 15,-1 8 1,-7 0-16,7 0 16,-7 0-16,0 0 15,7 0 1,1-7-16,-1-1 16,-7 8-16,-8-7 15,-7-1-15,-8 8 16,0 0-1,-8 0-15,-7 0 16</inkml:trace>
-  <inkml:trace contextRef="#ctx0" brushRef="#br0" timeOffset="19474.11">7325 3892 0,'0'0'0,"0"0"15,0 0-15,0 0 16,0 0-1,0 0-15,0 0 16,0 0-16,-15-7 16,-7-1-1,-1 1-15,-7-1 16,7 8-16,0 0 16,1 0-16,-1 8 15,0-1 1,-7 1-16,0-1 15,7 9-15,1-1 16,6-7 0,1 7-16,0 0 15,8 0-15,-1 1 16,8-1-16,0 0 16,0 0-1,8 1-15,-1 7 16,-7-8-16,0 0 15,0 0 1,0 1-16,0-1 16,-7 0-16,-1 0 15,-7 1-15,0-9 16,0 1 0,0 0-16,-8-1 15,8 1-15,0-8 16,0 0-16,7 0 15,0 0 1,1 0-16,-1 0 16,8 0-16</inkml:trace>
+  <inkml:trace contextRef="#ctx0" brushRef="#br0" timeOffset="19474.1">7325 3892 0,'0'0'0,"0"0"15,0 0-15,0 0 16,0 0-1,0 0-15,0 0 16,0 0-16,-15-7 16,-7-1-1,-1 1-15,-7-1 16,7 8-16,0 0 16,1 0-16,-1 8 15,0-1 1,-7 1-16,0-1 15,7 9-15,1-1 16,6-7 0,1 7-16,0 0 15,8 0-15,-1 1 16,8-1-16,0 0 16,0 0-1,8 1-15,-1 7 16,-7-8-16,0 0 15,0 0 1,0 1-16,0-1 16,-7 0-16,-1 0 15,-7 1-15,0-9 16,0 1 0,0 0-16,-8-1 15,8 1-15,0-8 16,0 0-16,7 0 15,0 0 1,1 0-16,-1 0 16,8 0-16</inkml:trace>
   <inkml:trace contextRef="#ctx0" brushRef="#br0" timeOffset="19866.7">7560 3946 0,'0'0'16,"0"0"-16,0 0 15,0 0-15,0 0 16,0 0 0,0 7-16,0 9 15,-8 7-15,8 0 16,-7-1-16,-1 1 15,8 0 1,0-8-16,0 1 16,0-9-16,0 1 15,0-8 1</inkml:trace>
   <inkml:trace contextRef="#ctx0" brushRef="#br0" timeOffset="20615.24">7976 4053 0,'0'0'15,"0"0"-15,0 0 16,0 0-16,0 0 16,0 0-16,-8-8 15,0 0 1,1 1-16,-1-1 16,1 1-16,-8-9 15,7 9-15,1-1 16,-9 0-1,9 8-15,-1 0 16,8 0-16,-7 8 16,-1 0-1,1 7-15,-1-7 16,8 7-16,0 0 16,0-7-16,0-1 15,8 1 1,-1 0-16,1-1 15,-1 1-15,1-8 16,-1 0-16,1 0 16,0 0-1,-1 7-15,1 1 16,-1 0-16,1-1 16,-1 9-1,1-1-15,-8 8 16,0 0-16,0 7 15,0 1-15,0 7 16,-8-8 0,1 1-16,-1-8 15,-7 0-15,8-8 16,-1-7 0,-7-1-16,7 1 15,1-8-15,-8 0 16,0-8-16,-1 1 15,1-9 1,0-14-16,0-1 16,7-7-16,1-8 15,7 46-15</inkml:trace>
   <inkml:trace contextRef="#ctx0" brushRef="#br0" timeOffset="25718.17">8157 4251 0,'0'0'0,"0"0"0,0 0 15,0 0-15,0 0 16,0 0-16,0 0 15,0 0-15,0-7 16,0-9 0,0 1-16,0 0 15,0-1-15,0 1 16,8 8-16,-1-1 16,1-7-1,-1 7-15,8 0 16,1 1-16,-1-9 15,0 9 1,0-1-16,0 8 16,0 0-16,-7 0 15,-1 0 1,8 8-16,0-1 16,1 1-16,-1 0 15,0-8-15,-8 0 16,1 0-1,0 0-15,-1 0 16,1 0-16,-1 0 16,8-8-16,0 0 15,1 1 1,-1-8-16,0-1 16,0 1-16,8-8 15,7 0-15,0 8 16,8 0-1,0-1-15,-8 9 16,0 7-16,-7 0 16,0 7-1,-1 9-15,-7-1 16,0 8-16,1 0 16,-9 0-16,1 0 15,-8-1 1,0-6-16,0-9 15,0 1-15,0 0 16,0-8-16,0 0 16</inkml:trace>
@@ -6561,9 +7152,9 @@
   <inkml:trace contextRef="#ctx0" brushRef="#br0" timeOffset="22247.44">11143 5304 0,'0'0'16,"0"0"-16,0 0 16,0 0-1,0 0-15,0 0 16,0 0-16,8 8 15,-8 0-15,0 7 16,0 8 0,-8 15-16,1 8 15,-1 0-15,0-1 16,8-6 0,0-1-16,-7 7 15,-1-6-15,1-1 16,7-8-16,-8 1 15,1-8-15,7 0 16,0-8 0,0-15-16</inkml:trace>
   <inkml:trace contextRef="#ctx0" brushRef="#br0" timeOffset="23860.85">11022 5190 0,'0'0'16,"0"0"-16,0 0 15,0 0-15,0 0 16,0 0 0,8 0-16,-1 0 15,8-8-15,1 1 16,-1-1-1,7 0-15,1 1 16,7-1-16,8 0 16,0 1-16,0-1 15,-16 1-15,1-1 16,0 0 0,-1 1-16,9-1 15,-1 8-15,8-8 16,7 1-1,0-1-15,8 1 16,-7 7-16,-9 0 16,9-8-16,7 0 15,15 1 1,-8 7-16,-7-8 16,-7 8-16,-9 0 15,1 0-15,15-8 16,0 1-1,7 7-15,1-8 16,-8 8-16,0 0 16,15 0-16,0 0 15,-15 0 1,7 0-16,-14 0 16,-9 0-16,1 0 15,0 0 1,15 8-16,23-1 15,-24-7-15,-6 8 16,-1 0 0,-7-8-16,7 0 15,38 0-15,-14 0 16,-9 7-16,-15-7 16,-7 0-1,0 0-15,7 0 16,8 0-16,8 0 15,-1 0 1,-7 0-16,0 0 16,-8 0-16,1 0 15,7 0-15,0 0 16,-8 0 0,0 0-16,-7 0 15,-15 0-15,-1 0 16,1 0-1,7 0-15,1 0 16,-1 0-16,0 0 16,0 0-16,1 0 15,-1 0 1,0 0-16,0 0 16,-7 0-1,0 0-15,-1 0 16,1 0-16,7 0 15,0 0-15,1 0 16,-1 0-16,0 0 16,-7 0-1,7 0-15,-7 0 16,-1-7-16,1 7 16,0 0-1,0 0-15,-8 0 16,0 0-16,-8 0 15,1 0-15,-1 0 16,1 0 0,0 7-16,-1 1 15,1 0-15,-1-1 16,1 8-16,-1 1 16,1 7-1,-8-1-15,0 1 16,0 8-1,0-8-15,0 7 16,0 1-16,0-1 16,0 16-16,0 0 15,7 0 1,1 0-16,-8-16 16,8 1-16,-1-1 15,1 1-15,-8-1 16,0 1-1,0-1-15,0 8 16,0-38-16</inkml:trace>
   <inkml:trace contextRef="#ctx0" brushRef="#br0" timeOffset="24853.52">11015 5945 0,'0'0'16,"7"0"-16,8 0 16,8 0-16,22-7 15,8 7-15,8-8 16,-16 1-16,-7-1 15,7 0 1,16-7-16,29 0 16,-6 7-16,-9 1 15,1-1 1,30 0-16,0 1 16,-46-1-16,8 0 15,30 1-15,8-1 16,-15 0-1,15 1-15,15-1 16,-23 1-16,-22-1 16,29 0-16,16-7 15,-22 7 1,-9 1-16,62-1 16,-62 1-1,-7 7-15,23-8 16,0 8-16,-8-8 15,8 8-15,0 0 16,-15 0-16,-38-7 16,7 7-1,16 0-15,-1 0 16,-7-8-16,0 8 16,-22-8-1,-1 8-15,-7 0 16,0 0-16,0 0 15,-16 0-15,-22 0 16</inkml:trace>
-  <inkml:trace contextRef="#ctx0" brushRef="#br0" timeOffset="36791.62">3848 4617 0,'0'0'16,"0"0"-16,0 0 15,-8 16-15,1-1 16,-1 0-16,1 8 16,-1 0-1,1 0-15,-9 0 16,9 0-16,-8 0 15,0 0-15,0-1 16,-1 9 0,9 0-16,-1 7 15,1 7-15,-1 1 16,1 8-16,-1-9 16,1-6-1,-1-1-15,0-8 16,1 1-16,-1-1 15,8 1-15,0-1 16,0-7 0,0 0-16,0 0 15,0 0-15,0-8 16,0-7 0,0-8-16</inkml:trace>
-  <inkml:trace contextRef="#ctx0" brushRef="#br0" timeOffset="38115.19">3916 4579 0,'0'0'16,"0"0"-16,8 0 15,7 8-15,15 0 16,8-1-16,7 1 16,-7-8-1,0 0-15,30 0 16,15-8-16,15 1 15,-7-1 1,15 8-16,7-8 16,-22 1-16,0-1 15,37 0-15,-7 1 16,-8-8 0,46 7-16,-53-7 15,23-1-15,44 1 16,-44 0-16,52 0 15,-75-1 1,38 1-16,22 0 16,-52 7-1,67-7-15,-60 7 16,0 8-16,38-7 16,-46-1-16,31 0 15,-1 8-15,-60 0 16,31-7-1,14 7-15,-22 0 16,0 0-16,23 0 16,-46 0-1,-15 0-15,22-8 16,9 8-16,-16 0 16,-7 0-16,-1 0 15,16 0-15,-8 0 16,-15 0-1,-23 0-15,8 0 16,15 0-16,0 0 16,-15 0-1,-7 8-15,-9-1 16,1-7-16,-8 8 16,-7 0-16,0-1 15,7 1 1,0 0-16,1-1 15,-1 1-15,0 7 16,-7 0 0,-1-7-16,-6 0 15,-1-1-15,0 1 16,-8 7 0,1-7-16,-1 7 15,1-7-15,0-1 16,-1 1-16,-7 7 15,8 0-15,-8 1 16,7 7 0,1-1-16,-1 9 15,1 7-15,-1 0 16,1 8-16,-8-8 16,0 0-1,-8 8-15,1 0 16,-1 15-16,-7 8 15,8-16 1,-1 1-16,1-1 16,-1 0-16,8 16 15,0 0-15,0 0 16,8-16 0,-1-7-16,1 0 15,-1-1-15,1-14 16,-1-8-1,1 0-15,-8-8 16,0-7-16,0-8 16</inkml:trace>
-  <inkml:trace contextRef="#ctx0" brushRef="#br0" timeOffset="39236.69">3614 5686 0,'0'0'16,"7"0"-16,16 0 16,7 0-16,0 0 15,1 0-15,6 0 16,1 0-16,8 0 15,6 0 1,9 0-16,-1 0 16,-14 0-16,7 0 15,30 0-15,0 0 16,8 0 0,7 0-16,8 0 15,7 0 1,-30 0-16,31 0 15,22 0-15,-15 0 16,22 0-16,1 0 16,-38 0-16,38 0 15,7 0 1,0 0-16,-7 0 16,-46 0-16,53 8 15,0-8 1,-7 0-16,15 7 15,-54-7-15,32 0 16,6 0-16,-14 0 16,22 8-1,-23-8-15,-22 0 16,30 0-16,0 0 16,-22 0-16,14 8 15,-22-8 1,-15 7-16,22 1 15,-7-8-15,-15 7 16,-8-7 0,8 0-16,-8 0 15,-15 0-15,-23 0 16,1 0-16,7 0 16,7 0-1,-7 0-15,0 0 16,-15 0-16,-1 0 15,-6 0-15,-9 0 16,-22 0 0</inkml:trace>
+  <inkml:trace contextRef="#ctx0" brushRef="#br0" timeOffset="36791.61">3848 4617 0,'0'0'16,"0"0"-16,0 0 15,-8 16-15,1-1 16,-1 0-16,1 8 16,-1 0-1,1 0-15,-9 0 16,9 0-16,-8 0 15,0 0-15,0-1 16,-1 9 0,9 0-16,-1 7 15,1 7-15,-1 1 16,1 8-16,-1-9 16,1-6-1,-1-1-15,0-8 16,1 1-16,-1-1 15,8 1-15,0-1 16,0-7 0,0 0-16,0 0 15,0 0-15,0-8 16,0-7 0,0-8-16</inkml:trace>
+  <inkml:trace contextRef="#ctx0" brushRef="#br0" timeOffset="38115.18">3916 4579 0,'0'0'16,"0"0"-16,8 0 15,7 8-15,15 0 16,8-1-16,7 1 16,-7-8-1,0 0-15,30 0 16,15-8-16,15 1 15,-7-1 1,15 8-16,7-8 16,-22 1-16,0-1 15,37 0-15,-7 1 16,-8-8 0,46 7-16,-53-7 15,23-1-15,44 1 16,-44 0-16,52 0 15,-75-1 1,38 1-16,22 0 16,-52 7-1,67-7-15,-60 7 16,0 8-16,38-7 16,-46-1-16,31 0 15,-1 8-15,-60 0 16,31-7-1,14 7-15,-22 0 16,0 0-16,23 0 16,-46 0-1,-15 0-15,22-8 16,9 8-16,-16 0 16,-7 0-16,-1 0 15,16 0-15,-8 0 16,-15 0-1,-23 0-15,8 0 16,15 0-16,0 0 16,-15 0-1,-7 8-15,-9-1 16,1-7-16,-8 8 16,-7 0-16,0-1 15,7 1 1,0 0-16,1-1 15,-1 1-15,0 7 16,-7 0 0,-1-7-16,-6 0 15,-1-1-15,0 1 16,-8 7 0,1-7-16,-1 7 15,1-7-15,0-1 16,-1 1-16,-7 7 15,8 0-15,-8 1 16,7 7 0,1-1-16,-1 9 15,1 7-15,-1 0 16,1 8-16,-8-8 16,0 0-1,-8 8-15,1 0 16,-1 15-16,-7 8 15,8-16 1,-1 1-16,1-1 16,-1 0-16,8 16 15,0 0-15,0 0 16,8-16 0,-1-7-16,1 0 15,-1-1-15,1-14 16,-1-8-1,1 0-15,-8-8 16,0-7-16,0-8 16</inkml:trace>
+  <inkml:trace contextRef="#ctx0" brushRef="#br0" timeOffset="39236.68">3614 5686 0,'0'0'16,"7"0"-16,16 0 16,7 0-16,0 0 15,1 0-15,6 0 16,1 0-16,8 0 15,6 0 1,9 0-16,-1 0 16,-14 0-16,7 0 15,30 0-15,0 0 16,8 0 0,7 0-16,8 0 15,7 0 1,-30 0-16,31 0 15,22 0-15,-15 0 16,22 0-16,1 0 16,-38 0-16,38 0 15,7 0 1,0 0-16,-7 0 16,-46 0-16,53 8 15,0-8 1,-7 0-16,15 7 15,-54-7-15,32 0 16,6 0-16,-14 0 16,22 8-1,-23-8-15,-22 0 16,30 0-16,0 0 16,-22 0-16,14 8 15,-22-8 1,-15 7-16,22 1 15,-7-8-15,-15 7 16,-8-7 0,8 0-16,-8 0 15,-15 0-15,-23 0 16,1 0-16,7 0 16,7 0-1,-7 0-15,0 0 16,-15 0-16,-1 0 15,-6 0-15,-9 0 16,-22 0 0</inkml:trace>
   <inkml:trace contextRef="#ctx0" brushRef="#br0" timeOffset="43333.83">9873 6838 0,'0'0'16,"0"0"-16,0 0 16,0 0-16,0 8 15,0 7 1,0 8-16,0 8 15,0 15 1,0-8-16,8 0 16,-1 8-16,1 7 15,-1 23-15,1-7 16,-1-15-16,1-1 16,-8-7-1,0 15-15,0 0 16,8 8-16,-1-16 15,1-7 1,-8-8-16,7 15 16,-7 16-16,0 7 15,0-7-15,0-8 16,0 15 0,0 16-16,0 7 15,0-30-15,0 0 16,0 15-1,0 7-15,8-7 16,-8-30-16,0 7 16,0 15-16,7 16 15,-7-24 1,0-7-16,0-7 16,0 7-16,0 7 15,0 1-15,0-8 16,0-15-1,0-8-15,0-7 16,0 7-16,0-8 16,-7-7-16,7 0 15,0-8 1,0 1-16,0-9 16,0 1-16,0-8 15,0 0 1,0 0-16,0 0 15</inkml:trace>
   <inkml:trace contextRef="#ctx0" brushRef="#br0" timeOffset="44814.56">10221 6785 0,'0'0'15,"23"0"-15,14 0 16,31-8-16,23 8 16,-8 0-16,-15-7 15,0 7 1,38 0-16,8 0 16,-9 0-16,16 0 15,-7 0 1,-16 0-16,38 0 15,0 0-15,-15 0 16,23 0 0,-31 0-16,-15 0 15,46 0-15,-8 0 16,8 0-16,-1 0 16,-44 0-1,37 0-15,15-8 16,-53 1-16,69-1 15,-39 8-15,-45-8 16,38 1 0,8 7-16,-31 0 15,8-8-15,15 0 16,-38 8 0,-15 0-16,15 0 15,15 0-15,-7 0 16,-15 0-16,-8-7 15,0-1 1,0 0-16,-8 8 16,-7-7-16,-15 7 15,-8-8 1,8 8-16,0 0 16,0 0-16,0 0 15,-1 0-15,-6 0 16,-1 0-1,-8 0-15,1 0 16,0 0-16,0 0 16,-8 0-1,0 8-15,0-1 16,0 1-16,0 0 16,-7-1-16,7 9 15,0-1 1,0 15-16,8 9 15,-1 6-15,1 9 16,0-1-16,-1-7 16,-6 15-1,6 15-15,1 16 16,0-8-16,-8-15 16,7 30-1,1 15-15,-8-22 16,0 7-16,0 16 15,-7-1 1,0-22-16,-1 22 16,1 8-16,-8-38 15,7 23-15,8 15 16,0-15 0,1-15-16,-1 14 15,7 9 1,-7-23-16,1 14 15,-9 17-15,1-17 16,-8 1-16,7 0 16,-7-8-16,0-15 15,8 0 1,-1-23-16,1-23 16,-8-22-16,0-16 15,0 0-15</inkml:trace>
   <inkml:trace contextRef="#ctx0" brushRef="#br0" timeOffset="45868.28">11241 10052 0,'16'0'16,"21"0"-16,16 0 16,46 0-1,14 0-15,-7 0 16,22 0-16,1-8 15,-38 8 1,14-8-16,39 1 16,-15-1-16,14 8 15,-14-8-15,-31 8 16,91-7 0,-61-1-16,24 8 15,6-7-15,-67-1 16,83 0-1,-30 1-15,-16-1 16,39 0-16,-84 8 16,22-7-16,54 7 15,-53 0 1,30 0-16,0 0 16,-53 7-16,8 1 15,15 0-15,-8-1 16,-22 1-1,-23-8-15,-8 0 16,-15 0-16,-30 0 16</inkml:trace>
@@ -6633,16 +7224,16 @@
   <inkml:trace contextRef="#ctx0" brushRef="#br0" timeOffset="57620.67">11491 5862 0,'0'0'16,"0"0"0,0 0-16,0 0 15,7 0-15,16-8 16,7 0-16,8-7 16,15-8-1,0 0-15,0 0 16,-8 0-16,1 8 15,7 0-15,-8 0 16,8-1 0,-15 9-16,-16-1 15,9-7-15,-1 7 16,0 1 0,0-1-16,1 0 15,-1 1-15,-8-1 16,-6 0-1,-16 8-15</inkml:trace>
   <inkml:trace contextRef="#ctx0" brushRef="#br0" timeOffset="58109.67">11491 5808 0,'0'0'0,"0"0"15,0 0-15,0 0 16,7 0 0,9 0-16,6-8 15,1 1-15,0-1 16,-8 1-16,0-1 15,-8 8 1,1 0-16,0 15 16,-1 16-16,1 7 15,-1-8-15,1-7 16,-1 0 0,-7-8-16,0-7 15,0-8-15,0 0 16</inkml:trace>
   <inkml:trace contextRef="#ctx0" brushRef="#br0" timeOffset="81633.22">9276 6961 0,'0'0'16,"0"0"-16,0 0 15,0 0-15,0 0 16,0 0-16,0 0 15,0 0 1,0 0-16,0 0 16,0 0-16,-8 0 15,-7 0 1,-7 7-16,-24 1 16,-7-1-16,-7 9 15,-1-1-15,8 8 16,-7 0-16,-1 0 15,-7 7 1,0 1-16,8 7 16,-8 8-16,-23 15 15,0 0 1,8-15-16,8 7 16,-9 0-16,1 9 15,0 14 1,23-7-16,14-8 15,-14 23-15,-23 15 16,15-15-16,0-8 16,7 0-1,16 8-15,-8 16 16,8-24-16,-1 0 16,1 8-16,-1 23 15,9-23 1,6-8-16,1 16 15,7-1-15,8-7 16,8-15-16,7 0 16,0-1-1,7 1-15,1-8 16,-1-15-16,1 0 16,7-8-1,0 0-15,0 0 16,1-7-16,-1-1 15,0-7-15,-8-8 16,1 1 0,-1-9-16,-7-7 15,0 0-15,0 0 16,0 0 0,0 0-16,0 0 15,0 0-15,0-7 16,-7-9-16,-1 1 15,-7-8 1,0 0-16,8 1 16,-1 6-16,0 1 15,1 7-15,7 8 16,0 0 0,0 0-16,7 8 15,9 7-15,-1 1 16,7-1-1,-7 0-15,-7-7 16,0-1-16,-1 1 16,-7-8-16,0 0 15,0 0 1,0 0-16,0 0 16,-7-8-16,-1 1 15,0-1 1,8 8-16,-7-8 15,-1 1-15,8 7 16</inkml:trace>
-  <inkml:trace contextRef="#ctx0" brushRef="#br0" timeOffset="82266.96">7371 9288 0,'0'0'0,"-8"16"16,-7 37-16,-15 46 15,7 8 1,1 15-16,-1 23 16,8-38-16,-8 53 15,8-30 1,0-23-16,7 7 16,8-30-16,0-30 15,0-24 1,0-14-16,8-9 15,-8-7-15,15-23 16,-15 23-16</inkml:trace>
+  <inkml:trace contextRef="#ctx0" brushRef="#br0" timeOffset="82266.95">7371 9288 0,'0'0'0,"-8"16"16,-7 37-16,-15 46 15,7 8 1,1 15-16,-1 23 16,8-38-16,-8 53 15,8-30 1,0-23-16,7 7 16,8-30-16,0-30 15,0-24 1,0-14-16,8-9 15,-8-7-15,15-23 16,-15 23-16</inkml:trace>
   <inkml:trace contextRef="#ctx0" brushRef="#br0" timeOffset="82827.25">7454 9159 0,'0'0'16,"0"0"-16,0 0 15,23-8 1,45-7-16,22-8 15,-14 0-15,15-8 16,30-7-16,-23 8 16,-30 14-1,-15 9-15,-8 14 16,-7 1-16,-8 15 16,1 23-1,-9 7-15,1 8 16,-8 0-16,0 23 15,-7 38-15,-8-15 16,0 15 0,0 23-16,-8-38 15,8 0-15,0 8 16,-7-24-16,-9-7 16,-14 8-1,0-24-15,0-14 16,0-16-16,-16-7 15,-22 7 1,15-15-16,8-8 16,7 0-16,8-7 15,7-8-15,0 0 16,-7-16 0,30 16-16</inkml:trace>
-  <inkml:trace contextRef="#ctx0" brushRef="#br0" timeOffset="83084.24">7567 10548 0,'0'0'0,"0"0"15,23 0 1,22-8-16,1 0 16,-1 1-16,23-8 15,0-1 1,-7 1-16,-1-8 16,-22 0-16,-38 23 15</inkml:trace>
+  <inkml:trace contextRef="#ctx0" brushRef="#br0" timeOffset="83084.23">7567 10548 0,'0'0'0,"0"0"15,23 0 1,22-8-16,1 0 16,-1 1-16,23-8 15,0-1 1,-7 1-16,-1-8 16,-22 0-16,-38 23 15</inkml:trace>
   <inkml:trace contextRef="#ctx0" brushRef="#br0" timeOffset="83472.25">7726 9258 0,'0'0'15,"0"0"1,0 0-16,0 15 16,0 16-16,8 14 15,-1 1-15,1-8 16,-1-7-16,1-8 15,-1 0 1,1-8-16,0-7 16,-1-1-16,1 1 15,-8-8 1,0 0-16,7-15 16,8-31-16,-7-23 15,-8 69 1</inkml:trace>
   <inkml:trace contextRef="#ctx0" brushRef="#br0" timeOffset="83668.25">8081 9227 0,'0'0'15,"0"0"-15,8 16 16,15 29-16,7 47 16,-30-92-1</inkml:trace>
   <inkml:trace contextRef="#ctx0" brushRef="#br0" timeOffset="169122.44">9359 8777 0,'0'0'0,"0"0"0,0 0 0,0 0 0,0 0 0,0 0 0,8-23 16,7 0-16,0 0 16,0 0-16,8-7 15,7-16 1,0-7-16,-7-1 15,-1 1-15,-6 7 16,-1 8-16,0 7 16,0 1-1,0-1-15,0 8 16,-7 1-16,-1-1 16,8 0-16,-7 0 15,7 0 1,-7 0-16,-1 8 15,-7 7-15,0 1 16,0 7 0,0 0-16,0 0 15,0 0-15,-7 0 16,-8 7-16,-1 1 16,9-1-1,-8 1-15,0 0 16,0-1-16,7-7 15,0 0-15,1 0 16,-1 0 0,8 0-16,0 0 15,0 0 1,0-7-16,15-16 16,8-8-16,22-7 15,8 0-15,-7 15 16,-8 0-16,-8 8 15,-8 7 1,-6 8-16,-9 0 16,1 0-16,-1 0 15,-7 0-15,0 0 16,0 0 0,0 0-16,-15 0 15,-23 0-15,-22 8 16,-8 7-1,68-15-15</inkml:trace>
   <inkml:trace contextRef="#ctx0" brushRef="#br0" timeOffset="202713.91">9344 8907 0,'0'0'0,"0"0"15,0 0-15,159-252 0,-129 206 16,-7 8-16,-1-8 15,-7 0-15,1 8 16,-1 0 0,7 0-16,-7 7 15,1 8-15,-1 1 16,-8 6 0,1 1-16,-1 7 15,-7 8-15,0 0 16,0 0-16,0 0 15,0 0 1,0 0-16,-7 0 16,-8 0-16,0 8 15,-8 0-15,8-1 16,0 1 0,0-8-16,7 0 15,0 0-15,8 0 16,0 0-1,0 0-15,0-8 16,8-7-16,7-8 16,8 0-16,-1 8 15,-6 0 1,-1 7-16,-8 0 16,1 1-16,-8 7 15,0 0 1,0 0-16,0 0 15,0 0-15,0 0 16,0 0-16,0 0 16,0 0-16,0 0 15,0 0 1,0 0-16,0 0 16,-8 0-16,8 0 15</inkml:trace>
   <inkml:trace contextRef="#ctx0" brushRef="#br0" timeOffset="-183404.52">9261 6434 0,'0'23'15,"0"61"-15,0 7 0,-91 1276 0,83-1200 16,8-37-16,-7-46 16,-8 0-1,15-84-15</inkml:trace>
   <inkml:trace contextRef="#ctx0" brushRef="#br0" timeOffset="-182583.76">8792 5976 0,'0'0'15,"8"-23"-15,14-15 16,1 0-16,7-8 15,8 15-15,23-7 16,22 0 0,-15 15-16,38 0 15,37 8-15,1 15 16,45-8 0,-68 8-16,68-7 15,0-1-15,0-7 16,-15 0-16,60-16 15,-7 1 1,-16 7-16,-14 7 16,52 9-16,-14 7 15,-54 0-15,46 0 16,0 7 0,-53 9-16,75-1 15,-120 0-15,113 16 16,-91-8-1,38 0-15,-30-1 16,-8 1-16,-38 0 16,-37 0-16,-8 8 15,0 7 1,0 0-16,-15 8 16,-8 0-16,-7 22 15,0 16 1,-16 31-16,-6-16 15,-1 38-15,0 8 16,0-23-16,-8 39 16,1-39-1,0 0-15,-1 23 16,1-46-16,-1 0 16,-7 16-16,8-16 15,-8-38 1,0-7-16,0 7 15,-8-8-15,-7 1 16,-8-1 0,-52 8-16,75-61 15</inkml:trace>
-  <inkml:trace contextRef="#ctx0" brushRef="#br0" timeOffset="-181899.71">9223 8571 0,'0'0'0,"0"0"16,0 0-16,0 0 15,15-8 1,15-15-16,16 1 16,29-1-16,8 0 15,16 7-15,14 1 16,8 8 0,-15 7-16,45 0 15,8 0-15,0 0 16,7-16-16,8 1 15,15-8 1,7 8-16,-14-8 16,22 0-16,0 8 15,30-8 1,-67 15-16,97-15 16,-60 16-16,-30-8 15,98 7-15,-151 8 16,152-8-1,-137 8-15,75 8 16,-52 7-16,7 0 16,-67-7-16,14 15 15,8 7 1,-30 1-16,-23 7 16,-15 0-16,-8 8 15,-45-46 1</inkml:trace>
+  <inkml:trace contextRef="#ctx0" brushRef="#br0" timeOffset="-181899.72">9223 8571 0,'0'0'0,"0"0"16,0 0-16,0 0 15,15-8 1,15-15-16,16 1 16,29-1-16,8 0 15,16 7-15,14 1 16,8 8 0,-15 7-16,45 0 15,8 0-15,0 0 16,7-16-16,8 1 15,15-8 1,7 8-16,-14-8 16,22 0-16,0 8 15,30-8 1,-67 15-16,97-15 16,-60 16-16,-30-8 15,98 7-15,-151 8 16,152-8-1,-137 8-15,75 8 16,-52 7-16,7 0 16,-67-7-16,14 15 15,8 7 1,-30 1-16,-23 7 16,-15 0-16,-8 8 15,-45-46 1</inkml:trace>
   <inkml:trace contextRef="#ctx0" brushRef="#br0" timeOffset="-175944.48">13880 6587 0,'0'0'0,"0"0"16,0 0-16,0 0 15,0 0-15,0 0 16,0 0 0,0 0-16,0 0 15,0 0-15,0 0 16,0 0-1,0 0-15,0 0 16,0 0-16,0 0 16,7 0-16,1 0 15,15-8 1,7 0-16,15-7 16,16 0-16,-1-8 15,-7 0 1,-15 8-16,15-8 15,22 0-15,24-8 16,-1-7 0,-7 0-16,30 0 15,-8-8-15,-45 16 16,30-9-16,8 1 16,0 8-1,0 7-15,0 0 16,7 0-16,-45 8 15,15 0-15,23-1 16,-8-7 0,-22 8-16,7 0 15,0 0-15,-7 7 16,-8 0 0,-23 1-16,-14-1 15,-9 0-15,1 1 16,0 7-16,-8 0 15,-8 0 1,-7 0-16,0 0 16,0 0-16,0 0 15,0 0 1</inkml:trace>
   <inkml:trace contextRef="#ctx0" brushRef="#br0" timeOffset="-175069.19">13963 6472 0,'0'0'0,"0"0"16,0 0-16,0 0 15,0 0 1,0 0-16,8-8 16,7 1-16,0-1 15,0 1-15,8-9 16,7 1-1,8-8-15,-8 0 16,-7 0-16,-1 0 16,-7 8-1,0 0-15,-7 7 16,0 1-16,-8 7 16,0 0-16,0 0 15,0 0 1,-8 15-16,-7 8 15,-8 7-15,-7 1 16,-8 7 0,8-7-16,7-1 15,8-7-15,0-8 16,7 1 0,1-1-16,-1-8 15,8-7-15,0 0 16,0 0-16,0 0 15,0 0 1,8 0-16,15 8 16,-1-8-16,9 0 15,-1 0-15,0 0 16,-7 0 0,-8 0-16,-8 0 15,1 0-15,-1 0 16,1-8-1,-8 1-15,0-8 16,-8-1-16,1-7 16,-1 8-16,1 7 15,7 8 1</inkml:trace>
 </inkml:ink>
@@ -9834,7 +10425,7 @@
           <a:p>
             <a:fld id="{00DBF6A6-50B5-43C4-86A5-B2443BF00A40}" type="datetimeFigureOut">
               <a:rPr lang="en-US" smtClean="0"/>
-              <a:t>9/10/2020</a:t>
+              <a:t>9/15/2020</a:t>
             </a:fld>
             <a:endParaRPr lang="en-US"/>
           </a:p>
@@ -11665,8 +12256,8 @@
           </a:p>
         </p:txBody>
       </p:sp>
-      <mc:AlternateContent xmlns:mc="http://schemas.openxmlformats.org/markup-compatibility/2006">
-        <mc:Choice xmlns:p14="http://schemas.microsoft.com/office/powerpoint/2010/main" Requires="p14">
+      <mc:AlternateContent xmlns:mc="http://schemas.openxmlformats.org/markup-compatibility/2006" xmlns:p14="http://schemas.microsoft.com/office/powerpoint/2010/main">
+        <mc:Choice Requires="p14">
           <p:contentPart p14:bwMode="auto" r:id="rId3">
             <p14:nvContentPartPr>
               <p14:cNvPr id="5" name="Ink 4">
@@ -11685,7 +12276,7 @@
             </p14:xfrm>
           </p:contentPart>
         </mc:Choice>
-        <mc:Fallback>
+        <mc:Fallback xmlns="">
           <p:pic>
             <p:nvPicPr>
               <p:cNvPr id="5" name="Ink 4">
@@ -11850,8 +12441,8 @@
           </a:p>
         </p:txBody>
       </p:sp>
-      <mc:AlternateContent xmlns:mc="http://schemas.openxmlformats.org/markup-compatibility/2006">
-        <mc:Choice xmlns:p14="http://schemas.microsoft.com/office/powerpoint/2010/main" Requires="p14">
+      <mc:AlternateContent xmlns:mc="http://schemas.openxmlformats.org/markup-compatibility/2006" xmlns:p14="http://schemas.microsoft.com/office/powerpoint/2010/main">
+        <mc:Choice Requires="p14">
           <p:contentPart p14:bwMode="auto" r:id="rId2">
             <p14:nvContentPartPr>
               <p14:cNvPr id="5" name="Ink 4">
@@ -11870,7 +12461,7 @@
             </p14:xfrm>
           </p:contentPart>
         </mc:Choice>
-        <mc:Fallback>
+        <mc:Fallback xmlns="">
           <p:pic>
             <p:nvPicPr>
               <p:cNvPr id="5" name="Ink 4">
@@ -12028,8 +12619,8 @@
           </a:p>
         </p:txBody>
       </p:sp>
-      <mc:AlternateContent xmlns:mc="http://schemas.openxmlformats.org/markup-compatibility/2006">
-        <mc:Choice xmlns:p14="http://schemas.microsoft.com/office/powerpoint/2010/main" Requires="p14">
+      <mc:AlternateContent xmlns:mc="http://schemas.openxmlformats.org/markup-compatibility/2006" xmlns:p14="http://schemas.microsoft.com/office/powerpoint/2010/main">
+        <mc:Choice Requires="p14">
           <p:contentPart p14:bwMode="auto" r:id="rId2">
             <p14:nvContentPartPr>
               <p14:cNvPr id="5" name="Ink 4">
@@ -12048,7 +12639,7 @@
             </p14:xfrm>
           </p:contentPart>
         </mc:Choice>
-        <mc:Fallback>
+        <mc:Fallback xmlns="">
           <p:pic>
             <p:nvPicPr>
               <p:cNvPr id="5" name="Ink 4">
@@ -12391,8 +12982,8 @@
           </a:p>
         </p:txBody>
       </p:sp>
-      <mc:AlternateContent xmlns:mc="http://schemas.openxmlformats.org/markup-compatibility/2006">
-        <mc:Choice xmlns:p14="http://schemas.microsoft.com/office/powerpoint/2010/main" Requires="p14">
+      <mc:AlternateContent xmlns:mc="http://schemas.openxmlformats.org/markup-compatibility/2006" xmlns:p14="http://schemas.microsoft.com/office/powerpoint/2010/main">
+        <mc:Choice Requires="p14">
           <p:contentPart p14:bwMode="auto" r:id="rId2">
             <p14:nvContentPartPr>
               <p14:cNvPr id="5" name="Ink 4">
@@ -12411,7 +13002,7 @@
             </p14:xfrm>
           </p:contentPart>
         </mc:Choice>
-        <mc:Fallback>
+        <mc:Fallback xmlns="">
           <p:pic>
             <p:nvPicPr>
               <p:cNvPr id="5" name="Ink 4">
@@ -12877,8 +13468,8 @@
           </a:graphicData>
         </a:graphic>
       </p:graphicFrame>
-      <mc:AlternateContent xmlns:mc="http://schemas.openxmlformats.org/markup-compatibility/2006">
-        <mc:Choice xmlns:p14="http://schemas.microsoft.com/office/powerpoint/2010/main" Requires="p14">
+      <mc:AlternateContent xmlns:mc="http://schemas.openxmlformats.org/markup-compatibility/2006" xmlns:p14="http://schemas.microsoft.com/office/powerpoint/2010/main">
+        <mc:Choice Requires="p14">
           <p:contentPart p14:bwMode="auto" r:id="rId2">
             <p14:nvContentPartPr>
               <p14:cNvPr id="6" name="Ink 5">
@@ -12897,7 +13488,7 @@
             </p14:xfrm>
           </p:contentPart>
         </mc:Choice>
-        <mc:Fallback>
+        <mc:Fallback xmlns="">
           <p:pic>
             <p:nvPicPr>
               <p:cNvPr id="6" name="Ink 5">
@@ -13257,8 +13848,8 @@
           </a:graphicData>
         </a:graphic>
       </p:graphicFrame>
-      <mc:AlternateContent xmlns:mc="http://schemas.openxmlformats.org/markup-compatibility/2006">
-        <mc:Choice xmlns:p14="http://schemas.microsoft.com/office/powerpoint/2010/main" Requires="p14">
+      <mc:AlternateContent xmlns:mc="http://schemas.openxmlformats.org/markup-compatibility/2006" xmlns:p14="http://schemas.microsoft.com/office/powerpoint/2010/main">
+        <mc:Choice Requires="p14">
           <p:contentPart p14:bwMode="auto" r:id="rId2">
             <p14:nvContentPartPr>
               <p14:cNvPr id="6" name="Ink 5">
@@ -13277,7 +13868,7 @@
             </p14:xfrm>
           </p:contentPart>
         </mc:Choice>
-        <mc:Fallback>
+        <mc:Fallback xmlns="">
           <p:pic>
             <p:nvPicPr>
               <p:cNvPr id="6" name="Ink 5">
@@ -13758,8 +14349,8 @@
           </a:graphicData>
         </a:graphic>
       </p:graphicFrame>
-      <mc:AlternateContent xmlns:mc="http://schemas.openxmlformats.org/markup-compatibility/2006">
-        <mc:Choice xmlns:p14="http://schemas.microsoft.com/office/powerpoint/2010/main" Requires="p14">
+      <mc:AlternateContent xmlns:mc="http://schemas.openxmlformats.org/markup-compatibility/2006" xmlns:p14="http://schemas.microsoft.com/office/powerpoint/2010/main">
+        <mc:Choice Requires="p14">
           <p:contentPart p14:bwMode="auto" r:id="rId2">
             <p14:nvContentPartPr>
               <p14:cNvPr id="6" name="Ink 5">
@@ -13778,7 +14369,7 @@
             </p14:xfrm>
           </p:contentPart>
         </mc:Choice>
-        <mc:Fallback>
+        <mc:Fallback xmlns="">
           <p:pic>
             <p:nvPicPr>
               <p:cNvPr id="6" name="Ink 5">
@@ -14346,8 +14937,8 @@
           </a:p>
         </p:txBody>
       </p:sp>
-      <mc:AlternateContent xmlns:mc="http://schemas.openxmlformats.org/markup-compatibility/2006">
-        <mc:Choice xmlns:p14="http://schemas.microsoft.com/office/powerpoint/2010/main" Requires="p14">
+      <mc:AlternateContent xmlns:mc="http://schemas.openxmlformats.org/markup-compatibility/2006" xmlns:p14="http://schemas.microsoft.com/office/powerpoint/2010/main">
+        <mc:Choice Requires="p14">
           <p:contentPart p14:bwMode="auto" r:id="rId12">
             <p14:nvContentPartPr>
               <p14:cNvPr id="11" name="Ink 10">
@@ -14366,7 +14957,7 @@
             </p14:xfrm>
           </p:contentPart>
         </mc:Choice>
-        <mc:Fallback>
+        <mc:Fallback xmlns="">
           <p:pic>
             <p:nvPicPr>
               <p:cNvPr id="11" name="Ink 10">
@@ -15455,7 +16046,7 @@
           <a:p>
             <a:r>
               <a:rPr lang="es-MX" dirty="0" err="1"/>
-              <a:t>GananciasMexico</a:t>
+              <a:t>GananciasNotMexico</a:t>
             </a:r>
             <a:r>
               <a:rPr lang="es-MX" dirty="0"/>
@@ -15531,6 +16122,57 @@
           </a:p>
         </p:txBody>
       </p:sp>
+      <mc:AlternateContent xmlns:mc="http://schemas.openxmlformats.org/markup-compatibility/2006">
+        <mc:Choice xmlns:p14="http://schemas.microsoft.com/office/powerpoint/2010/main" Requires="p14">
+          <p:contentPart p14:bwMode="auto" r:id="rId2">
+            <p14:nvContentPartPr>
+              <p14:cNvPr id="5" name="Ink 4">
+                <a:extLst>
+                  <a:ext uri="{FF2B5EF4-FFF2-40B4-BE49-F238E27FC236}">
+                    <a16:creationId xmlns:a16="http://schemas.microsoft.com/office/drawing/2014/main" id="{D0D2AE55-98BB-425E-9540-3EEDF50B3AB7}"/>
+                  </a:ext>
+                </a:extLst>
+              </p14:cNvPr>
+              <p14:cNvContentPartPr/>
+              <p14:nvPr/>
+            </p14:nvContentPartPr>
+            <p14:xfrm>
+              <a:off x="4425120" y="1348920"/>
+              <a:ext cx="2814480" cy="824760"/>
+            </p14:xfrm>
+          </p:contentPart>
+        </mc:Choice>
+        <mc:Fallback>
+          <p:pic>
+            <p:nvPicPr>
+              <p:cNvPr id="5" name="Ink 4">
+                <a:extLst>
+                  <a:ext uri="{FF2B5EF4-FFF2-40B4-BE49-F238E27FC236}">
+                    <a16:creationId xmlns:a16="http://schemas.microsoft.com/office/drawing/2014/main" id="{D0D2AE55-98BB-425E-9540-3EEDF50B3AB7}"/>
+                  </a:ext>
+                </a:extLst>
+              </p:cNvPr>
+              <p:cNvPicPr/>
+              <p:nvPr/>
+            </p:nvPicPr>
+            <p:blipFill>
+              <a:blip r:embed="rId3"/>
+              <a:stretch>
+                <a:fillRect/>
+              </a:stretch>
+            </p:blipFill>
+            <p:spPr>
+              <a:xfrm>
+                <a:off x="4415760" y="1339560"/>
+                <a:ext cx="2833200" cy="843480"/>
+              </a:xfrm>
+              <a:prstGeom prst="rect">
+                <a:avLst/>
+              </a:prstGeom>
+            </p:spPr>
+          </p:pic>
+        </mc:Fallback>
+      </mc:AlternateContent>
     </p:spTree>
     <p:extLst>
       <p:ext uri="{BB962C8B-B14F-4D97-AF65-F5344CB8AC3E}">
@@ -15888,6 +16530,57 @@
           </a:graphicData>
         </a:graphic>
       </p:graphicFrame>
+      <mc:AlternateContent xmlns:mc="http://schemas.openxmlformats.org/markup-compatibility/2006">
+        <mc:Choice xmlns:p14="http://schemas.microsoft.com/office/powerpoint/2010/main" Requires="p14">
+          <p:contentPart p14:bwMode="auto" r:id="rId2">
+            <p14:nvContentPartPr>
+              <p14:cNvPr id="6" name="Ink 5">
+                <a:extLst>
+                  <a:ext uri="{FF2B5EF4-FFF2-40B4-BE49-F238E27FC236}">
+                    <a16:creationId xmlns:a16="http://schemas.microsoft.com/office/drawing/2014/main" id="{1F026F66-C6C8-47E3-B662-1C3894B9922A}"/>
+                  </a:ext>
+                </a:extLst>
+              </p14:cNvPr>
+              <p14:cNvContentPartPr/>
+              <p14:nvPr/>
+            </p14:nvContentPartPr>
+            <p14:xfrm>
+              <a:off x="2207160" y="1805040"/>
+              <a:ext cx="3154680" cy="728640"/>
+            </p14:xfrm>
+          </p:contentPart>
+        </mc:Choice>
+        <mc:Fallback>
+          <p:pic>
+            <p:nvPicPr>
+              <p:cNvPr id="6" name="Ink 5">
+                <a:extLst>
+                  <a:ext uri="{FF2B5EF4-FFF2-40B4-BE49-F238E27FC236}">
+                    <a16:creationId xmlns:a16="http://schemas.microsoft.com/office/drawing/2014/main" id="{1F026F66-C6C8-47E3-B662-1C3894B9922A}"/>
+                  </a:ext>
+                </a:extLst>
+              </p:cNvPr>
+              <p:cNvPicPr/>
+              <p:nvPr/>
+            </p:nvPicPr>
+            <p:blipFill>
+              <a:blip r:embed="rId3"/>
+              <a:stretch>
+                <a:fillRect/>
+              </a:stretch>
+            </p:blipFill>
+            <p:spPr>
+              <a:xfrm>
+                <a:off x="2197800" y="1795680"/>
+                <a:ext cx="3173400" cy="747360"/>
+              </a:xfrm>
+              <a:prstGeom prst="rect">
+                <a:avLst/>
+              </a:prstGeom>
+            </p:spPr>
+          </p:pic>
+        </mc:Fallback>
+      </mc:AlternateContent>
     </p:spTree>
     <p:extLst>
       <p:ext uri="{BB962C8B-B14F-4D97-AF65-F5344CB8AC3E}">
@@ -16034,6 +16727,57 @@
           </a:p>
         </p:txBody>
       </p:sp>
+      <mc:AlternateContent xmlns:mc="http://schemas.openxmlformats.org/markup-compatibility/2006">
+        <mc:Choice xmlns:p14="http://schemas.microsoft.com/office/powerpoint/2010/main" Requires="p14">
+          <p:contentPart p14:bwMode="auto" r:id="rId2">
+            <p14:nvContentPartPr>
+              <p14:cNvPr id="5" name="Ink 4">
+                <a:extLst>
+                  <a:ext uri="{FF2B5EF4-FFF2-40B4-BE49-F238E27FC236}">
+                    <a16:creationId xmlns:a16="http://schemas.microsoft.com/office/drawing/2014/main" id="{31E06804-8F38-4218-A9EA-B1D5555B239B}"/>
+                  </a:ext>
+                </a:extLst>
+              </p14:cNvPr>
+              <p14:cNvContentPartPr/>
+              <p14:nvPr/>
+            </p14:nvContentPartPr>
+            <p14:xfrm>
+              <a:off x="3075480" y="1791360"/>
+              <a:ext cx="3056400" cy="637920"/>
+            </p14:xfrm>
+          </p:contentPart>
+        </mc:Choice>
+        <mc:Fallback>
+          <p:pic>
+            <p:nvPicPr>
+              <p:cNvPr id="5" name="Ink 4">
+                <a:extLst>
+                  <a:ext uri="{FF2B5EF4-FFF2-40B4-BE49-F238E27FC236}">
+                    <a16:creationId xmlns:a16="http://schemas.microsoft.com/office/drawing/2014/main" id="{31E06804-8F38-4218-A9EA-B1D5555B239B}"/>
+                  </a:ext>
+                </a:extLst>
+              </p:cNvPr>
+              <p:cNvPicPr/>
+              <p:nvPr/>
+            </p:nvPicPr>
+            <p:blipFill>
+              <a:blip r:embed="rId3"/>
+              <a:stretch>
+                <a:fillRect/>
+              </a:stretch>
+            </p:blipFill>
+            <p:spPr>
+              <a:xfrm>
+                <a:off x="3066120" y="1782000"/>
+                <a:ext cx="3075120" cy="656640"/>
+              </a:xfrm>
+              <a:prstGeom prst="rect">
+                <a:avLst/>
+              </a:prstGeom>
+            </p:spPr>
+          </p:pic>
+        </mc:Fallback>
+      </mc:AlternateContent>
     </p:spTree>
     <p:extLst>
       <p:ext uri="{BB962C8B-B14F-4D97-AF65-F5344CB8AC3E}">
@@ -16441,6 +17185,57 @@
           </a:graphicData>
         </a:graphic>
       </p:graphicFrame>
+      <mc:AlternateContent xmlns:mc="http://schemas.openxmlformats.org/markup-compatibility/2006">
+        <mc:Choice xmlns:p14="http://schemas.microsoft.com/office/powerpoint/2010/main" Requires="p14">
+          <p:contentPart p14:bwMode="auto" r:id="rId2">
+            <p14:nvContentPartPr>
+              <p14:cNvPr id="5" name="Ink 4">
+                <a:extLst>
+                  <a:ext uri="{FF2B5EF4-FFF2-40B4-BE49-F238E27FC236}">
+                    <a16:creationId xmlns:a16="http://schemas.microsoft.com/office/drawing/2014/main" id="{1CCF754A-FEBC-47A8-9D50-1D6019D05941}"/>
+                  </a:ext>
+                </a:extLst>
+              </p14:cNvPr>
+              <p14:cNvContentPartPr/>
+              <p14:nvPr/>
+            </p14:nvContentPartPr>
+            <p14:xfrm>
+              <a:off x="3456360" y="1841040"/>
+              <a:ext cx="3339720" cy="1978560"/>
+            </p14:xfrm>
+          </p:contentPart>
+        </mc:Choice>
+        <mc:Fallback>
+          <p:pic>
+            <p:nvPicPr>
+              <p:cNvPr id="5" name="Ink 4">
+                <a:extLst>
+                  <a:ext uri="{FF2B5EF4-FFF2-40B4-BE49-F238E27FC236}">
+                    <a16:creationId xmlns:a16="http://schemas.microsoft.com/office/drawing/2014/main" id="{1CCF754A-FEBC-47A8-9D50-1D6019D05941}"/>
+                  </a:ext>
+                </a:extLst>
+              </p:cNvPr>
+              <p:cNvPicPr/>
+              <p:nvPr/>
+            </p:nvPicPr>
+            <p:blipFill>
+              <a:blip r:embed="rId3"/>
+              <a:stretch>
+                <a:fillRect/>
+              </a:stretch>
+            </p:blipFill>
+            <p:spPr>
+              <a:xfrm>
+                <a:off x="3447000" y="1831680"/>
+                <a:ext cx="3358440" cy="1997280"/>
+              </a:xfrm>
+              <a:prstGeom prst="rect">
+                <a:avLst/>
+              </a:prstGeom>
+            </p:spPr>
+          </p:pic>
+        </mc:Fallback>
+      </mc:AlternateContent>
     </p:spTree>
     <p:extLst>
       <p:ext uri="{BB962C8B-B14F-4D97-AF65-F5344CB8AC3E}">
@@ -16690,6 +17485,57 @@
           </a:p>
         </p:txBody>
       </p:sp>
+      <mc:AlternateContent xmlns:mc="http://schemas.openxmlformats.org/markup-compatibility/2006">
+        <mc:Choice xmlns:p14="http://schemas.microsoft.com/office/powerpoint/2010/main" Requires="p14">
+          <p:contentPart p14:bwMode="auto" r:id="rId2">
+            <p14:nvContentPartPr>
+              <p14:cNvPr id="5" name="Ink 4">
+                <a:extLst>
+                  <a:ext uri="{FF2B5EF4-FFF2-40B4-BE49-F238E27FC236}">
+                    <a16:creationId xmlns:a16="http://schemas.microsoft.com/office/drawing/2014/main" id="{E23FA20B-9B21-46EA-9D5E-1FADB909BC5B}"/>
+                  </a:ext>
+                </a:extLst>
+              </p14:cNvPr>
+              <p14:cNvContentPartPr/>
+              <p14:nvPr/>
+            </p14:nvContentPartPr>
+            <p14:xfrm>
+              <a:off x="2993760" y="1890360"/>
+              <a:ext cx="3211560" cy="374040"/>
+            </p14:xfrm>
+          </p:contentPart>
+        </mc:Choice>
+        <mc:Fallback>
+          <p:pic>
+            <p:nvPicPr>
+              <p:cNvPr id="5" name="Ink 4">
+                <a:extLst>
+                  <a:ext uri="{FF2B5EF4-FFF2-40B4-BE49-F238E27FC236}">
+                    <a16:creationId xmlns:a16="http://schemas.microsoft.com/office/drawing/2014/main" id="{E23FA20B-9B21-46EA-9D5E-1FADB909BC5B}"/>
+                  </a:ext>
+                </a:extLst>
+              </p:cNvPr>
+              <p:cNvPicPr/>
+              <p:nvPr/>
+            </p:nvPicPr>
+            <p:blipFill>
+              <a:blip r:embed="rId3"/>
+              <a:stretch>
+                <a:fillRect/>
+              </a:stretch>
+            </p:blipFill>
+            <p:spPr>
+              <a:xfrm>
+                <a:off x="2984400" y="1881000"/>
+                <a:ext cx="3230280" cy="392760"/>
+              </a:xfrm>
+              <a:prstGeom prst="rect">
+                <a:avLst/>
+              </a:prstGeom>
+            </p:spPr>
+          </p:pic>
+        </mc:Fallback>
+      </mc:AlternateContent>
     </p:spTree>
     <p:extLst>
       <p:ext uri="{BB962C8B-B14F-4D97-AF65-F5344CB8AC3E}">
@@ -16973,6 +17819,57 @@
           </a:graphicData>
         </a:graphic>
       </p:graphicFrame>
+      <mc:AlternateContent xmlns:mc="http://schemas.openxmlformats.org/markup-compatibility/2006">
+        <mc:Choice xmlns:p14="http://schemas.microsoft.com/office/powerpoint/2010/main" Requires="p14">
+          <p:contentPart p14:bwMode="auto" r:id="rId2">
+            <p14:nvContentPartPr>
+              <p14:cNvPr id="6" name="Ink 5">
+                <a:extLst>
+                  <a:ext uri="{FF2B5EF4-FFF2-40B4-BE49-F238E27FC236}">
+                    <a16:creationId xmlns:a16="http://schemas.microsoft.com/office/drawing/2014/main" id="{B68D178D-506E-491D-B924-72877A1A5CD9}"/>
+                  </a:ext>
+                </a:extLst>
+              </p14:cNvPr>
+              <p14:cNvContentPartPr/>
+              <p14:nvPr/>
+            </p14:nvContentPartPr>
+            <p14:xfrm>
+              <a:off x="2895840" y="1816200"/>
+              <a:ext cx="261360" cy="244800"/>
+            </p14:xfrm>
+          </p:contentPart>
+        </mc:Choice>
+        <mc:Fallback>
+          <p:pic>
+            <p:nvPicPr>
+              <p:cNvPr id="6" name="Ink 5">
+                <a:extLst>
+                  <a:ext uri="{FF2B5EF4-FFF2-40B4-BE49-F238E27FC236}">
+                    <a16:creationId xmlns:a16="http://schemas.microsoft.com/office/drawing/2014/main" id="{B68D178D-506E-491D-B924-72877A1A5CD9}"/>
+                  </a:ext>
+                </a:extLst>
+              </p:cNvPr>
+              <p:cNvPicPr/>
+              <p:nvPr/>
+            </p:nvPicPr>
+            <p:blipFill>
+              <a:blip r:embed="rId3"/>
+              <a:stretch>
+                <a:fillRect/>
+              </a:stretch>
+            </p:blipFill>
+            <p:spPr>
+              <a:xfrm>
+                <a:off x="2886480" y="1806840"/>
+                <a:ext cx="280080" cy="263520"/>
+              </a:xfrm>
+              <a:prstGeom prst="rect">
+                <a:avLst/>
+              </a:prstGeom>
+            </p:spPr>
+          </p:pic>
+        </mc:Fallback>
+      </mc:AlternateContent>
     </p:spTree>
     <p:extLst>
       <p:ext uri="{BB962C8B-B14F-4D97-AF65-F5344CB8AC3E}">
@@ -17164,6 +18061,57 @@
           </a:p>
         </p:txBody>
       </p:sp>
+      <mc:AlternateContent xmlns:mc="http://schemas.openxmlformats.org/markup-compatibility/2006">
+        <mc:Choice xmlns:p14="http://schemas.microsoft.com/office/powerpoint/2010/main" Requires="p14">
+          <p:contentPart p14:bwMode="auto" r:id="rId2">
+            <p14:nvContentPartPr>
+              <p14:cNvPr id="5" name="Ink 4">
+                <a:extLst>
+                  <a:ext uri="{FF2B5EF4-FFF2-40B4-BE49-F238E27FC236}">
+                    <a16:creationId xmlns:a16="http://schemas.microsoft.com/office/drawing/2014/main" id="{33DCE68A-245E-4AFB-933F-7E490DA58944}"/>
+                  </a:ext>
+                </a:extLst>
+              </p14:cNvPr>
+              <p14:cNvContentPartPr/>
+              <p14:nvPr/>
+            </p14:nvContentPartPr>
+            <p14:xfrm>
+              <a:off x="1284480" y="0"/>
+              <a:ext cx="6357960" cy="4514760"/>
+            </p14:xfrm>
+          </p:contentPart>
+        </mc:Choice>
+        <mc:Fallback>
+          <p:pic>
+            <p:nvPicPr>
+              <p:cNvPr id="5" name="Ink 4">
+                <a:extLst>
+                  <a:ext uri="{FF2B5EF4-FFF2-40B4-BE49-F238E27FC236}">
+                    <a16:creationId xmlns:a16="http://schemas.microsoft.com/office/drawing/2014/main" id="{33DCE68A-245E-4AFB-933F-7E490DA58944}"/>
+                  </a:ext>
+                </a:extLst>
+              </p:cNvPr>
+              <p:cNvPicPr/>
+              <p:nvPr/>
+            </p:nvPicPr>
+            <p:blipFill>
+              <a:blip r:embed="rId3"/>
+              <a:stretch>
+                <a:fillRect/>
+              </a:stretch>
+            </p:blipFill>
+            <p:spPr>
+              <a:xfrm>
+                <a:off x="1275120" y="-9360"/>
+                <a:ext cx="6376680" cy="4533480"/>
+              </a:xfrm>
+              <a:prstGeom prst="rect">
+                <a:avLst/>
+              </a:prstGeom>
+            </p:spPr>
+          </p:pic>
+        </mc:Fallback>
+      </mc:AlternateContent>
     </p:spTree>
     <p:extLst>
       <p:ext uri="{BB962C8B-B14F-4D97-AF65-F5344CB8AC3E}">
@@ -17196,6 +18144,4300 @@
       </p:grpSpPr>
       <p:sp>
         <p:nvSpPr>
+          <p:cNvPr id="2" name="Título 1"/>
+          <p:cNvSpPr>
+            <a:spLocks noGrp="1"/>
+          </p:cNvSpPr>
+          <p:nvPr>
+            <p:ph type="title"/>
+          </p:nvPr>
+        </p:nvSpPr>
+        <p:spPr/>
+        <p:txBody>
+          <a:bodyPr/>
+          <a:lstStyle/>
+          <a:p>
+            <a:r>
+              <a:rPr lang="es-MX" dirty="0"/>
+              <a:t>Proyección</a:t>
+            </a:r>
+          </a:p>
+        </p:txBody>
+      </p:sp>
+      <p:sp>
+        <p:nvSpPr>
+          <p:cNvPr id="3" name="Marcador de texto 2"/>
+          <p:cNvSpPr>
+            <a:spLocks noGrp="1"/>
+          </p:cNvSpPr>
+          <p:nvPr>
+            <p:ph type="body" idx="1"/>
+          </p:nvPr>
+        </p:nvSpPr>
+        <p:spPr/>
+        <p:txBody>
+          <a:bodyPr/>
+          <a:lstStyle/>
+          <a:p>
+            <a:r>
+              <a:rPr lang="es-MX" dirty="0"/>
+              <a:t>Ejemplo:</a:t>
+            </a:r>
+          </a:p>
+          <a:p>
+            <a:r>
+              <a:rPr lang="es-MX" dirty="0"/>
+              <a:t>Tabla Ganancias</a:t>
+            </a:r>
+          </a:p>
+          <a:p>
+            <a:endParaRPr lang="es-MX" dirty="0"/>
+          </a:p>
+          <a:p>
+            <a:endParaRPr lang="es-MX" dirty="0"/>
+          </a:p>
+          <a:p>
+            <a:endParaRPr lang="es-MX" dirty="0"/>
+          </a:p>
+          <a:p>
+            <a:endParaRPr lang="es-MX" dirty="0"/>
+          </a:p>
+          <a:p>
+            <a:endParaRPr lang="es-MX" dirty="0"/>
+          </a:p>
+        </p:txBody>
+      </p:sp>
+      <p:sp>
+        <p:nvSpPr>
+          <p:cNvPr id="4" name="Marcador de número de diapositiva 3"/>
+          <p:cNvSpPr>
+            <a:spLocks noGrp="1"/>
+          </p:cNvSpPr>
+          <p:nvPr>
+            <p:ph type="sldNum" idx="12"/>
+          </p:nvPr>
+        </p:nvSpPr>
+        <p:spPr/>
+        <p:txBody>
+          <a:bodyPr/>
+          <a:lstStyle/>
+          <a:p>
+            <a:pPr marL="0" lvl="0" indent="0">
+              <a:spcBef>
+                <a:spcPts val="0"/>
+              </a:spcBef>
+              <a:spcAft>
+                <a:spcPts val="0"/>
+              </a:spcAft>
+              <a:buNone/>
+            </a:pPr>
+            <a:fld id="{00000000-1234-1234-1234-123412341234}" type="slidenum">
+              <a:rPr lang="es-MX" smtClean="0"/>
+              <a:t>33</a:t>
+            </a:fld>
+            <a:endParaRPr lang="es-MX"/>
+          </a:p>
+        </p:txBody>
+      </p:sp>
+      <p:graphicFrame>
+        <p:nvGraphicFramePr>
+          <p:cNvPr id="5" name="Tabla 4"/>
+          <p:cNvGraphicFramePr>
+            <a:graphicFrameLocks noGrp="1"/>
+          </p:cNvGraphicFramePr>
+          <p:nvPr/>
+        </p:nvGraphicFramePr>
+        <p:xfrm>
+          <a:off x="1707140" y="2294127"/>
+          <a:ext cx="5910860" cy="2221015"/>
+        </p:xfrm>
+        <a:graphic>
+          <a:graphicData uri="http://schemas.openxmlformats.org/drawingml/2006/table">
+            <a:tbl>
+              <a:tblPr firstRow="1" bandRow="1">
+                <a:tableStyleId>{3C2FFA5D-87B4-456A-9821-1D502468CF0F}</a:tableStyleId>
+              </a:tblPr>
+              <a:tblGrid>
+                <a:gridCol w="1477715">
+                  <a:extLst>
+                    <a:ext uri="{9D8B030D-6E8A-4147-A177-3AD203B41FA5}">
+                      <a16:colId xmlns:a16="http://schemas.microsoft.com/office/drawing/2014/main" val="1985357204"/>
+                    </a:ext>
+                  </a:extLst>
+                </a:gridCol>
+                <a:gridCol w="1477715">
+                  <a:extLst>
+                    <a:ext uri="{9D8B030D-6E8A-4147-A177-3AD203B41FA5}">
+                      <a16:colId xmlns:a16="http://schemas.microsoft.com/office/drawing/2014/main" val="2931249605"/>
+                    </a:ext>
+                  </a:extLst>
+                </a:gridCol>
+                <a:gridCol w="1477715">
+                  <a:extLst>
+                    <a:ext uri="{9D8B030D-6E8A-4147-A177-3AD203B41FA5}">
+                      <a16:colId xmlns:a16="http://schemas.microsoft.com/office/drawing/2014/main" val="2635989360"/>
+                    </a:ext>
+                  </a:extLst>
+                </a:gridCol>
+                <a:gridCol w="1477715">
+                  <a:extLst>
+                    <a:ext uri="{9D8B030D-6E8A-4147-A177-3AD203B41FA5}">
+                      <a16:colId xmlns:a16="http://schemas.microsoft.com/office/drawing/2014/main" val="20003"/>
+                    </a:ext>
+                  </a:extLst>
+                </a:gridCol>
+              </a:tblGrid>
+              <a:tr h="475867">
+                <a:tc>
+                  <a:txBody>
+                    <a:bodyPr/>
+                    <a:lstStyle/>
+                    <a:p>
+                      <a:r>
+                        <a:rPr lang="es-MX" dirty="0"/>
+                        <a:t>Nombre Película</a:t>
+                      </a:r>
+                    </a:p>
+                  </a:txBody>
+                  <a:tcPr/>
+                </a:tc>
+                <a:tc>
+                  <a:txBody>
+                    <a:bodyPr/>
+                    <a:lstStyle/>
+                    <a:p>
+                      <a:r>
+                        <a:rPr lang="es-MX" dirty="0"/>
+                        <a:t>Ciudad</a:t>
+                      </a:r>
+                    </a:p>
+                  </a:txBody>
+                  <a:tcPr/>
+                </a:tc>
+                <a:tc>
+                  <a:txBody>
+                    <a:bodyPr/>
+                    <a:lstStyle/>
+                    <a:p>
+                      <a:r>
+                        <a:rPr lang="es-MX" dirty="0"/>
+                        <a:t> Boletos</a:t>
+                      </a:r>
+                    </a:p>
+                  </a:txBody>
+                  <a:tcPr/>
+                </a:tc>
+                <a:tc>
+                  <a:txBody>
+                    <a:bodyPr/>
+                    <a:lstStyle/>
+                    <a:p>
+                      <a:r>
+                        <a:rPr lang="es-MX" dirty="0"/>
+                        <a:t>Precio Unitario</a:t>
+                      </a:r>
+                    </a:p>
+                  </a:txBody>
+                  <a:tcPr/>
+                </a:tc>
+                <a:extLst>
+                  <a:ext uri="{0D108BD9-81ED-4DB2-BD59-A6C34878D82A}">
+                    <a16:rowId xmlns:a16="http://schemas.microsoft.com/office/drawing/2014/main" val="2867372264"/>
+                  </a:ext>
+                </a:extLst>
+              </a:tr>
+              <a:tr h="340571">
+                <a:tc>
+                  <a:txBody>
+                    <a:bodyPr/>
+                    <a:lstStyle/>
+                    <a:p>
+                      <a:r>
+                        <a:rPr lang="es-MX" dirty="0" err="1"/>
+                        <a:t>Toy</a:t>
+                      </a:r>
+                      <a:r>
+                        <a:rPr lang="es-MX" dirty="0"/>
+                        <a:t> </a:t>
+                      </a:r>
+                      <a:r>
+                        <a:rPr lang="es-MX" dirty="0" err="1"/>
+                        <a:t>Story</a:t>
+                      </a:r>
+                      <a:endParaRPr lang="es-MX" dirty="0"/>
+                    </a:p>
+                  </a:txBody>
+                  <a:tcPr/>
+                </a:tc>
+                <a:tc>
+                  <a:txBody>
+                    <a:bodyPr/>
+                    <a:lstStyle/>
+                    <a:p>
+                      <a:r>
+                        <a:rPr lang="es-MX" dirty="0"/>
+                        <a:t>Los</a:t>
+                      </a:r>
+                      <a:r>
+                        <a:rPr lang="es-MX" baseline="0" dirty="0"/>
+                        <a:t> </a:t>
+                      </a:r>
+                      <a:r>
+                        <a:rPr lang="es-MX" baseline="0" dirty="0" err="1"/>
+                        <a:t>Angeles</a:t>
+                      </a:r>
+                      <a:endParaRPr lang="es-MX" dirty="0"/>
+                    </a:p>
+                  </a:txBody>
+                  <a:tcPr/>
+                </a:tc>
+                <a:tc>
+                  <a:txBody>
+                    <a:bodyPr/>
+                    <a:lstStyle/>
+                    <a:p>
+                      <a:r>
+                        <a:rPr lang="es-MX" dirty="0"/>
+                        <a:t>10,000</a:t>
+                      </a:r>
+                    </a:p>
+                  </a:txBody>
+                  <a:tcPr/>
+                </a:tc>
+                <a:tc>
+                  <a:txBody>
+                    <a:bodyPr/>
+                    <a:lstStyle/>
+                    <a:p>
+                      <a:r>
+                        <a:rPr lang="es-MX" dirty="0"/>
+                        <a:t>$8</a:t>
+                      </a:r>
+                    </a:p>
+                  </a:txBody>
+                  <a:tcPr/>
+                </a:tc>
+                <a:extLst>
+                  <a:ext uri="{0D108BD9-81ED-4DB2-BD59-A6C34878D82A}">
+                    <a16:rowId xmlns:a16="http://schemas.microsoft.com/office/drawing/2014/main" val="198868094"/>
+                  </a:ext>
+                </a:extLst>
+              </a:tr>
+              <a:tr h="340571">
+                <a:tc>
+                  <a:txBody>
+                    <a:bodyPr/>
+                    <a:lstStyle/>
+                    <a:p>
+                      <a:r>
+                        <a:rPr lang="es-MX" dirty="0"/>
+                        <a:t>Big Hero 6</a:t>
+                      </a:r>
+                    </a:p>
+                  </a:txBody>
+                  <a:tcPr/>
+                </a:tc>
+                <a:tc>
+                  <a:txBody>
+                    <a:bodyPr/>
+                    <a:lstStyle/>
+                    <a:p>
+                      <a:r>
+                        <a:rPr lang="es-MX" dirty="0"/>
+                        <a:t>CDMX</a:t>
+                      </a:r>
+                    </a:p>
+                  </a:txBody>
+                  <a:tcPr/>
+                </a:tc>
+                <a:tc>
+                  <a:txBody>
+                    <a:bodyPr/>
+                    <a:lstStyle/>
+                    <a:p>
+                      <a:r>
+                        <a:rPr lang="es-MX" dirty="0"/>
+                        <a:t>20,0000</a:t>
+                      </a:r>
+                    </a:p>
+                  </a:txBody>
+                  <a:tcPr/>
+                </a:tc>
+                <a:tc>
+                  <a:txBody>
+                    <a:bodyPr/>
+                    <a:lstStyle/>
+                    <a:p>
+                      <a:r>
+                        <a:rPr lang="es-MX" dirty="0"/>
+                        <a:t>$3</a:t>
+                      </a:r>
+                    </a:p>
+                  </a:txBody>
+                  <a:tcPr/>
+                </a:tc>
+                <a:extLst>
+                  <a:ext uri="{0D108BD9-81ED-4DB2-BD59-A6C34878D82A}">
+                    <a16:rowId xmlns:a16="http://schemas.microsoft.com/office/drawing/2014/main" val="1567914759"/>
+                  </a:ext>
+                </a:extLst>
+              </a:tr>
+              <a:tr h="340571">
+                <a:tc>
+                  <a:txBody>
+                    <a:bodyPr/>
+                    <a:lstStyle/>
+                    <a:p>
+                      <a:r>
+                        <a:rPr lang="es-MX" dirty="0" err="1"/>
+                        <a:t>The</a:t>
+                      </a:r>
+                      <a:r>
+                        <a:rPr lang="es-MX" dirty="0"/>
+                        <a:t> </a:t>
+                      </a:r>
+                      <a:r>
+                        <a:rPr lang="es-MX" dirty="0" err="1"/>
+                        <a:t>Incredibles</a:t>
+                      </a:r>
+                      <a:endParaRPr lang="es-MX" dirty="0"/>
+                    </a:p>
+                  </a:txBody>
+                  <a:tcPr/>
+                </a:tc>
+                <a:tc>
+                  <a:txBody>
+                    <a:bodyPr/>
+                    <a:lstStyle/>
+                    <a:p>
+                      <a:r>
+                        <a:rPr lang="es-MX" dirty="0"/>
+                        <a:t>CDMX</a:t>
+                      </a:r>
+                    </a:p>
+                  </a:txBody>
+                  <a:tcPr/>
+                </a:tc>
+                <a:tc>
+                  <a:txBody>
+                    <a:bodyPr/>
+                    <a:lstStyle/>
+                    <a:p>
+                      <a:r>
+                        <a:rPr lang="es-MX" dirty="0"/>
+                        <a:t>15,000</a:t>
+                      </a:r>
+                    </a:p>
+                  </a:txBody>
+                  <a:tcPr/>
+                </a:tc>
+                <a:tc>
+                  <a:txBody>
+                    <a:bodyPr/>
+                    <a:lstStyle/>
+                    <a:p>
+                      <a:r>
+                        <a:rPr lang="es-MX" dirty="0"/>
+                        <a:t>$3</a:t>
+                      </a:r>
+                    </a:p>
+                  </a:txBody>
+                  <a:tcPr/>
+                </a:tc>
+                <a:extLst>
+                  <a:ext uri="{0D108BD9-81ED-4DB2-BD59-A6C34878D82A}">
+                    <a16:rowId xmlns:a16="http://schemas.microsoft.com/office/drawing/2014/main" val="1773026255"/>
+                  </a:ext>
+                </a:extLst>
+              </a:tr>
+              <a:tr h="340571">
+                <a:tc>
+                  <a:txBody>
+                    <a:bodyPr/>
+                    <a:lstStyle/>
+                    <a:p>
+                      <a:r>
+                        <a:rPr lang="es-MX" dirty="0"/>
+                        <a:t>Ratatouille</a:t>
+                      </a:r>
+                    </a:p>
+                  </a:txBody>
+                  <a:tcPr/>
+                </a:tc>
+                <a:tc>
+                  <a:txBody>
+                    <a:bodyPr/>
+                    <a:lstStyle/>
+                    <a:p>
+                      <a:r>
+                        <a:rPr lang="es-MX" dirty="0" err="1"/>
+                        <a:t>Tokyo</a:t>
+                      </a:r>
+                      <a:endParaRPr lang="es-MX" dirty="0"/>
+                    </a:p>
+                  </a:txBody>
+                  <a:tcPr/>
+                </a:tc>
+                <a:tc>
+                  <a:txBody>
+                    <a:bodyPr/>
+                    <a:lstStyle/>
+                    <a:p>
+                      <a:r>
+                        <a:rPr lang="es-MX" dirty="0"/>
+                        <a:t>2,000</a:t>
+                      </a:r>
+                    </a:p>
+                  </a:txBody>
+                  <a:tcPr/>
+                </a:tc>
+                <a:tc>
+                  <a:txBody>
+                    <a:bodyPr/>
+                    <a:lstStyle/>
+                    <a:p>
+                      <a:r>
+                        <a:rPr lang="es-MX" dirty="0"/>
+                        <a:t>$18</a:t>
+                      </a:r>
+                    </a:p>
+                  </a:txBody>
+                  <a:tcPr/>
+                </a:tc>
+                <a:extLst>
+                  <a:ext uri="{0D108BD9-81ED-4DB2-BD59-A6C34878D82A}">
+                    <a16:rowId xmlns:a16="http://schemas.microsoft.com/office/drawing/2014/main" val="4121888221"/>
+                  </a:ext>
+                </a:extLst>
+              </a:tr>
+              <a:tr h="340571">
+                <a:tc>
+                  <a:txBody>
+                    <a:bodyPr/>
+                    <a:lstStyle/>
+                    <a:p>
+                      <a:r>
+                        <a:rPr lang="es-MX" dirty="0" err="1"/>
+                        <a:t>Find</a:t>
+                      </a:r>
+                      <a:r>
+                        <a:rPr lang="es-MX" dirty="0"/>
+                        <a:t> </a:t>
+                      </a:r>
+                      <a:r>
+                        <a:rPr lang="es-MX" dirty="0" err="1"/>
+                        <a:t>Nemo</a:t>
+                      </a:r>
+                      <a:endParaRPr lang="es-MX" dirty="0"/>
+                    </a:p>
+                  </a:txBody>
+                  <a:tcPr/>
+                </a:tc>
+                <a:tc>
+                  <a:txBody>
+                    <a:bodyPr/>
+                    <a:lstStyle/>
+                    <a:p>
+                      <a:r>
+                        <a:rPr lang="es-MX" dirty="0"/>
+                        <a:t>Osaka</a:t>
+                      </a:r>
+                    </a:p>
+                  </a:txBody>
+                  <a:tcPr/>
+                </a:tc>
+                <a:tc>
+                  <a:txBody>
+                    <a:bodyPr/>
+                    <a:lstStyle/>
+                    <a:p>
+                      <a:r>
+                        <a:rPr lang="es-MX" dirty="0"/>
+                        <a:t>2,000</a:t>
+                      </a:r>
+                    </a:p>
+                  </a:txBody>
+                  <a:tcPr/>
+                </a:tc>
+                <a:tc>
+                  <a:txBody>
+                    <a:bodyPr/>
+                    <a:lstStyle/>
+                    <a:p>
+                      <a:r>
+                        <a:rPr lang="es-MX" dirty="0"/>
+                        <a:t>$18</a:t>
+                      </a:r>
+                    </a:p>
+                  </a:txBody>
+                  <a:tcPr/>
+                </a:tc>
+                <a:extLst>
+                  <a:ext uri="{0D108BD9-81ED-4DB2-BD59-A6C34878D82A}">
+                    <a16:rowId xmlns:a16="http://schemas.microsoft.com/office/drawing/2014/main" val="10005"/>
+                  </a:ext>
+                </a:extLst>
+              </a:tr>
+            </a:tbl>
+          </a:graphicData>
+        </a:graphic>
+      </p:graphicFrame>
+      <mc:AlternateContent xmlns:mc="http://schemas.openxmlformats.org/markup-compatibility/2006">
+        <mc:Choice xmlns:p14="http://schemas.microsoft.com/office/powerpoint/2010/main" Requires="p14">
+          <p:contentPart p14:bwMode="auto" r:id="rId2">
+            <p14:nvContentPartPr>
+              <p14:cNvPr id="6" name="Ink 5">
+                <a:extLst>
+                  <a:ext uri="{FF2B5EF4-FFF2-40B4-BE49-F238E27FC236}">
+                    <a16:creationId xmlns:a16="http://schemas.microsoft.com/office/drawing/2014/main" id="{8B8FF4BB-54AF-47C0-9BF2-66AF0551A873}"/>
+                  </a:ext>
+                </a:extLst>
+              </p14:cNvPr>
+              <p14:cNvContentPartPr/>
+              <p14:nvPr/>
+            </p14:nvContentPartPr>
+            <p14:xfrm>
+              <a:off x="4626720" y="1813320"/>
+              <a:ext cx="2792520" cy="2761920"/>
+            </p14:xfrm>
+          </p:contentPart>
+        </mc:Choice>
+        <mc:Fallback>
+          <p:pic>
+            <p:nvPicPr>
+              <p:cNvPr id="6" name="Ink 5">
+                <a:extLst>
+                  <a:ext uri="{FF2B5EF4-FFF2-40B4-BE49-F238E27FC236}">
+                    <a16:creationId xmlns:a16="http://schemas.microsoft.com/office/drawing/2014/main" id="{8B8FF4BB-54AF-47C0-9BF2-66AF0551A873}"/>
+                  </a:ext>
+                </a:extLst>
+              </p:cNvPr>
+              <p:cNvPicPr/>
+              <p:nvPr/>
+            </p:nvPicPr>
+            <p:blipFill>
+              <a:blip r:embed="rId3"/>
+              <a:stretch>
+                <a:fillRect/>
+              </a:stretch>
+            </p:blipFill>
+            <p:spPr>
+              <a:xfrm>
+                <a:off x="4617360" y="1803960"/>
+                <a:ext cx="2811240" cy="2780640"/>
+              </a:xfrm>
+              <a:prstGeom prst="rect">
+                <a:avLst/>
+              </a:prstGeom>
+            </p:spPr>
+          </p:pic>
+        </mc:Fallback>
+      </mc:AlternateContent>
+    </p:spTree>
+    <p:extLst>
+      <p:ext uri="{BB962C8B-B14F-4D97-AF65-F5344CB8AC3E}">
+        <p14:creationId xmlns:p14="http://schemas.microsoft.com/office/powerpoint/2010/main" val="911840311"/>
+      </p:ext>
+    </p:extLst>
+  </p:cSld>
+  <p:clrMapOvr>
+    <a:masterClrMapping/>
+  </p:clrMapOvr>
+</p:sld>
+</file>
+
+<file path=ppt/slides/slide34.xml><?xml version="1.0" encoding="utf-8"?>
+<p:sld xmlns:a="http://schemas.openxmlformats.org/drawingml/2006/main" xmlns:r="http://schemas.openxmlformats.org/officeDocument/2006/relationships" xmlns:p="http://schemas.openxmlformats.org/presentationml/2006/main">
+  <p:cSld>
+    <p:spTree>
+      <p:nvGrpSpPr>
+        <p:cNvPr id="1" name=""/>
+        <p:cNvGrpSpPr/>
+        <p:nvPr/>
+      </p:nvGrpSpPr>
+      <p:grpSpPr>
+        <a:xfrm>
+          <a:off x="0" y="0"/>
+          <a:ext cx="0" cy="0"/>
+          <a:chOff x="0" y="0"/>
+          <a:chExt cx="0" cy="0"/>
+        </a:xfrm>
+      </p:grpSpPr>
+      <p:sp>
+        <p:nvSpPr>
+          <p:cNvPr id="2" name="Título 1"/>
+          <p:cNvSpPr>
+            <a:spLocks noGrp="1"/>
+          </p:cNvSpPr>
+          <p:nvPr>
+            <p:ph type="title"/>
+          </p:nvPr>
+        </p:nvSpPr>
+        <p:spPr/>
+        <p:txBody>
+          <a:bodyPr/>
+          <a:lstStyle/>
+          <a:p>
+            <a:r>
+              <a:rPr lang="es-MX" dirty="0"/>
+              <a:t>Proyección</a:t>
+            </a:r>
+          </a:p>
+        </p:txBody>
+      </p:sp>
+      <p:sp>
+        <p:nvSpPr>
+          <p:cNvPr id="3" name="Marcador de texto 2"/>
+          <p:cNvSpPr>
+            <a:spLocks noGrp="1"/>
+          </p:cNvSpPr>
+          <p:nvPr>
+            <p:ph type="body" idx="1"/>
+          </p:nvPr>
+        </p:nvSpPr>
+        <p:spPr/>
+        <p:txBody>
+          <a:bodyPr/>
+          <a:lstStyle/>
+          <a:p>
+            <a:r>
+              <a:rPr lang="es-MX" dirty="0" err="1"/>
+              <a:t>Peliculas</a:t>
+            </a:r>
+            <a:r>
+              <a:rPr lang="es-MX" dirty="0"/>
+              <a:t>: = </a:t>
+            </a:r>
+            <a:r>
+              <a:rPr lang="el-GR" dirty="0"/>
+              <a:t>π</a:t>
+            </a:r>
+            <a:r>
+              <a:rPr lang="es-MX" baseline="-25000" dirty="0"/>
+              <a:t>[Nombre </a:t>
+            </a:r>
+            <a:r>
+              <a:rPr lang="es-MX" baseline="-25000" dirty="0" err="1"/>
+              <a:t>Pelicula</a:t>
+            </a:r>
+            <a:r>
+              <a:rPr lang="es-MX" baseline="-25000" dirty="0"/>
+              <a:t>, Ciudad]</a:t>
+            </a:r>
+            <a:r>
+              <a:rPr lang="es-MX" dirty="0"/>
+              <a:t>(Ganancias)</a:t>
+            </a:r>
+          </a:p>
+          <a:p>
+            <a:endParaRPr lang="es-MX" dirty="0"/>
+          </a:p>
+          <a:p>
+            <a:endParaRPr lang="es-MX" dirty="0"/>
+          </a:p>
+          <a:p>
+            <a:endParaRPr lang="es-MX" dirty="0"/>
+          </a:p>
+          <a:p>
+            <a:endParaRPr lang="es-MX" dirty="0"/>
+          </a:p>
+          <a:p>
+            <a:endParaRPr lang="es-MX" dirty="0"/>
+          </a:p>
+        </p:txBody>
+      </p:sp>
+      <p:sp>
+        <p:nvSpPr>
+          <p:cNvPr id="4" name="Marcador de número de diapositiva 3"/>
+          <p:cNvSpPr>
+            <a:spLocks noGrp="1"/>
+          </p:cNvSpPr>
+          <p:nvPr>
+            <p:ph type="sldNum" idx="12"/>
+          </p:nvPr>
+        </p:nvSpPr>
+        <p:spPr/>
+        <p:txBody>
+          <a:bodyPr/>
+          <a:lstStyle/>
+          <a:p>
+            <a:pPr marL="0" lvl="0" indent="0">
+              <a:spcBef>
+                <a:spcPts val="0"/>
+              </a:spcBef>
+              <a:spcAft>
+                <a:spcPts val="0"/>
+              </a:spcAft>
+              <a:buNone/>
+            </a:pPr>
+            <a:fld id="{00000000-1234-1234-1234-123412341234}" type="slidenum">
+              <a:rPr lang="es-MX" smtClean="0"/>
+              <a:t>34</a:t>
+            </a:fld>
+            <a:endParaRPr lang="es-MX"/>
+          </a:p>
+        </p:txBody>
+      </p:sp>
+      <mc:AlternateContent xmlns:mc="http://schemas.openxmlformats.org/markup-compatibility/2006">
+        <mc:Choice xmlns:p14="http://schemas.microsoft.com/office/powerpoint/2010/main" Requires="p14">
+          <p:contentPart p14:bwMode="auto" r:id="rId2">
+            <p14:nvContentPartPr>
+              <p14:cNvPr id="5" name="Ink 4">
+                <a:extLst>
+                  <a:ext uri="{FF2B5EF4-FFF2-40B4-BE49-F238E27FC236}">
+                    <a16:creationId xmlns:a16="http://schemas.microsoft.com/office/drawing/2014/main" id="{11380A5D-3C5D-4C4C-8D42-914887BB1906}"/>
+                  </a:ext>
+                </a:extLst>
+              </p14:cNvPr>
+              <p14:cNvContentPartPr/>
+              <p14:nvPr/>
+            </p14:nvContentPartPr>
+            <p14:xfrm>
+              <a:off x="2792160" y="1698120"/>
+              <a:ext cx="256320" cy="332640"/>
+            </p14:xfrm>
+          </p:contentPart>
+        </mc:Choice>
+        <mc:Fallback>
+          <p:pic>
+            <p:nvPicPr>
+              <p:cNvPr id="5" name="Ink 4">
+                <a:extLst>
+                  <a:ext uri="{FF2B5EF4-FFF2-40B4-BE49-F238E27FC236}">
+                    <a16:creationId xmlns:a16="http://schemas.microsoft.com/office/drawing/2014/main" id="{11380A5D-3C5D-4C4C-8D42-914887BB1906}"/>
+                  </a:ext>
+                </a:extLst>
+              </p:cNvPr>
+              <p:cNvPicPr/>
+              <p:nvPr/>
+            </p:nvPicPr>
+            <p:blipFill>
+              <a:blip r:embed="rId3"/>
+              <a:stretch>
+                <a:fillRect/>
+              </a:stretch>
+            </p:blipFill>
+            <p:spPr>
+              <a:xfrm>
+                <a:off x="2782800" y="1688760"/>
+                <a:ext cx="275040" cy="351360"/>
+              </a:xfrm>
+              <a:prstGeom prst="rect">
+                <a:avLst/>
+              </a:prstGeom>
+            </p:spPr>
+          </p:pic>
+        </mc:Fallback>
+      </mc:AlternateContent>
+    </p:spTree>
+    <p:extLst>
+      <p:ext uri="{BB962C8B-B14F-4D97-AF65-F5344CB8AC3E}">
+        <p14:creationId xmlns:p14="http://schemas.microsoft.com/office/powerpoint/2010/main" val="2442696487"/>
+      </p:ext>
+    </p:extLst>
+  </p:cSld>
+  <p:clrMapOvr>
+    <a:masterClrMapping/>
+  </p:clrMapOvr>
+</p:sld>
+</file>
+
+<file path=ppt/slides/slide35.xml><?xml version="1.0" encoding="utf-8"?>
+<p:sld xmlns:a="http://schemas.openxmlformats.org/drawingml/2006/main" xmlns:r="http://schemas.openxmlformats.org/officeDocument/2006/relationships" xmlns:p="http://schemas.openxmlformats.org/presentationml/2006/main">
+  <p:cSld>
+    <p:spTree>
+      <p:nvGrpSpPr>
+        <p:cNvPr id="1" name=""/>
+        <p:cNvGrpSpPr/>
+        <p:nvPr/>
+      </p:nvGrpSpPr>
+      <p:grpSpPr>
+        <a:xfrm>
+          <a:off x="0" y="0"/>
+          <a:ext cx="0" cy="0"/>
+          <a:chOff x="0" y="0"/>
+          <a:chExt cx="0" cy="0"/>
+        </a:xfrm>
+      </p:grpSpPr>
+      <p:sp>
+        <p:nvSpPr>
+          <p:cNvPr id="2" name="Título 1"/>
+          <p:cNvSpPr>
+            <a:spLocks noGrp="1"/>
+          </p:cNvSpPr>
+          <p:nvPr>
+            <p:ph type="title"/>
+          </p:nvPr>
+        </p:nvSpPr>
+        <p:spPr/>
+        <p:txBody>
+          <a:bodyPr/>
+          <a:lstStyle/>
+          <a:p>
+            <a:r>
+              <a:rPr lang="es-MX" dirty="0"/>
+              <a:t>Proyección</a:t>
+            </a:r>
+          </a:p>
+        </p:txBody>
+      </p:sp>
+      <p:sp>
+        <p:nvSpPr>
+          <p:cNvPr id="3" name="Marcador de texto 2"/>
+          <p:cNvSpPr>
+            <a:spLocks noGrp="1"/>
+          </p:cNvSpPr>
+          <p:nvPr>
+            <p:ph type="body" idx="1"/>
+          </p:nvPr>
+        </p:nvSpPr>
+        <p:spPr/>
+        <p:txBody>
+          <a:bodyPr/>
+          <a:lstStyle/>
+          <a:p>
+            <a:r>
+              <a:rPr lang="es-MX" dirty="0" err="1"/>
+              <a:t>Peliculas</a:t>
+            </a:r>
+            <a:r>
+              <a:rPr lang="es-MX" dirty="0"/>
+              <a:t>: = </a:t>
+            </a:r>
+            <a:r>
+              <a:rPr lang="el-GR" dirty="0"/>
+              <a:t>π</a:t>
+            </a:r>
+            <a:r>
+              <a:rPr lang="es-MX" baseline="-25000" dirty="0"/>
+              <a:t>[Nombre </a:t>
+            </a:r>
+            <a:r>
+              <a:rPr lang="es-MX" baseline="-25000" dirty="0" err="1"/>
+              <a:t>Pelicula</a:t>
+            </a:r>
+            <a:r>
+              <a:rPr lang="es-MX" baseline="-25000" dirty="0"/>
+              <a:t>, Ciudad]</a:t>
+            </a:r>
+            <a:r>
+              <a:rPr lang="es-MX" dirty="0"/>
+              <a:t>(Ganancias)</a:t>
+            </a:r>
+          </a:p>
+          <a:p>
+            <a:endParaRPr lang="es-MX" dirty="0"/>
+          </a:p>
+          <a:p>
+            <a:endParaRPr lang="es-MX" dirty="0"/>
+          </a:p>
+          <a:p>
+            <a:endParaRPr lang="es-MX" dirty="0"/>
+          </a:p>
+          <a:p>
+            <a:endParaRPr lang="es-MX" dirty="0"/>
+          </a:p>
+          <a:p>
+            <a:endParaRPr lang="es-MX" dirty="0"/>
+          </a:p>
+        </p:txBody>
+      </p:sp>
+      <p:sp>
+        <p:nvSpPr>
+          <p:cNvPr id="4" name="Marcador de número de diapositiva 3"/>
+          <p:cNvSpPr>
+            <a:spLocks noGrp="1"/>
+          </p:cNvSpPr>
+          <p:nvPr>
+            <p:ph type="sldNum" idx="12"/>
+          </p:nvPr>
+        </p:nvSpPr>
+        <p:spPr/>
+        <p:txBody>
+          <a:bodyPr/>
+          <a:lstStyle/>
+          <a:p>
+            <a:pPr marL="0" lvl="0" indent="0">
+              <a:spcBef>
+                <a:spcPts val="0"/>
+              </a:spcBef>
+              <a:spcAft>
+                <a:spcPts val="0"/>
+              </a:spcAft>
+              <a:buNone/>
+            </a:pPr>
+            <a:fld id="{00000000-1234-1234-1234-123412341234}" type="slidenum">
+              <a:rPr lang="es-MX" smtClean="0"/>
+              <a:t>35</a:t>
+            </a:fld>
+            <a:endParaRPr lang="es-MX"/>
+          </a:p>
+        </p:txBody>
+      </p:sp>
+      <p:graphicFrame>
+        <p:nvGraphicFramePr>
+          <p:cNvPr id="7" name="Tabla 6"/>
+          <p:cNvGraphicFramePr>
+            <a:graphicFrameLocks noGrp="1"/>
+          </p:cNvGraphicFramePr>
+          <p:nvPr/>
+        </p:nvGraphicFramePr>
+        <p:xfrm>
+          <a:off x="1707140" y="2294127"/>
+          <a:ext cx="2955430" cy="2221015"/>
+        </p:xfrm>
+        <a:graphic>
+          <a:graphicData uri="http://schemas.openxmlformats.org/drawingml/2006/table">
+            <a:tbl>
+              <a:tblPr firstRow="1" bandRow="1">
+                <a:tableStyleId>{3C2FFA5D-87B4-456A-9821-1D502468CF0F}</a:tableStyleId>
+              </a:tblPr>
+              <a:tblGrid>
+                <a:gridCol w="1477715">
+                  <a:extLst>
+                    <a:ext uri="{9D8B030D-6E8A-4147-A177-3AD203B41FA5}">
+                      <a16:colId xmlns:a16="http://schemas.microsoft.com/office/drawing/2014/main" val="1985357204"/>
+                    </a:ext>
+                  </a:extLst>
+                </a:gridCol>
+                <a:gridCol w="1477715">
+                  <a:extLst>
+                    <a:ext uri="{9D8B030D-6E8A-4147-A177-3AD203B41FA5}">
+                      <a16:colId xmlns:a16="http://schemas.microsoft.com/office/drawing/2014/main" val="2931249605"/>
+                    </a:ext>
+                  </a:extLst>
+                </a:gridCol>
+              </a:tblGrid>
+              <a:tr h="475867">
+                <a:tc>
+                  <a:txBody>
+                    <a:bodyPr/>
+                    <a:lstStyle/>
+                    <a:p>
+                      <a:r>
+                        <a:rPr lang="es-MX" dirty="0"/>
+                        <a:t>Nombre Película</a:t>
+                      </a:r>
+                    </a:p>
+                  </a:txBody>
+                  <a:tcPr/>
+                </a:tc>
+                <a:tc>
+                  <a:txBody>
+                    <a:bodyPr/>
+                    <a:lstStyle/>
+                    <a:p>
+                      <a:r>
+                        <a:rPr lang="es-MX" dirty="0"/>
+                        <a:t>Ciudad</a:t>
+                      </a:r>
+                    </a:p>
+                  </a:txBody>
+                  <a:tcPr/>
+                </a:tc>
+                <a:extLst>
+                  <a:ext uri="{0D108BD9-81ED-4DB2-BD59-A6C34878D82A}">
+                    <a16:rowId xmlns:a16="http://schemas.microsoft.com/office/drawing/2014/main" val="2867372264"/>
+                  </a:ext>
+                </a:extLst>
+              </a:tr>
+              <a:tr h="340571">
+                <a:tc>
+                  <a:txBody>
+                    <a:bodyPr/>
+                    <a:lstStyle/>
+                    <a:p>
+                      <a:r>
+                        <a:rPr lang="es-MX" dirty="0" err="1"/>
+                        <a:t>Toy</a:t>
+                      </a:r>
+                      <a:r>
+                        <a:rPr lang="es-MX" dirty="0"/>
+                        <a:t> </a:t>
+                      </a:r>
+                      <a:r>
+                        <a:rPr lang="es-MX" dirty="0" err="1"/>
+                        <a:t>Story</a:t>
+                      </a:r>
+                      <a:endParaRPr lang="es-MX" dirty="0"/>
+                    </a:p>
+                  </a:txBody>
+                  <a:tcPr/>
+                </a:tc>
+                <a:tc>
+                  <a:txBody>
+                    <a:bodyPr/>
+                    <a:lstStyle/>
+                    <a:p>
+                      <a:r>
+                        <a:rPr lang="es-MX" dirty="0"/>
+                        <a:t>Los</a:t>
+                      </a:r>
+                      <a:r>
+                        <a:rPr lang="es-MX" baseline="0" dirty="0"/>
+                        <a:t> </a:t>
+                      </a:r>
+                      <a:r>
+                        <a:rPr lang="es-MX" baseline="0" dirty="0" err="1"/>
+                        <a:t>Angeles</a:t>
+                      </a:r>
+                      <a:endParaRPr lang="es-MX" dirty="0"/>
+                    </a:p>
+                  </a:txBody>
+                  <a:tcPr/>
+                </a:tc>
+                <a:extLst>
+                  <a:ext uri="{0D108BD9-81ED-4DB2-BD59-A6C34878D82A}">
+                    <a16:rowId xmlns:a16="http://schemas.microsoft.com/office/drawing/2014/main" val="198868094"/>
+                  </a:ext>
+                </a:extLst>
+              </a:tr>
+              <a:tr h="340571">
+                <a:tc>
+                  <a:txBody>
+                    <a:bodyPr/>
+                    <a:lstStyle/>
+                    <a:p>
+                      <a:r>
+                        <a:rPr lang="es-MX" dirty="0"/>
+                        <a:t>Big Hero 6</a:t>
+                      </a:r>
+                    </a:p>
+                  </a:txBody>
+                  <a:tcPr/>
+                </a:tc>
+                <a:tc>
+                  <a:txBody>
+                    <a:bodyPr/>
+                    <a:lstStyle/>
+                    <a:p>
+                      <a:r>
+                        <a:rPr lang="es-MX" dirty="0"/>
+                        <a:t>CDMX</a:t>
+                      </a:r>
+                    </a:p>
+                  </a:txBody>
+                  <a:tcPr/>
+                </a:tc>
+                <a:extLst>
+                  <a:ext uri="{0D108BD9-81ED-4DB2-BD59-A6C34878D82A}">
+                    <a16:rowId xmlns:a16="http://schemas.microsoft.com/office/drawing/2014/main" val="1567914759"/>
+                  </a:ext>
+                </a:extLst>
+              </a:tr>
+              <a:tr h="340571">
+                <a:tc>
+                  <a:txBody>
+                    <a:bodyPr/>
+                    <a:lstStyle/>
+                    <a:p>
+                      <a:r>
+                        <a:rPr lang="es-MX" dirty="0" err="1"/>
+                        <a:t>The</a:t>
+                      </a:r>
+                      <a:r>
+                        <a:rPr lang="es-MX" dirty="0"/>
+                        <a:t> </a:t>
+                      </a:r>
+                      <a:r>
+                        <a:rPr lang="es-MX" dirty="0" err="1"/>
+                        <a:t>Incredibles</a:t>
+                      </a:r>
+                      <a:endParaRPr lang="es-MX" dirty="0"/>
+                    </a:p>
+                  </a:txBody>
+                  <a:tcPr/>
+                </a:tc>
+                <a:tc>
+                  <a:txBody>
+                    <a:bodyPr/>
+                    <a:lstStyle/>
+                    <a:p>
+                      <a:r>
+                        <a:rPr lang="es-MX" dirty="0"/>
+                        <a:t>CDMX</a:t>
+                      </a:r>
+                    </a:p>
+                  </a:txBody>
+                  <a:tcPr/>
+                </a:tc>
+                <a:extLst>
+                  <a:ext uri="{0D108BD9-81ED-4DB2-BD59-A6C34878D82A}">
+                    <a16:rowId xmlns:a16="http://schemas.microsoft.com/office/drawing/2014/main" val="1773026255"/>
+                  </a:ext>
+                </a:extLst>
+              </a:tr>
+              <a:tr h="340571">
+                <a:tc>
+                  <a:txBody>
+                    <a:bodyPr/>
+                    <a:lstStyle/>
+                    <a:p>
+                      <a:r>
+                        <a:rPr lang="es-MX" dirty="0"/>
+                        <a:t>Ratatouille</a:t>
+                      </a:r>
+                    </a:p>
+                  </a:txBody>
+                  <a:tcPr/>
+                </a:tc>
+                <a:tc>
+                  <a:txBody>
+                    <a:bodyPr/>
+                    <a:lstStyle/>
+                    <a:p>
+                      <a:r>
+                        <a:rPr lang="es-MX" dirty="0" err="1"/>
+                        <a:t>Tokyo</a:t>
+                      </a:r>
+                      <a:endParaRPr lang="es-MX" dirty="0"/>
+                    </a:p>
+                  </a:txBody>
+                  <a:tcPr/>
+                </a:tc>
+                <a:extLst>
+                  <a:ext uri="{0D108BD9-81ED-4DB2-BD59-A6C34878D82A}">
+                    <a16:rowId xmlns:a16="http://schemas.microsoft.com/office/drawing/2014/main" val="4121888221"/>
+                  </a:ext>
+                </a:extLst>
+              </a:tr>
+              <a:tr h="340571">
+                <a:tc>
+                  <a:txBody>
+                    <a:bodyPr/>
+                    <a:lstStyle/>
+                    <a:p>
+                      <a:r>
+                        <a:rPr lang="es-MX" dirty="0" err="1"/>
+                        <a:t>Find</a:t>
+                      </a:r>
+                      <a:r>
+                        <a:rPr lang="es-MX" dirty="0"/>
+                        <a:t> </a:t>
+                      </a:r>
+                      <a:r>
+                        <a:rPr lang="es-MX" dirty="0" err="1"/>
+                        <a:t>Nemo</a:t>
+                      </a:r>
+                      <a:endParaRPr lang="es-MX" dirty="0"/>
+                    </a:p>
+                  </a:txBody>
+                  <a:tcPr/>
+                </a:tc>
+                <a:tc>
+                  <a:txBody>
+                    <a:bodyPr/>
+                    <a:lstStyle/>
+                    <a:p>
+                      <a:r>
+                        <a:rPr lang="es-MX" dirty="0"/>
+                        <a:t>Osaka</a:t>
+                      </a:r>
+                    </a:p>
+                  </a:txBody>
+                  <a:tcPr/>
+                </a:tc>
+                <a:extLst>
+                  <a:ext uri="{0D108BD9-81ED-4DB2-BD59-A6C34878D82A}">
+                    <a16:rowId xmlns:a16="http://schemas.microsoft.com/office/drawing/2014/main" val="10005"/>
+                  </a:ext>
+                </a:extLst>
+              </a:tr>
+            </a:tbl>
+          </a:graphicData>
+        </a:graphic>
+      </p:graphicFrame>
+      <mc:AlternateContent xmlns:mc="http://schemas.openxmlformats.org/markup-compatibility/2006">
+        <mc:Choice xmlns:p14="http://schemas.microsoft.com/office/powerpoint/2010/main" Requires="p14">
+          <p:contentPart p14:bwMode="auto" r:id="rId2">
+            <p14:nvContentPartPr>
+              <p14:cNvPr id="5" name="Ink 4">
+                <a:extLst>
+                  <a:ext uri="{FF2B5EF4-FFF2-40B4-BE49-F238E27FC236}">
+                    <a16:creationId xmlns:a16="http://schemas.microsoft.com/office/drawing/2014/main" id="{CC3D5769-A83C-44B3-B93B-FD9F98486007}"/>
+                  </a:ext>
+                </a:extLst>
+              </p14:cNvPr>
+              <p14:cNvContentPartPr/>
+              <p14:nvPr/>
+            </p14:nvContentPartPr>
+            <p14:xfrm>
+              <a:off x="2645280" y="1481040"/>
+              <a:ext cx="2275560" cy="934560"/>
+            </p14:xfrm>
+          </p:contentPart>
+        </mc:Choice>
+        <mc:Fallback>
+          <p:pic>
+            <p:nvPicPr>
+              <p:cNvPr id="5" name="Ink 4">
+                <a:extLst>
+                  <a:ext uri="{FF2B5EF4-FFF2-40B4-BE49-F238E27FC236}">
+                    <a16:creationId xmlns:a16="http://schemas.microsoft.com/office/drawing/2014/main" id="{CC3D5769-A83C-44B3-B93B-FD9F98486007}"/>
+                  </a:ext>
+                </a:extLst>
+              </p:cNvPr>
+              <p:cNvPicPr/>
+              <p:nvPr/>
+            </p:nvPicPr>
+            <p:blipFill>
+              <a:blip r:embed="rId3"/>
+              <a:stretch>
+                <a:fillRect/>
+              </a:stretch>
+            </p:blipFill>
+            <p:spPr>
+              <a:xfrm>
+                <a:off x="2635920" y="1471680"/>
+                <a:ext cx="2294280" cy="953280"/>
+              </a:xfrm>
+              <a:prstGeom prst="rect">
+                <a:avLst/>
+              </a:prstGeom>
+            </p:spPr>
+          </p:pic>
+        </mc:Fallback>
+      </mc:AlternateContent>
+    </p:spTree>
+    <p:extLst>
+      <p:ext uri="{BB962C8B-B14F-4D97-AF65-F5344CB8AC3E}">
+        <p14:creationId xmlns:p14="http://schemas.microsoft.com/office/powerpoint/2010/main" val="2537609335"/>
+      </p:ext>
+    </p:extLst>
+  </p:cSld>
+  <p:clrMapOvr>
+    <a:masterClrMapping/>
+  </p:clrMapOvr>
+</p:sld>
+</file>
+
+<file path=ppt/slides/slide36.xml><?xml version="1.0" encoding="utf-8"?>
+<p:sld xmlns:a="http://schemas.openxmlformats.org/drawingml/2006/main" xmlns:r="http://schemas.openxmlformats.org/officeDocument/2006/relationships" xmlns:p="http://schemas.openxmlformats.org/presentationml/2006/main">
+  <p:cSld>
+    <p:spTree>
+      <p:nvGrpSpPr>
+        <p:cNvPr id="1" name=""/>
+        <p:cNvGrpSpPr/>
+        <p:nvPr/>
+      </p:nvGrpSpPr>
+      <p:grpSpPr>
+        <a:xfrm>
+          <a:off x="0" y="0"/>
+          <a:ext cx="0" cy="0"/>
+          <a:chOff x="0" y="0"/>
+          <a:chExt cx="0" cy="0"/>
+        </a:xfrm>
+      </p:grpSpPr>
+      <p:sp>
+        <p:nvSpPr>
+          <p:cNvPr id="2" name="Título 1"/>
+          <p:cNvSpPr>
+            <a:spLocks noGrp="1"/>
+          </p:cNvSpPr>
+          <p:nvPr>
+            <p:ph type="title"/>
+          </p:nvPr>
+        </p:nvSpPr>
+        <p:spPr/>
+        <p:txBody>
+          <a:bodyPr/>
+          <a:lstStyle/>
+          <a:p>
+            <a:r>
+              <a:rPr lang="es-MX" dirty="0"/>
+              <a:t>Proyección</a:t>
+            </a:r>
+          </a:p>
+        </p:txBody>
+      </p:sp>
+      <p:sp>
+        <p:nvSpPr>
+          <p:cNvPr id="3" name="Marcador de texto 2"/>
+          <p:cNvSpPr>
+            <a:spLocks noGrp="1"/>
+          </p:cNvSpPr>
+          <p:nvPr>
+            <p:ph type="body" idx="1"/>
+          </p:nvPr>
+        </p:nvSpPr>
+        <p:spPr/>
+        <p:txBody>
+          <a:bodyPr/>
+          <a:lstStyle/>
+          <a:p>
+            <a:r>
+              <a:rPr lang="es-MX" dirty="0" err="1"/>
+              <a:t>Peliculas</a:t>
+            </a:r>
+            <a:r>
+              <a:rPr lang="es-MX" dirty="0"/>
+              <a:t>: = </a:t>
+            </a:r>
+            <a:r>
+              <a:rPr lang="el-GR" dirty="0"/>
+              <a:t>π</a:t>
+            </a:r>
+            <a:r>
+              <a:rPr lang="es-MX" baseline="-25000" dirty="0"/>
+              <a:t>[Nombre </a:t>
+            </a:r>
+            <a:r>
+              <a:rPr lang="es-MX" baseline="-25000" dirty="0" err="1"/>
+              <a:t>Pelicula</a:t>
+            </a:r>
+            <a:r>
+              <a:rPr lang="es-MX" baseline="-25000" dirty="0"/>
+              <a:t>, Boletos]</a:t>
+            </a:r>
+            <a:r>
+              <a:rPr lang="es-MX" dirty="0"/>
+              <a:t>(Ganancias)</a:t>
+            </a:r>
+          </a:p>
+          <a:p>
+            <a:endParaRPr lang="es-MX" dirty="0"/>
+          </a:p>
+          <a:p>
+            <a:endParaRPr lang="es-MX" dirty="0"/>
+          </a:p>
+          <a:p>
+            <a:endParaRPr lang="es-MX" dirty="0"/>
+          </a:p>
+          <a:p>
+            <a:endParaRPr lang="es-MX" dirty="0"/>
+          </a:p>
+          <a:p>
+            <a:endParaRPr lang="es-MX" dirty="0"/>
+          </a:p>
+        </p:txBody>
+      </p:sp>
+      <p:sp>
+        <p:nvSpPr>
+          <p:cNvPr id="4" name="Marcador de número de diapositiva 3"/>
+          <p:cNvSpPr>
+            <a:spLocks noGrp="1"/>
+          </p:cNvSpPr>
+          <p:nvPr>
+            <p:ph type="sldNum" idx="12"/>
+          </p:nvPr>
+        </p:nvSpPr>
+        <p:spPr/>
+        <p:txBody>
+          <a:bodyPr/>
+          <a:lstStyle/>
+          <a:p>
+            <a:pPr marL="0" lvl="0" indent="0">
+              <a:spcBef>
+                <a:spcPts val="0"/>
+              </a:spcBef>
+              <a:spcAft>
+                <a:spcPts val="0"/>
+              </a:spcAft>
+              <a:buNone/>
+            </a:pPr>
+            <a:fld id="{00000000-1234-1234-1234-123412341234}" type="slidenum">
+              <a:rPr lang="es-MX" smtClean="0"/>
+              <a:t>36</a:t>
+            </a:fld>
+            <a:endParaRPr lang="es-MX"/>
+          </a:p>
+        </p:txBody>
+      </p:sp>
+    </p:spTree>
+    <p:extLst>
+      <p:ext uri="{BB962C8B-B14F-4D97-AF65-F5344CB8AC3E}">
+        <p14:creationId xmlns:p14="http://schemas.microsoft.com/office/powerpoint/2010/main" val="3662862719"/>
+      </p:ext>
+    </p:extLst>
+  </p:cSld>
+  <p:clrMapOvr>
+    <a:masterClrMapping/>
+  </p:clrMapOvr>
+</p:sld>
+</file>
+
+<file path=ppt/slides/slide37.xml><?xml version="1.0" encoding="utf-8"?>
+<p:sld xmlns:a="http://schemas.openxmlformats.org/drawingml/2006/main" xmlns:r="http://schemas.openxmlformats.org/officeDocument/2006/relationships" xmlns:p="http://schemas.openxmlformats.org/presentationml/2006/main">
+  <p:cSld>
+    <p:spTree>
+      <p:nvGrpSpPr>
+        <p:cNvPr id="1" name=""/>
+        <p:cNvGrpSpPr/>
+        <p:nvPr/>
+      </p:nvGrpSpPr>
+      <p:grpSpPr>
+        <a:xfrm>
+          <a:off x="0" y="0"/>
+          <a:ext cx="0" cy="0"/>
+          <a:chOff x="0" y="0"/>
+          <a:chExt cx="0" cy="0"/>
+        </a:xfrm>
+      </p:grpSpPr>
+      <p:sp>
+        <p:nvSpPr>
+          <p:cNvPr id="2" name="Título 1"/>
+          <p:cNvSpPr>
+            <a:spLocks noGrp="1"/>
+          </p:cNvSpPr>
+          <p:nvPr>
+            <p:ph type="title"/>
+          </p:nvPr>
+        </p:nvSpPr>
+        <p:spPr/>
+        <p:txBody>
+          <a:bodyPr/>
+          <a:lstStyle/>
+          <a:p>
+            <a:r>
+              <a:rPr lang="es-MX" dirty="0"/>
+              <a:t>Proyección</a:t>
+            </a:r>
+          </a:p>
+        </p:txBody>
+      </p:sp>
+      <p:sp>
+        <p:nvSpPr>
+          <p:cNvPr id="3" name="Marcador de texto 2"/>
+          <p:cNvSpPr>
+            <a:spLocks noGrp="1"/>
+          </p:cNvSpPr>
+          <p:nvPr>
+            <p:ph type="body" idx="1"/>
+          </p:nvPr>
+        </p:nvSpPr>
+        <p:spPr/>
+        <p:txBody>
+          <a:bodyPr/>
+          <a:lstStyle/>
+          <a:p>
+            <a:r>
+              <a:rPr lang="es-MX" dirty="0" err="1"/>
+              <a:t>Peliculas</a:t>
+            </a:r>
+            <a:r>
+              <a:rPr lang="es-MX" dirty="0"/>
+              <a:t>: = </a:t>
+            </a:r>
+            <a:r>
+              <a:rPr lang="el-GR" dirty="0"/>
+              <a:t>π</a:t>
+            </a:r>
+            <a:r>
+              <a:rPr lang="es-MX" baseline="-25000" dirty="0"/>
+              <a:t>[Nombre </a:t>
+            </a:r>
+            <a:r>
+              <a:rPr lang="es-MX" baseline="-25000" dirty="0" err="1"/>
+              <a:t>Pelicula</a:t>
+            </a:r>
+            <a:r>
+              <a:rPr lang="es-MX" baseline="-25000" dirty="0"/>
+              <a:t>, Boletos]</a:t>
+            </a:r>
+            <a:r>
+              <a:rPr lang="es-MX" dirty="0"/>
+              <a:t>(Ganancias)</a:t>
+            </a:r>
+          </a:p>
+          <a:p>
+            <a:endParaRPr lang="es-MX" dirty="0"/>
+          </a:p>
+          <a:p>
+            <a:endParaRPr lang="es-MX" dirty="0"/>
+          </a:p>
+          <a:p>
+            <a:endParaRPr lang="es-MX" dirty="0"/>
+          </a:p>
+          <a:p>
+            <a:endParaRPr lang="es-MX" dirty="0"/>
+          </a:p>
+          <a:p>
+            <a:endParaRPr lang="es-MX" dirty="0"/>
+          </a:p>
+        </p:txBody>
+      </p:sp>
+      <p:sp>
+        <p:nvSpPr>
+          <p:cNvPr id="4" name="Marcador de número de diapositiva 3"/>
+          <p:cNvSpPr>
+            <a:spLocks noGrp="1"/>
+          </p:cNvSpPr>
+          <p:nvPr>
+            <p:ph type="sldNum" idx="12"/>
+          </p:nvPr>
+        </p:nvSpPr>
+        <p:spPr/>
+        <p:txBody>
+          <a:bodyPr/>
+          <a:lstStyle/>
+          <a:p>
+            <a:pPr marL="0" lvl="0" indent="0">
+              <a:spcBef>
+                <a:spcPts val="0"/>
+              </a:spcBef>
+              <a:spcAft>
+                <a:spcPts val="0"/>
+              </a:spcAft>
+              <a:buNone/>
+            </a:pPr>
+            <a:fld id="{00000000-1234-1234-1234-123412341234}" type="slidenum">
+              <a:rPr lang="es-MX" smtClean="0"/>
+              <a:t>37</a:t>
+            </a:fld>
+            <a:endParaRPr lang="es-MX"/>
+          </a:p>
+        </p:txBody>
+      </p:sp>
+      <p:graphicFrame>
+        <p:nvGraphicFramePr>
+          <p:cNvPr id="5" name="Tabla 4"/>
+          <p:cNvGraphicFramePr>
+            <a:graphicFrameLocks noGrp="1"/>
+          </p:cNvGraphicFramePr>
+          <p:nvPr/>
+        </p:nvGraphicFramePr>
+        <p:xfrm>
+          <a:off x="1707140" y="2294127"/>
+          <a:ext cx="2955430" cy="2221015"/>
+        </p:xfrm>
+        <a:graphic>
+          <a:graphicData uri="http://schemas.openxmlformats.org/drawingml/2006/table">
+            <a:tbl>
+              <a:tblPr firstRow="1" bandRow="1">
+                <a:tableStyleId>{3C2FFA5D-87B4-456A-9821-1D502468CF0F}</a:tableStyleId>
+              </a:tblPr>
+              <a:tblGrid>
+                <a:gridCol w="1477715">
+                  <a:extLst>
+                    <a:ext uri="{9D8B030D-6E8A-4147-A177-3AD203B41FA5}">
+                      <a16:colId xmlns:a16="http://schemas.microsoft.com/office/drawing/2014/main" val="1985357204"/>
+                    </a:ext>
+                  </a:extLst>
+                </a:gridCol>
+                <a:gridCol w="1477715">
+                  <a:extLst>
+                    <a:ext uri="{9D8B030D-6E8A-4147-A177-3AD203B41FA5}">
+                      <a16:colId xmlns:a16="http://schemas.microsoft.com/office/drawing/2014/main" val="2635989360"/>
+                    </a:ext>
+                  </a:extLst>
+                </a:gridCol>
+              </a:tblGrid>
+              <a:tr h="475867">
+                <a:tc>
+                  <a:txBody>
+                    <a:bodyPr/>
+                    <a:lstStyle/>
+                    <a:p>
+                      <a:r>
+                        <a:rPr lang="es-MX" dirty="0"/>
+                        <a:t>Nombre Película</a:t>
+                      </a:r>
+                    </a:p>
+                  </a:txBody>
+                  <a:tcPr/>
+                </a:tc>
+                <a:tc>
+                  <a:txBody>
+                    <a:bodyPr/>
+                    <a:lstStyle/>
+                    <a:p>
+                      <a:r>
+                        <a:rPr lang="es-MX" dirty="0"/>
+                        <a:t> Boletos</a:t>
+                      </a:r>
+                    </a:p>
+                  </a:txBody>
+                  <a:tcPr/>
+                </a:tc>
+                <a:extLst>
+                  <a:ext uri="{0D108BD9-81ED-4DB2-BD59-A6C34878D82A}">
+                    <a16:rowId xmlns:a16="http://schemas.microsoft.com/office/drawing/2014/main" val="2867372264"/>
+                  </a:ext>
+                </a:extLst>
+              </a:tr>
+              <a:tr h="340571">
+                <a:tc>
+                  <a:txBody>
+                    <a:bodyPr/>
+                    <a:lstStyle/>
+                    <a:p>
+                      <a:r>
+                        <a:rPr lang="es-MX" dirty="0" err="1"/>
+                        <a:t>Toy</a:t>
+                      </a:r>
+                      <a:r>
+                        <a:rPr lang="es-MX" dirty="0"/>
+                        <a:t> </a:t>
+                      </a:r>
+                      <a:r>
+                        <a:rPr lang="es-MX" dirty="0" err="1"/>
+                        <a:t>Story</a:t>
+                      </a:r>
+                      <a:endParaRPr lang="es-MX" dirty="0"/>
+                    </a:p>
+                  </a:txBody>
+                  <a:tcPr/>
+                </a:tc>
+                <a:tc>
+                  <a:txBody>
+                    <a:bodyPr/>
+                    <a:lstStyle/>
+                    <a:p>
+                      <a:r>
+                        <a:rPr lang="es-MX" dirty="0"/>
+                        <a:t>10,000</a:t>
+                      </a:r>
+                    </a:p>
+                  </a:txBody>
+                  <a:tcPr/>
+                </a:tc>
+                <a:extLst>
+                  <a:ext uri="{0D108BD9-81ED-4DB2-BD59-A6C34878D82A}">
+                    <a16:rowId xmlns:a16="http://schemas.microsoft.com/office/drawing/2014/main" val="198868094"/>
+                  </a:ext>
+                </a:extLst>
+              </a:tr>
+              <a:tr h="340571">
+                <a:tc>
+                  <a:txBody>
+                    <a:bodyPr/>
+                    <a:lstStyle/>
+                    <a:p>
+                      <a:r>
+                        <a:rPr lang="es-MX" dirty="0"/>
+                        <a:t>Big Hero 6</a:t>
+                      </a:r>
+                    </a:p>
+                  </a:txBody>
+                  <a:tcPr/>
+                </a:tc>
+                <a:tc>
+                  <a:txBody>
+                    <a:bodyPr/>
+                    <a:lstStyle/>
+                    <a:p>
+                      <a:r>
+                        <a:rPr lang="es-MX" dirty="0"/>
+                        <a:t>20,0000</a:t>
+                      </a:r>
+                    </a:p>
+                  </a:txBody>
+                  <a:tcPr/>
+                </a:tc>
+                <a:extLst>
+                  <a:ext uri="{0D108BD9-81ED-4DB2-BD59-A6C34878D82A}">
+                    <a16:rowId xmlns:a16="http://schemas.microsoft.com/office/drawing/2014/main" val="1567914759"/>
+                  </a:ext>
+                </a:extLst>
+              </a:tr>
+              <a:tr h="340571">
+                <a:tc>
+                  <a:txBody>
+                    <a:bodyPr/>
+                    <a:lstStyle/>
+                    <a:p>
+                      <a:r>
+                        <a:rPr lang="es-MX" dirty="0" err="1"/>
+                        <a:t>The</a:t>
+                      </a:r>
+                      <a:r>
+                        <a:rPr lang="es-MX" dirty="0"/>
+                        <a:t> </a:t>
+                      </a:r>
+                      <a:r>
+                        <a:rPr lang="es-MX" dirty="0" err="1"/>
+                        <a:t>Incredibles</a:t>
+                      </a:r>
+                      <a:endParaRPr lang="es-MX" dirty="0"/>
+                    </a:p>
+                  </a:txBody>
+                  <a:tcPr/>
+                </a:tc>
+                <a:tc>
+                  <a:txBody>
+                    <a:bodyPr/>
+                    <a:lstStyle/>
+                    <a:p>
+                      <a:r>
+                        <a:rPr lang="es-MX" dirty="0"/>
+                        <a:t>15,000</a:t>
+                      </a:r>
+                    </a:p>
+                  </a:txBody>
+                  <a:tcPr/>
+                </a:tc>
+                <a:extLst>
+                  <a:ext uri="{0D108BD9-81ED-4DB2-BD59-A6C34878D82A}">
+                    <a16:rowId xmlns:a16="http://schemas.microsoft.com/office/drawing/2014/main" val="1773026255"/>
+                  </a:ext>
+                </a:extLst>
+              </a:tr>
+              <a:tr h="340571">
+                <a:tc>
+                  <a:txBody>
+                    <a:bodyPr/>
+                    <a:lstStyle/>
+                    <a:p>
+                      <a:r>
+                        <a:rPr lang="es-MX" dirty="0"/>
+                        <a:t>Ratatouille</a:t>
+                      </a:r>
+                    </a:p>
+                  </a:txBody>
+                  <a:tcPr/>
+                </a:tc>
+                <a:tc>
+                  <a:txBody>
+                    <a:bodyPr/>
+                    <a:lstStyle/>
+                    <a:p>
+                      <a:r>
+                        <a:rPr lang="es-MX" dirty="0"/>
+                        <a:t>2,000</a:t>
+                      </a:r>
+                    </a:p>
+                  </a:txBody>
+                  <a:tcPr/>
+                </a:tc>
+                <a:extLst>
+                  <a:ext uri="{0D108BD9-81ED-4DB2-BD59-A6C34878D82A}">
+                    <a16:rowId xmlns:a16="http://schemas.microsoft.com/office/drawing/2014/main" val="4121888221"/>
+                  </a:ext>
+                </a:extLst>
+              </a:tr>
+              <a:tr h="340571">
+                <a:tc>
+                  <a:txBody>
+                    <a:bodyPr/>
+                    <a:lstStyle/>
+                    <a:p>
+                      <a:r>
+                        <a:rPr lang="es-MX" dirty="0" err="1"/>
+                        <a:t>Find</a:t>
+                      </a:r>
+                      <a:r>
+                        <a:rPr lang="es-MX" dirty="0"/>
+                        <a:t> </a:t>
+                      </a:r>
+                      <a:r>
+                        <a:rPr lang="es-MX" dirty="0" err="1"/>
+                        <a:t>Nemo</a:t>
+                      </a:r>
+                      <a:endParaRPr lang="es-MX" dirty="0"/>
+                    </a:p>
+                  </a:txBody>
+                  <a:tcPr/>
+                </a:tc>
+                <a:tc>
+                  <a:txBody>
+                    <a:bodyPr/>
+                    <a:lstStyle/>
+                    <a:p>
+                      <a:r>
+                        <a:rPr lang="es-MX" dirty="0"/>
+                        <a:t>2,000</a:t>
+                      </a:r>
+                    </a:p>
+                  </a:txBody>
+                  <a:tcPr/>
+                </a:tc>
+                <a:extLst>
+                  <a:ext uri="{0D108BD9-81ED-4DB2-BD59-A6C34878D82A}">
+                    <a16:rowId xmlns:a16="http://schemas.microsoft.com/office/drawing/2014/main" val="10005"/>
+                  </a:ext>
+                </a:extLst>
+              </a:tr>
+            </a:tbl>
+          </a:graphicData>
+        </a:graphic>
+      </p:graphicFrame>
+    </p:spTree>
+    <p:extLst>
+      <p:ext uri="{BB962C8B-B14F-4D97-AF65-F5344CB8AC3E}">
+        <p14:creationId xmlns:p14="http://schemas.microsoft.com/office/powerpoint/2010/main" val="728487552"/>
+      </p:ext>
+    </p:extLst>
+  </p:cSld>
+  <p:clrMapOvr>
+    <a:masterClrMapping/>
+  </p:clrMapOvr>
+</p:sld>
+</file>
+
+<file path=ppt/slides/slide38.xml><?xml version="1.0" encoding="utf-8"?>
+<p:sld xmlns:a="http://schemas.openxmlformats.org/drawingml/2006/main" xmlns:r="http://schemas.openxmlformats.org/officeDocument/2006/relationships" xmlns:p="http://schemas.openxmlformats.org/presentationml/2006/main">
+  <p:cSld>
+    <p:spTree>
+      <p:nvGrpSpPr>
+        <p:cNvPr id="1" name=""/>
+        <p:cNvGrpSpPr/>
+        <p:nvPr/>
+      </p:nvGrpSpPr>
+      <p:grpSpPr>
+        <a:xfrm>
+          <a:off x="0" y="0"/>
+          <a:ext cx="0" cy="0"/>
+          <a:chOff x="0" y="0"/>
+          <a:chExt cx="0" cy="0"/>
+        </a:xfrm>
+      </p:grpSpPr>
+      <p:sp>
+        <p:nvSpPr>
+          <p:cNvPr id="2" name="Título 1"/>
+          <p:cNvSpPr>
+            <a:spLocks noGrp="1"/>
+          </p:cNvSpPr>
+          <p:nvPr>
+            <p:ph type="title"/>
+          </p:nvPr>
+        </p:nvSpPr>
+        <p:spPr/>
+        <p:txBody>
+          <a:bodyPr/>
+          <a:lstStyle/>
+          <a:p>
+            <a:r>
+              <a:rPr lang="es-MX" dirty="0"/>
+              <a:t>Proyección</a:t>
+            </a:r>
+          </a:p>
+        </p:txBody>
+      </p:sp>
+      <p:sp>
+        <p:nvSpPr>
+          <p:cNvPr id="3" name="Marcador de texto 2"/>
+          <p:cNvSpPr>
+            <a:spLocks noGrp="1"/>
+          </p:cNvSpPr>
+          <p:nvPr>
+            <p:ph type="body" idx="1"/>
+          </p:nvPr>
+        </p:nvSpPr>
+        <p:spPr/>
+        <p:txBody>
+          <a:bodyPr/>
+          <a:lstStyle/>
+          <a:p>
+            <a:r>
+              <a:rPr lang="es-MX" dirty="0" err="1"/>
+              <a:t>Peliculas</a:t>
+            </a:r>
+            <a:r>
+              <a:rPr lang="es-MX" dirty="0"/>
+              <a:t>: = </a:t>
+            </a:r>
+            <a:r>
+              <a:rPr lang="el-GR" dirty="0"/>
+              <a:t>π</a:t>
+            </a:r>
+            <a:r>
+              <a:rPr lang="es-MX" baseline="-25000" dirty="0"/>
+              <a:t>[Boletos, Precio</a:t>
+            </a:r>
+            <a:r>
+              <a:rPr lang="es-MX" dirty="0"/>
+              <a:t> </a:t>
+            </a:r>
+            <a:r>
+              <a:rPr lang="es-MX" baseline="-25000" dirty="0"/>
+              <a:t>Unitario]</a:t>
+            </a:r>
+            <a:r>
+              <a:rPr lang="es-MX" dirty="0"/>
+              <a:t>(Ganancias)</a:t>
+            </a:r>
+          </a:p>
+          <a:p>
+            <a:endParaRPr lang="es-MX" dirty="0"/>
+          </a:p>
+          <a:p>
+            <a:endParaRPr lang="es-MX" dirty="0"/>
+          </a:p>
+          <a:p>
+            <a:endParaRPr lang="es-MX" dirty="0"/>
+          </a:p>
+          <a:p>
+            <a:endParaRPr lang="es-MX" dirty="0"/>
+          </a:p>
+          <a:p>
+            <a:endParaRPr lang="es-MX" dirty="0"/>
+          </a:p>
+        </p:txBody>
+      </p:sp>
+      <p:sp>
+        <p:nvSpPr>
+          <p:cNvPr id="4" name="Marcador de número de diapositiva 3"/>
+          <p:cNvSpPr>
+            <a:spLocks noGrp="1"/>
+          </p:cNvSpPr>
+          <p:nvPr>
+            <p:ph type="sldNum" idx="12"/>
+          </p:nvPr>
+        </p:nvSpPr>
+        <p:spPr/>
+        <p:txBody>
+          <a:bodyPr/>
+          <a:lstStyle/>
+          <a:p>
+            <a:pPr marL="0" lvl="0" indent="0">
+              <a:spcBef>
+                <a:spcPts val="0"/>
+              </a:spcBef>
+              <a:spcAft>
+                <a:spcPts val="0"/>
+              </a:spcAft>
+              <a:buNone/>
+            </a:pPr>
+            <a:fld id="{00000000-1234-1234-1234-123412341234}" type="slidenum">
+              <a:rPr lang="es-MX" smtClean="0"/>
+              <a:t>38</a:t>
+            </a:fld>
+            <a:endParaRPr lang="es-MX"/>
+          </a:p>
+        </p:txBody>
+      </p:sp>
+      <mc:AlternateContent xmlns:mc="http://schemas.openxmlformats.org/markup-compatibility/2006">
+        <mc:Choice xmlns:p14="http://schemas.microsoft.com/office/powerpoint/2010/main" Requires="p14">
+          <p:contentPart p14:bwMode="auto" r:id="rId2">
+            <p14:nvContentPartPr>
+              <p14:cNvPr id="5" name="Ink 4">
+                <a:extLst>
+                  <a:ext uri="{FF2B5EF4-FFF2-40B4-BE49-F238E27FC236}">
+                    <a16:creationId xmlns:a16="http://schemas.microsoft.com/office/drawing/2014/main" id="{9ED1D747-53EA-499D-82A5-59FE593692C2}"/>
+                  </a:ext>
+                </a:extLst>
+              </p14:cNvPr>
+              <p14:cNvContentPartPr/>
+              <p14:nvPr/>
+            </p14:nvContentPartPr>
+            <p14:xfrm>
+              <a:off x="3069720" y="2046960"/>
+              <a:ext cx="2030760" cy="137880"/>
+            </p14:xfrm>
+          </p:contentPart>
+        </mc:Choice>
+        <mc:Fallback>
+          <p:pic>
+            <p:nvPicPr>
+              <p:cNvPr id="5" name="Ink 4">
+                <a:extLst>
+                  <a:ext uri="{FF2B5EF4-FFF2-40B4-BE49-F238E27FC236}">
+                    <a16:creationId xmlns:a16="http://schemas.microsoft.com/office/drawing/2014/main" id="{9ED1D747-53EA-499D-82A5-59FE593692C2}"/>
+                  </a:ext>
+                </a:extLst>
+              </p:cNvPr>
+              <p:cNvPicPr/>
+              <p:nvPr/>
+            </p:nvPicPr>
+            <p:blipFill>
+              <a:blip r:embed="rId3"/>
+              <a:stretch>
+                <a:fillRect/>
+              </a:stretch>
+            </p:blipFill>
+            <p:spPr>
+              <a:xfrm>
+                <a:off x="3060360" y="2037600"/>
+                <a:ext cx="2049480" cy="156600"/>
+              </a:xfrm>
+              <a:prstGeom prst="rect">
+                <a:avLst/>
+              </a:prstGeom>
+            </p:spPr>
+          </p:pic>
+        </mc:Fallback>
+      </mc:AlternateContent>
+    </p:spTree>
+    <p:extLst>
+      <p:ext uri="{BB962C8B-B14F-4D97-AF65-F5344CB8AC3E}">
+        <p14:creationId xmlns:p14="http://schemas.microsoft.com/office/powerpoint/2010/main" val="3042769561"/>
+      </p:ext>
+    </p:extLst>
+  </p:cSld>
+  <p:clrMapOvr>
+    <a:masterClrMapping/>
+  </p:clrMapOvr>
+</p:sld>
+</file>
+
+<file path=ppt/slides/slide39.xml><?xml version="1.0" encoding="utf-8"?>
+<p:sld xmlns:a="http://schemas.openxmlformats.org/drawingml/2006/main" xmlns:r="http://schemas.openxmlformats.org/officeDocument/2006/relationships" xmlns:p="http://schemas.openxmlformats.org/presentationml/2006/main">
+  <p:cSld>
+    <p:spTree>
+      <p:nvGrpSpPr>
+        <p:cNvPr id="1" name=""/>
+        <p:cNvGrpSpPr/>
+        <p:nvPr/>
+      </p:nvGrpSpPr>
+      <p:grpSpPr>
+        <a:xfrm>
+          <a:off x="0" y="0"/>
+          <a:ext cx="0" cy="0"/>
+          <a:chOff x="0" y="0"/>
+          <a:chExt cx="0" cy="0"/>
+        </a:xfrm>
+      </p:grpSpPr>
+      <p:sp>
+        <p:nvSpPr>
+          <p:cNvPr id="2" name="Título 1"/>
+          <p:cNvSpPr>
+            <a:spLocks noGrp="1"/>
+          </p:cNvSpPr>
+          <p:nvPr>
+            <p:ph type="title"/>
+          </p:nvPr>
+        </p:nvSpPr>
+        <p:spPr/>
+        <p:txBody>
+          <a:bodyPr/>
+          <a:lstStyle/>
+          <a:p>
+            <a:r>
+              <a:rPr lang="es-MX" dirty="0"/>
+              <a:t>Proyección</a:t>
+            </a:r>
+          </a:p>
+        </p:txBody>
+      </p:sp>
+      <p:sp>
+        <p:nvSpPr>
+          <p:cNvPr id="3" name="Marcador de texto 2"/>
+          <p:cNvSpPr>
+            <a:spLocks noGrp="1"/>
+          </p:cNvSpPr>
+          <p:nvPr>
+            <p:ph type="body" idx="1"/>
+          </p:nvPr>
+        </p:nvSpPr>
+        <p:spPr/>
+        <p:txBody>
+          <a:bodyPr/>
+          <a:lstStyle/>
+          <a:p>
+            <a:r>
+              <a:rPr lang="es-MX" dirty="0" err="1"/>
+              <a:t>Peliculas</a:t>
+            </a:r>
+            <a:r>
+              <a:rPr lang="es-MX" dirty="0"/>
+              <a:t>: = </a:t>
+            </a:r>
+            <a:r>
+              <a:rPr lang="el-GR" dirty="0"/>
+              <a:t>π</a:t>
+            </a:r>
+            <a:r>
+              <a:rPr lang="es-MX" baseline="-25000" dirty="0"/>
+              <a:t>[Boletos, Precio</a:t>
+            </a:r>
+            <a:r>
+              <a:rPr lang="es-MX" dirty="0"/>
+              <a:t> </a:t>
+            </a:r>
+            <a:r>
+              <a:rPr lang="es-MX" baseline="-25000" dirty="0"/>
+              <a:t>Unitario]</a:t>
+            </a:r>
+            <a:r>
+              <a:rPr lang="es-MX" dirty="0"/>
+              <a:t>(Ganancias)</a:t>
+            </a:r>
+          </a:p>
+          <a:p>
+            <a:endParaRPr lang="es-MX" dirty="0"/>
+          </a:p>
+          <a:p>
+            <a:endParaRPr lang="es-MX" dirty="0"/>
+          </a:p>
+          <a:p>
+            <a:endParaRPr lang="es-MX" dirty="0"/>
+          </a:p>
+          <a:p>
+            <a:endParaRPr lang="es-MX" dirty="0"/>
+          </a:p>
+          <a:p>
+            <a:endParaRPr lang="es-MX" dirty="0"/>
+          </a:p>
+        </p:txBody>
+      </p:sp>
+      <p:sp>
+        <p:nvSpPr>
+          <p:cNvPr id="4" name="Marcador de número de diapositiva 3"/>
+          <p:cNvSpPr>
+            <a:spLocks noGrp="1"/>
+          </p:cNvSpPr>
+          <p:nvPr>
+            <p:ph type="sldNum" idx="12"/>
+          </p:nvPr>
+        </p:nvSpPr>
+        <p:spPr/>
+        <p:txBody>
+          <a:bodyPr/>
+          <a:lstStyle/>
+          <a:p>
+            <a:pPr marL="0" lvl="0" indent="0">
+              <a:spcBef>
+                <a:spcPts val="0"/>
+              </a:spcBef>
+              <a:spcAft>
+                <a:spcPts val="0"/>
+              </a:spcAft>
+              <a:buNone/>
+            </a:pPr>
+            <a:fld id="{00000000-1234-1234-1234-123412341234}" type="slidenum">
+              <a:rPr lang="es-MX" smtClean="0"/>
+              <a:t>39</a:t>
+            </a:fld>
+            <a:endParaRPr lang="es-MX"/>
+          </a:p>
+        </p:txBody>
+      </p:sp>
+      <p:graphicFrame>
+        <p:nvGraphicFramePr>
+          <p:cNvPr id="5" name="Tabla 4"/>
+          <p:cNvGraphicFramePr>
+            <a:graphicFrameLocks noGrp="1"/>
+          </p:cNvGraphicFramePr>
+          <p:nvPr/>
+        </p:nvGraphicFramePr>
+        <p:xfrm>
+          <a:off x="1707140" y="2294127"/>
+          <a:ext cx="2955430" cy="1838151"/>
+        </p:xfrm>
+        <a:graphic>
+          <a:graphicData uri="http://schemas.openxmlformats.org/drawingml/2006/table">
+            <a:tbl>
+              <a:tblPr firstRow="1" bandRow="1">
+                <a:tableStyleId>{3C2FFA5D-87B4-456A-9821-1D502468CF0F}</a:tableStyleId>
+              </a:tblPr>
+              <a:tblGrid>
+                <a:gridCol w="1477715">
+                  <a:extLst>
+                    <a:ext uri="{9D8B030D-6E8A-4147-A177-3AD203B41FA5}">
+                      <a16:colId xmlns:a16="http://schemas.microsoft.com/office/drawing/2014/main" val="2635989360"/>
+                    </a:ext>
+                  </a:extLst>
+                </a:gridCol>
+                <a:gridCol w="1477715">
+                  <a:extLst>
+                    <a:ext uri="{9D8B030D-6E8A-4147-A177-3AD203B41FA5}">
+                      <a16:colId xmlns:a16="http://schemas.microsoft.com/office/drawing/2014/main" val="20001"/>
+                    </a:ext>
+                  </a:extLst>
+                </a:gridCol>
+              </a:tblGrid>
+              <a:tr h="475867">
+                <a:tc>
+                  <a:txBody>
+                    <a:bodyPr/>
+                    <a:lstStyle/>
+                    <a:p>
+                      <a:r>
+                        <a:rPr lang="es-MX" dirty="0"/>
+                        <a:t> Boletos</a:t>
+                      </a:r>
+                    </a:p>
+                  </a:txBody>
+                  <a:tcPr/>
+                </a:tc>
+                <a:tc>
+                  <a:txBody>
+                    <a:bodyPr/>
+                    <a:lstStyle/>
+                    <a:p>
+                      <a:r>
+                        <a:rPr lang="es-MX" dirty="0"/>
+                        <a:t>Precio Unitario</a:t>
+                      </a:r>
+                    </a:p>
+                  </a:txBody>
+                  <a:tcPr/>
+                </a:tc>
+                <a:extLst>
+                  <a:ext uri="{0D108BD9-81ED-4DB2-BD59-A6C34878D82A}">
+                    <a16:rowId xmlns:a16="http://schemas.microsoft.com/office/drawing/2014/main" val="2867372264"/>
+                  </a:ext>
+                </a:extLst>
+              </a:tr>
+              <a:tr h="340571">
+                <a:tc>
+                  <a:txBody>
+                    <a:bodyPr/>
+                    <a:lstStyle/>
+                    <a:p>
+                      <a:r>
+                        <a:rPr lang="es-MX" dirty="0"/>
+                        <a:t>10,000</a:t>
+                      </a:r>
+                    </a:p>
+                  </a:txBody>
+                  <a:tcPr/>
+                </a:tc>
+                <a:tc>
+                  <a:txBody>
+                    <a:bodyPr/>
+                    <a:lstStyle/>
+                    <a:p>
+                      <a:r>
+                        <a:rPr lang="es-MX" dirty="0"/>
+                        <a:t>$8</a:t>
+                      </a:r>
+                    </a:p>
+                  </a:txBody>
+                  <a:tcPr/>
+                </a:tc>
+                <a:extLst>
+                  <a:ext uri="{0D108BD9-81ED-4DB2-BD59-A6C34878D82A}">
+                    <a16:rowId xmlns:a16="http://schemas.microsoft.com/office/drawing/2014/main" val="198868094"/>
+                  </a:ext>
+                </a:extLst>
+              </a:tr>
+              <a:tr h="340571">
+                <a:tc>
+                  <a:txBody>
+                    <a:bodyPr/>
+                    <a:lstStyle/>
+                    <a:p>
+                      <a:r>
+                        <a:rPr lang="es-MX" dirty="0"/>
+                        <a:t>20,0000</a:t>
+                      </a:r>
+                    </a:p>
+                  </a:txBody>
+                  <a:tcPr/>
+                </a:tc>
+                <a:tc>
+                  <a:txBody>
+                    <a:bodyPr/>
+                    <a:lstStyle/>
+                    <a:p>
+                      <a:r>
+                        <a:rPr lang="es-MX" dirty="0"/>
+                        <a:t>$3</a:t>
+                      </a:r>
+                    </a:p>
+                  </a:txBody>
+                  <a:tcPr/>
+                </a:tc>
+                <a:extLst>
+                  <a:ext uri="{0D108BD9-81ED-4DB2-BD59-A6C34878D82A}">
+                    <a16:rowId xmlns:a16="http://schemas.microsoft.com/office/drawing/2014/main" val="1567914759"/>
+                  </a:ext>
+                </a:extLst>
+              </a:tr>
+              <a:tr h="340571">
+                <a:tc>
+                  <a:txBody>
+                    <a:bodyPr/>
+                    <a:lstStyle/>
+                    <a:p>
+                      <a:r>
+                        <a:rPr lang="es-MX" dirty="0"/>
+                        <a:t>15,000</a:t>
+                      </a:r>
+                    </a:p>
+                  </a:txBody>
+                  <a:tcPr/>
+                </a:tc>
+                <a:tc>
+                  <a:txBody>
+                    <a:bodyPr/>
+                    <a:lstStyle/>
+                    <a:p>
+                      <a:r>
+                        <a:rPr lang="es-MX" dirty="0"/>
+                        <a:t>$3</a:t>
+                      </a:r>
+                    </a:p>
+                  </a:txBody>
+                  <a:tcPr/>
+                </a:tc>
+                <a:extLst>
+                  <a:ext uri="{0D108BD9-81ED-4DB2-BD59-A6C34878D82A}">
+                    <a16:rowId xmlns:a16="http://schemas.microsoft.com/office/drawing/2014/main" val="1773026255"/>
+                  </a:ext>
+                </a:extLst>
+              </a:tr>
+              <a:tr h="340571">
+                <a:tc>
+                  <a:txBody>
+                    <a:bodyPr/>
+                    <a:lstStyle/>
+                    <a:p>
+                      <a:r>
+                        <a:rPr lang="es-MX" dirty="0"/>
+                        <a:t>2,000</a:t>
+                      </a:r>
+                    </a:p>
+                  </a:txBody>
+                  <a:tcPr/>
+                </a:tc>
+                <a:tc>
+                  <a:txBody>
+                    <a:bodyPr/>
+                    <a:lstStyle/>
+                    <a:p>
+                      <a:r>
+                        <a:rPr lang="es-MX" dirty="0"/>
+                        <a:t>$18</a:t>
+                      </a:r>
+                    </a:p>
+                  </a:txBody>
+                  <a:tcPr/>
+                </a:tc>
+                <a:extLst>
+                  <a:ext uri="{0D108BD9-81ED-4DB2-BD59-A6C34878D82A}">
+                    <a16:rowId xmlns:a16="http://schemas.microsoft.com/office/drawing/2014/main" val="4121888221"/>
+                  </a:ext>
+                </a:extLst>
+              </a:tr>
+            </a:tbl>
+          </a:graphicData>
+        </a:graphic>
+      </p:graphicFrame>
+      <mc:AlternateContent xmlns:mc="http://schemas.openxmlformats.org/markup-compatibility/2006">
+        <mc:Choice xmlns:p14="http://schemas.microsoft.com/office/powerpoint/2010/main" Requires="p14">
+          <p:contentPart p14:bwMode="auto" r:id="rId2">
+            <p14:nvContentPartPr>
+              <p14:cNvPr id="6" name="Ink 5">
+                <a:extLst>
+                  <a:ext uri="{FF2B5EF4-FFF2-40B4-BE49-F238E27FC236}">
+                    <a16:creationId xmlns:a16="http://schemas.microsoft.com/office/drawing/2014/main" id="{9CA80FA4-68B8-4924-95FB-76F2AC230C67}"/>
+                  </a:ext>
+                </a:extLst>
+              </p14:cNvPr>
+              <p14:cNvContentPartPr/>
+              <p14:nvPr/>
+            </p14:nvContentPartPr>
+            <p14:xfrm>
+              <a:off x="1254600" y="1214280"/>
+              <a:ext cx="4888440" cy="1036440"/>
+            </p14:xfrm>
+          </p:contentPart>
+        </mc:Choice>
+        <mc:Fallback>
+          <p:pic>
+            <p:nvPicPr>
+              <p:cNvPr id="6" name="Ink 5">
+                <a:extLst>
+                  <a:ext uri="{FF2B5EF4-FFF2-40B4-BE49-F238E27FC236}">
+                    <a16:creationId xmlns:a16="http://schemas.microsoft.com/office/drawing/2014/main" id="{9CA80FA4-68B8-4924-95FB-76F2AC230C67}"/>
+                  </a:ext>
+                </a:extLst>
+              </p:cNvPr>
+              <p:cNvPicPr/>
+              <p:nvPr/>
+            </p:nvPicPr>
+            <p:blipFill>
+              <a:blip r:embed="rId3"/>
+              <a:stretch>
+                <a:fillRect/>
+              </a:stretch>
+            </p:blipFill>
+            <p:spPr>
+              <a:xfrm>
+                <a:off x="1245240" y="1204920"/>
+                <a:ext cx="4907160" cy="1055160"/>
+              </a:xfrm>
+              <a:prstGeom prst="rect">
+                <a:avLst/>
+              </a:prstGeom>
+            </p:spPr>
+          </p:pic>
+        </mc:Fallback>
+      </mc:AlternateContent>
+    </p:spTree>
+    <p:extLst>
+      <p:ext uri="{BB962C8B-B14F-4D97-AF65-F5344CB8AC3E}">
+        <p14:creationId xmlns:p14="http://schemas.microsoft.com/office/powerpoint/2010/main" val="1527002768"/>
+      </p:ext>
+    </p:extLst>
+  </p:cSld>
+  <p:clrMapOvr>
+    <a:masterClrMapping/>
+  </p:clrMapOvr>
+</p:sld>
+</file>
+
+<file path=ppt/slides/slide4.xml><?xml version="1.0" encoding="utf-8"?>
+<p:sld xmlns:a="http://schemas.openxmlformats.org/drawingml/2006/main" xmlns:r="http://schemas.openxmlformats.org/officeDocument/2006/relationships" xmlns:p="http://schemas.openxmlformats.org/presentationml/2006/main">
+  <p:cSld>
+    <p:spTree>
+      <p:nvGrpSpPr>
+        <p:cNvPr id="1" name=""/>
+        <p:cNvGrpSpPr/>
+        <p:nvPr/>
+      </p:nvGrpSpPr>
+      <p:grpSpPr>
+        <a:xfrm>
+          <a:off x="0" y="0"/>
+          <a:ext cx="0" cy="0"/>
+          <a:chOff x="0" y="0"/>
+          <a:chExt cx="0" cy="0"/>
+        </a:xfrm>
+      </p:grpSpPr>
+      <p:sp>
+        <p:nvSpPr>
+          <p:cNvPr id="2" name="Título 1"/>
+          <p:cNvSpPr>
+            <a:spLocks noGrp="1"/>
+          </p:cNvSpPr>
+          <p:nvPr>
+            <p:ph type="title"/>
+          </p:nvPr>
+        </p:nvSpPr>
+        <p:spPr/>
+        <p:txBody>
+          <a:bodyPr/>
+          <a:lstStyle/>
+          <a:p>
+            <a:r>
+              <a:rPr lang="es-MX" dirty="0"/>
+              <a:t>Álgebra</a:t>
+            </a:r>
+          </a:p>
+        </p:txBody>
+      </p:sp>
+      <p:sp>
+        <p:nvSpPr>
+          <p:cNvPr id="3" name="Marcador de texto 2"/>
+          <p:cNvSpPr>
+            <a:spLocks noGrp="1"/>
+          </p:cNvSpPr>
+          <p:nvPr>
+            <p:ph type="body" idx="1"/>
+          </p:nvPr>
+        </p:nvSpPr>
+        <p:spPr/>
+        <p:txBody>
+          <a:bodyPr/>
+          <a:lstStyle/>
+          <a:p>
+            <a:r>
+              <a:rPr lang="es-MX" dirty="0"/>
+              <a:t>Sistema matemático que consiste de:</a:t>
+            </a:r>
+          </a:p>
+          <a:p>
+            <a:pPr lvl="1"/>
+            <a:r>
+              <a:rPr lang="es-MX" dirty="0" err="1"/>
+              <a:t>Operandos</a:t>
+            </a:r>
+            <a:r>
+              <a:rPr lang="es-MX" dirty="0"/>
+              <a:t>: Valores de los cuales se pueden construir nuevos valores</a:t>
+            </a:r>
+          </a:p>
+          <a:p>
+            <a:pPr lvl="1"/>
+            <a:r>
+              <a:rPr lang="es-MX" dirty="0"/>
+              <a:t>Operadores: Símbolos que denotan procedimientos para construir los nuevos valores.</a:t>
+            </a:r>
+          </a:p>
+        </p:txBody>
+      </p:sp>
+      <p:sp>
+        <p:nvSpPr>
+          <p:cNvPr id="4" name="Marcador de número de diapositiva 3"/>
+          <p:cNvSpPr>
+            <a:spLocks noGrp="1"/>
+          </p:cNvSpPr>
+          <p:nvPr>
+            <p:ph type="sldNum" idx="12"/>
+          </p:nvPr>
+        </p:nvSpPr>
+        <p:spPr/>
+        <p:txBody>
+          <a:bodyPr/>
+          <a:lstStyle/>
+          <a:p>
+            <a:pPr marL="0" lvl="0" indent="0">
+              <a:spcBef>
+                <a:spcPts val="0"/>
+              </a:spcBef>
+              <a:spcAft>
+                <a:spcPts val="0"/>
+              </a:spcAft>
+              <a:buNone/>
+            </a:pPr>
+            <a:fld id="{00000000-1234-1234-1234-123412341234}" type="slidenum">
+              <a:rPr lang="es-MX" smtClean="0"/>
+              <a:t>4</a:t>
+            </a:fld>
+            <a:endParaRPr lang="es-MX"/>
+          </a:p>
+        </p:txBody>
+      </p:sp>
+    </p:spTree>
+    <p:extLst>
+      <p:ext uri="{BB962C8B-B14F-4D97-AF65-F5344CB8AC3E}">
+        <p14:creationId xmlns:p14="http://schemas.microsoft.com/office/powerpoint/2010/main" val="674446648"/>
+      </p:ext>
+    </p:extLst>
+  </p:cSld>
+  <p:clrMapOvr>
+    <a:masterClrMapping/>
+  </p:clrMapOvr>
+</p:sld>
+</file>
+
+<file path=ppt/slides/slide40.xml><?xml version="1.0" encoding="utf-8"?>
+<p:sld xmlns:a="http://schemas.openxmlformats.org/drawingml/2006/main" xmlns:r="http://schemas.openxmlformats.org/officeDocument/2006/relationships" xmlns:p="http://schemas.openxmlformats.org/presentationml/2006/main">
+  <p:cSld>
+    <p:spTree>
+      <p:nvGrpSpPr>
+        <p:cNvPr id="1" name=""/>
+        <p:cNvGrpSpPr/>
+        <p:nvPr/>
+      </p:nvGrpSpPr>
+      <p:grpSpPr>
+        <a:xfrm>
+          <a:off x="0" y="0"/>
+          <a:ext cx="0" cy="0"/>
+          <a:chOff x="0" y="0"/>
+          <a:chExt cx="0" cy="0"/>
+        </a:xfrm>
+      </p:grpSpPr>
+      <p:sp>
+        <p:nvSpPr>
+          <p:cNvPr id="2" name="Título 1"/>
+          <p:cNvSpPr>
+            <a:spLocks noGrp="1"/>
+          </p:cNvSpPr>
+          <p:nvPr>
+            <p:ph type="title"/>
+          </p:nvPr>
+        </p:nvSpPr>
+        <p:spPr/>
+        <p:txBody>
+          <a:bodyPr/>
+          <a:lstStyle/>
+          <a:p>
+            <a:r>
+              <a:rPr lang="es-MX" dirty="0"/>
+              <a:t>Operaciones</a:t>
+            </a:r>
+          </a:p>
+        </p:txBody>
+      </p:sp>
+      <p:sp>
+        <p:nvSpPr>
+          <p:cNvPr id="3" name="Marcador de texto 2"/>
+          <p:cNvSpPr>
+            <a:spLocks noGrp="1"/>
+          </p:cNvSpPr>
+          <p:nvPr>
+            <p:ph type="body" idx="1"/>
+          </p:nvPr>
+        </p:nvSpPr>
+        <p:spPr/>
+        <p:txBody>
+          <a:bodyPr/>
+          <a:lstStyle/>
+          <a:p>
+            <a:r>
+              <a:rPr lang="es-MX" dirty="0"/>
+              <a:t>Ejemplo:</a:t>
+            </a:r>
+          </a:p>
+          <a:p>
+            <a:r>
+              <a:rPr lang="es-MX" dirty="0"/>
+              <a:t>Tabla Ganancias</a:t>
+            </a:r>
+          </a:p>
+          <a:p>
+            <a:endParaRPr lang="es-MX" dirty="0"/>
+          </a:p>
+          <a:p>
+            <a:endParaRPr lang="es-MX" dirty="0"/>
+          </a:p>
+          <a:p>
+            <a:endParaRPr lang="es-MX" dirty="0"/>
+          </a:p>
+          <a:p>
+            <a:endParaRPr lang="es-MX" dirty="0"/>
+          </a:p>
+          <a:p>
+            <a:endParaRPr lang="es-MX" dirty="0"/>
+          </a:p>
+        </p:txBody>
+      </p:sp>
+      <p:sp>
+        <p:nvSpPr>
+          <p:cNvPr id="4" name="Marcador de número de diapositiva 3"/>
+          <p:cNvSpPr>
+            <a:spLocks noGrp="1"/>
+          </p:cNvSpPr>
+          <p:nvPr>
+            <p:ph type="sldNum" idx="12"/>
+          </p:nvPr>
+        </p:nvSpPr>
+        <p:spPr/>
+        <p:txBody>
+          <a:bodyPr/>
+          <a:lstStyle/>
+          <a:p>
+            <a:pPr marL="0" lvl="0" indent="0">
+              <a:spcBef>
+                <a:spcPts val="0"/>
+              </a:spcBef>
+              <a:spcAft>
+                <a:spcPts val="0"/>
+              </a:spcAft>
+              <a:buNone/>
+            </a:pPr>
+            <a:fld id="{00000000-1234-1234-1234-123412341234}" type="slidenum">
+              <a:rPr lang="es-MX" smtClean="0"/>
+              <a:t>40</a:t>
+            </a:fld>
+            <a:endParaRPr lang="es-MX"/>
+          </a:p>
+        </p:txBody>
+      </p:sp>
+      <p:graphicFrame>
+        <p:nvGraphicFramePr>
+          <p:cNvPr id="5" name="Tabla 4"/>
+          <p:cNvGraphicFramePr>
+            <a:graphicFrameLocks noGrp="1"/>
+          </p:cNvGraphicFramePr>
+          <p:nvPr/>
+        </p:nvGraphicFramePr>
+        <p:xfrm>
+          <a:off x="1828800" y="2294127"/>
+          <a:ext cx="5789200" cy="2321895"/>
+        </p:xfrm>
+        <a:graphic>
+          <a:graphicData uri="http://schemas.openxmlformats.org/drawingml/2006/table">
+            <a:tbl>
+              <a:tblPr firstRow="1" bandRow="1">
+                <a:tableStyleId>{3C2FFA5D-87B4-456A-9821-1D502468CF0F}</a:tableStyleId>
+              </a:tblPr>
+              <a:tblGrid>
+                <a:gridCol w="1157840">
+                  <a:extLst>
+                    <a:ext uri="{9D8B030D-6E8A-4147-A177-3AD203B41FA5}">
+                      <a16:colId xmlns:a16="http://schemas.microsoft.com/office/drawing/2014/main" val="1985357204"/>
+                    </a:ext>
+                  </a:extLst>
+                </a:gridCol>
+                <a:gridCol w="1157840">
+                  <a:extLst>
+                    <a:ext uri="{9D8B030D-6E8A-4147-A177-3AD203B41FA5}">
+                      <a16:colId xmlns:a16="http://schemas.microsoft.com/office/drawing/2014/main" val="2931249605"/>
+                    </a:ext>
+                  </a:extLst>
+                </a:gridCol>
+                <a:gridCol w="1157840">
+                  <a:extLst>
+                    <a:ext uri="{9D8B030D-6E8A-4147-A177-3AD203B41FA5}">
+                      <a16:colId xmlns:a16="http://schemas.microsoft.com/office/drawing/2014/main" val="1462273317"/>
+                    </a:ext>
+                  </a:extLst>
+                </a:gridCol>
+                <a:gridCol w="1157840">
+                  <a:extLst>
+                    <a:ext uri="{9D8B030D-6E8A-4147-A177-3AD203B41FA5}">
+                      <a16:colId xmlns:a16="http://schemas.microsoft.com/office/drawing/2014/main" val="2635989360"/>
+                    </a:ext>
+                  </a:extLst>
+                </a:gridCol>
+                <a:gridCol w="1157840">
+                  <a:extLst>
+                    <a:ext uri="{9D8B030D-6E8A-4147-A177-3AD203B41FA5}">
+                      <a16:colId xmlns:a16="http://schemas.microsoft.com/office/drawing/2014/main" val="20003"/>
+                    </a:ext>
+                  </a:extLst>
+                </a:gridCol>
+              </a:tblGrid>
+              <a:tr h="393328">
+                <a:tc>
+                  <a:txBody>
+                    <a:bodyPr/>
+                    <a:lstStyle/>
+                    <a:p>
+                      <a:r>
+                        <a:rPr lang="es-MX" sz="1200" dirty="0"/>
+                        <a:t>Nombre Película</a:t>
+                      </a:r>
+                    </a:p>
+                  </a:txBody>
+                  <a:tcPr/>
+                </a:tc>
+                <a:tc>
+                  <a:txBody>
+                    <a:bodyPr/>
+                    <a:lstStyle/>
+                    <a:p>
+                      <a:r>
+                        <a:rPr lang="es-MX" sz="1200" dirty="0"/>
+                        <a:t>Ciudad</a:t>
+                      </a:r>
+                    </a:p>
+                  </a:txBody>
+                  <a:tcPr/>
+                </a:tc>
+                <a:tc>
+                  <a:txBody>
+                    <a:bodyPr/>
+                    <a:lstStyle/>
+                    <a:p>
+                      <a:r>
+                        <a:rPr lang="es-MX" sz="1200" dirty="0"/>
+                        <a:t>Empresa</a:t>
+                      </a:r>
+                    </a:p>
+                  </a:txBody>
+                  <a:tcPr/>
+                </a:tc>
+                <a:tc>
+                  <a:txBody>
+                    <a:bodyPr/>
+                    <a:lstStyle/>
+                    <a:p>
+                      <a:r>
+                        <a:rPr lang="es-MX" sz="1200" dirty="0"/>
+                        <a:t> Boletos</a:t>
+                      </a:r>
+                    </a:p>
+                  </a:txBody>
+                  <a:tcPr/>
+                </a:tc>
+                <a:tc>
+                  <a:txBody>
+                    <a:bodyPr/>
+                    <a:lstStyle/>
+                    <a:p>
+                      <a:r>
+                        <a:rPr lang="es-MX" sz="1200" dirty="0"/>
+                        <a:t>Precio Unitario</a:t>
+                      </a:r>
+                    </a:p>
+                  </a:txBody>
+                  <a:tcPr/>
+                </a:tc>
+                <a:extLst>
+                  <a:ext uri="{0D108BD9-81ED-4DB2-BD59-A6C34878D82A}">
+                    <a16:rowId xmlns:a16="http://schemas.microsoft.com/office/drawing/2014/main" val="2867372264"/>
+                  </a:ext>
+                </a:extLst>
+              </a:tr>
+              <a:tr h="281499">
+                <a:tc>
+                  <a:txBody>
+                    <a:bodyPr/>
+                    <a:lstStyle/>
+                    <a:p>
+                      <a:r>
+                        <a:rPr lang="es-MX" sz="1200" dirty="0" err="1"/>
+                        <a:t>Toy</a:t>
+                      </a:r>
+                      <a:r>
+                        <a:rPr lang="es-MX" sz="1200" dirty="0"/>
+                        <a:t> </a:t>
+                      </a:r>
+                      <a:r>
+                        <a:rPr lang="es-MX" sz="1200" dirty="0" err="1"/>
+                        <a:t>Story</a:t>
+                      </a:r>
+                      <a:endParaRPr lang="es-MX" sz="1200" dirty="0"/>
+                    </a:p>
+                  </a:txBody>
+                  <a:tcPr/>
+                </a:tc>
+                <a:tc>
+                  <a:txBody>
+                    <a:bodyPr/>
+                    <a:lstStyle/>
+                    <a:p>
+                      <a:r>
+                        <a:rPr lang="es-MX" sz="1200" dirty="0"/>
+                        <a:t>Los</a:t>
+                      </a:r>
+                      <a:r>
+                        <a:rPr lang="es-MX" sz="1200" baseline="0" dirty="0"/>
+                        <a:t> </a:t>
+                      </a:r>
+                      <a:r>
+                        <a:rPr lang="es-MX" sz="1200" baseline="0" dirty="0" err="1"/>
+                        <a:t>Angeles</a:t>
+                      </a:r>
+                      <a:endParaRPr lang="es-MX" sz="1200" dirty="0"/>
+                    </a:p>
+                  </a:txBody>
+                  <a:tcPr/>
+                </a:tc>
+                <a:tc>
+                  <a:txBody>
+                    <a:bodyPr/>
+                    <a:lstStyle/>
+                    <a:p>
+                      <a:r>
+                        <a:rPr lang="es-MX" sz="1200" dirty="0"/>
+                        <a:t>Warner</a:t>
+                      </a:r>
+                    </a:p>
+                  </a:txBody>
+                  <a:tcPr/>
+                </a:tc>
+                <a:tc>
+                  <a:txBody>
+                    <a:bodyPr/>
+                    <a:lstStyle/>
+                    <a:p>
+                      <a:r>
+                        <a:rPr lang="es-MX" sz="1200" dirty="0"/>
+                        <a:t>10,000</a:t>
+                      </a:r>
+                    </a:p>
+                  </a:txBody>
+                  <a:tcPr/>
+                </a:tc>
+                <a:tc>
+                  <a:txBody>
+                    <a:bodyPr/>
+                    <a:lstStyle/>
+                    <a:p>
+                      <a:r>
+                        <a:rPr lang="es-MX" sz="1200" dirty="0"/>
+                        <a:t>$8</a:t>
+                      </a:r>
+                    </a:p>
+                  </a:txBody>
+                  <a:tcPr/>
+                </a:tc>
+                <a:extLst>
+                  <a:ext uri="{0D108BD9-81ED-4DB2-BD59-A6C34878D82A}">
+                    <a16:rowId xmlns:a16="http://schemas.microsoft.com/office/drawing/2014/main" val="198868094"/>
+                  </a:ext>
+                </a:extLst>
+              </a:tr>
+              <a:tr h="281499">
+                <a:tc>
+                  <a:txBody>
+                    <a:bodyPr/>
+                    <a:lstStyle/>
+                    <a:p>
+                      <a:r>
+                        <a:rPr lang="es-MX" sz="1200" dirty="0"/>
+                        <a:t>Big Hero 6</a:t>
+                      </a:r>
+                    </a:p>
+                  </a:txBody>
+                  <a:tcPr/>
+                </a:tc>
+                <a:tc>
+                  <a:txBody>
+                    <a:bodyPr/>
+                    <a:lstStyle/>
+                    <a:p>
+                      <a:r>
+                        <a:rPr lang="es-MX" sz="1200" dirty="0"/>
+                        <a:t>CDMX</a:t>
+                      </a:r>
+                    </a:p>
+                  </a:txBody>
+                  <a:tcPr/>
+                </a:tc>
+                <a:tc>
+                  <a:txBody>
+                    <a:bodyPr/>
+                    <a:lstStyle/>
+                    <a:p>
+                      <a:r>
+                        <a:rPr lang="es-MX" sz="1200" dirty="0" err="1"/>
+                        <a:t>Cinemex</a:t>
+                      </a:r>
+                      <a:endParaRPr lang="es-MX" sz="1200" dirty="0"/>
+                    </a:p>
+                  </a:txBody>
+                  <a:tcPr/>
+                </a:tc>
+                <a:tc>
+                  <a:txBody>
+                    <a:bodyPr/>
+                    <a:lstStyle/>
+                    <a:p>
+                      <a:r>
+                        <a:rPr lang="es-MX" sz="1200" dirty="0"/>
+                        <a:t>20,0000</a:t>
+                      </a:r>
+                    </a:p>
+                  </a:txBody>
+                  <a:tcPr/>
+                </a:tc>
+                <a:tc>
+                  <a:txBody>
+                    <a:bodyPr/>
+                    <a:lstStyle/>
+                    <a:p>
+                      <a:r>
+                        <a:rPr lang="es-MX" sz="1200" dirty="0"/>
+                        <a:t>$3</a:t>
+                      </a:r>
+                    </a:p>
+                  </a:txBody>
+                  <a:tcPr/>
+                </a:tc>
+                <a:extLst>
+                  <a:ext uri="{0D108BD9-81ED-4DB2-BD59-A6C34878D82A}">
+                    <a16:rowId xmlns:a16="http://schemas.microsoft.com/office/drawing/2014/main" val="1567914759"/>
+                  </a:ext>
+                </a:extLst>
+              </a:tr>
+              <a:tr h="281499">
+                <a:tc>
+                  <a:txBody>
+                    <a:bodyPr/>
+                    <a:lstStyle/>
+                    <a:p>
+                      <a:r>
+                        <a:rPr lang="es-MX" sz="1200" dirty="0"/>
+                        <a:t>Big Hero</a:t>
+                      </a:r>
+                      <a:r>
+                        <a:rPr lang="es-MX" sz="1200" baseline="0" dirty="0"/>
+                        <a:t> 6</a:t>
+                      </a:r>
+                      <a:endParaRPr lang="es-MX" sz="1200" dirty="0"/>
+                    </a:p>
+                  </a:txBody>
+                  <a:tcPr/>
+                </a:tc>
+                <a:tc>
+                  <a:txBody>
+                    <a:bodyPr/>
+                    <a:lstStyle/>
+                    <a:p>
+                      <a:r>
+                        <a:rPr lang="es-MX" sz="1200" dirty="0"/>
+                        <a:t>CDMX</a:t>
+                      </a:r>
+                    </a:p>
+                  </a:txBody>
+                  <a:tcPr/>
+                </a:tc>
+                <a:tc>
+                  <a:txBody>
+                    <a:bodyPr/>
+                    <a:lstStyle/>
+                    <a:p>
+                      <a:r>
+                        <a:rPr lang="es-MX" sz="1200" dirty="0" err="1"/>
+                        <a:t>Cinépolis</a:t>
+                      </a:r>
+                      <a:endParaRPr lang="es-MX" sz="1200" dirty="0"/>
+                    </a:p>
+                  </a:txBody>
+                  <a:tcPr/>
+                </a:tc>
+                <a:tc>
+                  <a:txBody>
+                    <a:bodyPr/>
+                    <a:lstStyle/>
+                    <a:p>
+                      <a:r>
+                        <a:rPr lang="es-MX" sz="1200" dirty="0"/>
+                        <a:t>15,000</a:t>
+                      </a:r>
+                    </a:p>
+                  </a:txBody>
+                  <a:tcPr/>
+                </a:tc>
+                <a:tc>
+                  <a:txBody>
+                    <a:bodyPr/>
+                    <a:lstStyle/>
+                    <a:p>
+                      <a:r>
+                        <a:rPr lang="es-MX" sz="1200" dirty="0"/>
+                        <a:t>$3</a:t>
+                      </a:r>
+                    </a:p>
+                  </a:txBody>
+                  <a:tcPr/>
+                </a:tc>
+                <a:extLst>
+                  <a:ext uri="{0D108BD9-81ED-4DB2-BD59-A6C34878D82A}">
+                    <a16:rowId xmlns:a16="http://schemas.microsoft.com/office/drawing/2014/main" val="3104505706"/>
+                  </a:ext>
+                </a:extLst>
+              </a:tr>
+              <a:tr h="377899">
+                <a:tc>
+                  <a:txBody>
+                    <a:bodyPr/>
+                    <a:lstStyle/>
+                    <a:p>
+                      <a:r>
+                        <a:rPr lang="es-MX" sz="1200" dirty="0" err="1"/>
+                        <a:t>The</a:t>
+                      </a:r>
+                      <a:r>
+                        <a:rPr lang="es-MX" sz="1200" dirty="0"/>
+                        <a:t> </a:t>
+                      </a:r>
+                      <a:r>
+                        <a:rPr lang="es-MX" sz="1200" dirty="0" err="1"/>
+                        <a:t>Incredibles</a:t>
+                      </a:r>
+                      <a:endParaRPr lang="es-MX" sz="1200" dirty="0"/>
+                    </a:p>
+                  </a:txBody>
+                  <a:tcPr/>
+                </a:tc>
+                <a:tc>
+                  <a:txBody>
+                    <a:bodyPr/>
+                    <a:lstStyle/>
+                    <a:p>
+                      <a:r>
+                        <a:rPr lang="es-MX" sz="1200" dirty="0"/>
+                        <a:t>CDMX</a:t>
+                      </a:r>
+                    </a:p>
+                  </a:txBody>
+                  <a:tcPr/>
+                </a:tc>
+                <a:tc>
+                  <a:txBody>
+                    <a:bodyPr/>
+                    <a:lstStyle/>
+                    <a:p>
+                      <a:r>
+                        <a:rPr lang="es-MX" sz="1200" dirty="0" err="1"/>
+                        <a:t>Cinemex</a:t>
+                      </a:r>
+                      <a:endParaRPr lang="es-MX" sz="1200" dirty="0"/>
+                    </a:p>
+                  </a:txBody>
+                  <a:tcPr/>
+                </a:tc>
+                <a:tc>
+                  <a:txBody>
+                    <a:bodyPr/>
+                    <a:lstStyle/>
+                    <a:p>
+                      <a:r>
+                        <a:rPr lang="es-MX" sz="1200" dirty="0"/>
+                        <a:t>15,000</a:t>
+                      </a:r>
+                    </a:p>
+                  </a:txBody>
+                  <a:tcPr/>
+                </a:tc>
+                <a:tc>
+                  <a:txBody>
+                    <a:bodyPr/>
+                    <a:lstStyle/>
+                    <a:p>
+                      <a:r>
+                        <a:rPr lang="es-MX" sz="1200" dirty="0"/>
+                        <a:t>$3</a:t>
+                      </a:r>
+                    </a:p>
+                  </a:txBody>
+                  <a:tcPr/>
+                </a:tc>
+                <a:extLst>
+                  <a:ext uri="{0D108BD9-81ED-4DB2-BD59-A6C34878D82A}">
+                    <a16:rowId xmlns:a16="http://schemas.microsoft.com/office/drawing/2014/main" val="1773026255"/>
+                  </a:ext>
+                </a:extLst>
+              </a:tr>
+              <a:tr h="281499">
+                <a:tc>
+                  <a:txBody>
+                    <a:bodyPr/>
+                    <a:lstStyle/>
+                    <a:p>
+                      <a:r>
+                        <a:rPr lang="es-MX" sz="1200" dirty="0"/>
+                        <a:t>Ratatouille</a:t>
+                      </a:r>
+                    </a:p>
+                  </a:txBody>
+                  <a:tcPr/>
+                </a:tc>
+                <a:tc>
+                  <a:txBody>
+                    <a:bodyPr/>
+                    <a:lstStyle/>
+                    <a:p>
+                      <a:r>
+                        <a:rPr lang="es-MX" sz="1200" dirty="0" err="1"/>
+                        <a:t>Tokyo</a:t>
+                      </a:r>
+                      <a:endParaRPr lang="es-MX" sz="1200" dirty="0"/>
+                    </a:p>
+                  </a:txBody>
+                  <a:tcPr/>
+                </a:tc>
+                <a:tc>
+                  <a:txBody>
+                    <a:bodyPr/>
+                    <a:lstStyle/>
+                    <a:p>
+                      <a:r>
+                        <a:rPr lang="es-MX" sz="1200" dirty="0"/>
+                        <a:t>Warner</a:t>
+                      </a:r>
+                    </a:p>
+                  </a:txBody>
+                  <a:tcPr/>
+                </a:tc>
+                <a:tc>
+                  <a:txBody>
+                    <a:bodyPr/>
+                    <a:lstStyle/>
+                    <a:p>
+                      <a:r>
+                        <a:rPr lang="es-MX" sz="1200" dirty="0"/>
+                        <a:t>2,000</a:t>
+                      </a:r>
+                    </a:p>
+                  </a:txBody>
+                  <a:tcPr/>
+                </a:tc>
+                <a:tc>
+                  <a:txBody>
+                    <a:bodyPr/>
+                    <a:lstStyle/>
+                    <a:p>
+                      <a:r>
+                        <a:rPr lang="es-MX" sz="1200" dirty="0"/>
+                        <a:t>$18</a:t>
+                      </a:r>
+                    </a:p>
+                  </a:txBody>
+                  <a:tcPr/>
+                </a:tc>
+                <a:extLst>
+                  <a:ext uri="{0D108BD9-81ED-4DB2-BD59-A6C34878D82A}">
+                    <a16:rowId xmlns:a16="http://schemas.microsoft.com/office/drawing/2014/main" val="4121888221"/>
+                  </a:ext>
+                </a:extLst>
+              </a:tr>
+              <a:tr h="281499">
+                <a:tc>
+                  <a:txBody>
+                    <a:bodyPr/>
+                    <a:lstStyle/>
+                    <a:p>
+                      <a:r>
+                        <a:rPr lang="es-MX" sz="1200" dirty="0" err="1"/>
+                        <a:t>Find</a:t>
+                      </a:r>
+                      <a:r>
+                        <a:rPr lang="es-MX" sz="1200" dirty="0"/>
+                        <a:t> </a:t>
+                      </a:r>
+                      <a:r>
+                        <a:rPr lang="es-MX" sz="1200" dirty="0" err="1"/>
+                        <a:t>Nemo</a:t>
+                      </a:r>
+                      <a:endParaRPr lang="es-MX" sz="1200" dirty="0"/>
+                    </a:p>
+                  </a:txBody>
+                  <a:tcPr/>
+                </a:tc>
+                <a:tc>
+                  <a:txBody>
+                    <a:bodyPr/>
+                    <a:lstStyle/>
+                    <a:p>
+                      <a:r>
+                        <a:rPr lang="es-MX" sz="1200" dirty="0"/>
+                        <a:t>Osaka</a:t>
+                      </a:r>
+                    </a:p>
+                  </a:txBody>
+                  <a:tcPr/>
+                </a:tc>
+                <a:tc>
+                  <a:txBody>
+                    <a:bodyPr/>
+                    <a:lstStyle/>
+                    <a:p>
+                      <a:r>
+                        <a:rPr lang="es-MX" sz="1200" dirty="0"/>
+                        <a:t>Warner</a:t>
+                      </a:r>
+                    </a:p>
+                  </a:txBody>
+                  <a:tcPr/>
+                </a:tc>
+                <a:tc>
+                  <a:txBody>
+                    <a:bodyPr/>
+                    <a:lstStyle/>
+                    <a:p>
+                      <a:r>
+                        <a:rPr lang="es-MX" sz="1200" dirty="0"/>
+                        <a:t>2,000</a:t>
+                      </a:r>
+                    </a:p>
+                  </a:txBody>
+                  <a:tcPr/>
+                </a:tc>
+                <a:tc>
+                  <a:txBody>
+                    <a:bodyPr/>
+                    <a:lstStyle/>
+                    <a:p>
+                      <a:r>
+                        <a:rPr lang="es-MX" sz="1200" dirty="0"/>
+                        <a:t>$18</a:t>
+                      </a:r>
+                    </a:p>
+                  </a:txBody>
+                  <a:tcPr/>
+                </a:tc>
+                <a:extLst>
+                  <a:ext uri="{0D108BD9-81ED-4DB2-BD59-A6C34878D82A}">
+                    <a16:rowId xmlns:a16="http://schemas.microsoft.com/office/drawing/2014/main" val="10005"/>
+                  </a:ext>
+                </a:extLst>
+              </a:tr>
+            </a:tbl>
+          </a:graphicData>
+        </a:graphic>
+      </p:graphicFrame>
+      <mc:AlternateContent xmlns:mc="http://schemas.openxmlformats.org/markup-compatibility/2006">
+        <mc:Choice xmlns:p14="http://schemas.microsoft.com/office/powerpoint/2010/main" Requires="p14">
+          <p:contentPart p14:bwMode="auto" r:id="rId2">
+            <p14:nvContentPartPr>
+              <p14:cNvPr id="6" name="Ink 5">
+                <a:extLst>
+                  <a:ext uri="{FF2B5EF4-FFF2-40B4-BE49-F238E27FC236}">
+                    <a16:creationId xmlns:a16="http://schemas.microsoft.com/office/drawing/2014/main" id="{F420AB57-C1BF-4B11-86FD-9C1B80AC0666}"/>
+                  </a:ext>
+                </a:extLst>
+              </p14:cNvPr>
+              <p14:cNvContentPartPr/>
+              <p14:nvPr/>
+            </p14:nvContentPartPr>
+            <p14:xfrm>
+              <a:off x="1439640" y="1272240"/>
+              <a:ext cx="7454520" cy="3184560"/>
+            </p14:xfrm>
+          </p:contentPart>
+        </mc:Choice>
+        <mc:Fallback>
+          <p:pic>
+            <p:nvPicPr>
+              <p:cNvPr id="6" name="Ink 5">
+                <a:extLst>
+                  <a:ext uri="{FF2B5EF4-FFF2-40B4-BE49-F238E27FC236}">
+                    <a16:creationId xmlns:a16="http://schemas.microsoft.com/office/drawing/2014/main" id="{F420AB57-C1BF-4B11-86FD-9C1B80AC0666}"/>
+                  </a:ext>
+                </a:extLst>
+              </p:cNvPr>
+              <p:cNvPicPr/>
+              <p:nvPr/>
+            </p:nvPicPr>
+            <p:blipFill>
+              <a:blip r:embed="rId3"/>
+              <a:stretch>
+                <a:fillRect/>
+              </a:stretch>
+            </p:blipFill>
+            <p:spPr>
+              <a:xfrm>
+                <a:off x="1430280" y="1262880"/>
+                <a:ext cx="7473240" cy="3203280"/>
+              </a:xfrm>
+              <a:prstGeom prst="rect">
+                <a:avLst/>
+              </a:prstGeom>
+            </p:spPr>
+          </p:pic>
+        </mc:Fallback>
+      </mc:AlternateContent>
+    </p:spTree>
+    <p:extLst>
+      <p:ext uri="{BB962C8B-B14F-4D97-AF65-F5344CB8AC3E}">
+        <p14:creationId xmlns:p14="http://schemas.microsoft.com/office/powerpoint/2010/main" val="1380001994"/>
+      </p:ext>
+    </p:extLst>
+  </p:cSld>
+  <p:clrMapOvr>
+    <a:masterClrMapping/>
+  </p:clrMapOvr>
+</p:sld>
+</file>
+
+<file path=ppt/slides/slide41.xml><?xml version="1.0" encoding="utf-8"?>
+<p:sld xmlns:a="http://schemas.openxmlformats.org/drawingml/2006/main" xmlns:r="http://schemas.openxmlformats.org/officeDocument/2006/relationships" xmlns:p="http://schemas.openxmlformats.org/presentationml/2006/main">
+  <p:cSld>
+    <p:spTree>
+      <p:nvGrpSpPr>
+        <p:cNvPr id="1" name=""/>
+        <p:cNvGrpSpPr/>
+        <p:nvPr/>
+      </p:nvGrpSpPr>
+      <p:grpSpPr>
+        <a:xfrm>
+          <a:off x="0" y="0"/>
+          <a:ext cx="0" cy="0"/>
+          <a:chOff x="0" y="0"/>
+          <a:chExt cx="0" cy="0"/>
+        </a:xfrm>
+      </p:grpSpPr>
+      <p:sp>
+        <p:nvSpPr>
+          <p:cNvPr id="2" name="Título 1"/>
+          <p:cNvSpPr>
+            <a:spLocks noGrp="1"/>
+          </p:cNvSpPr>
+          <p:nvPr>
+            <p:ph type="title"/>
+          </p:nvPr>
+        </p:nvSpPr>
+        <p:spPr/>
+        <p:txBody>
+          <a:bodyPr/>
+          <a:lstStyle/>
+          <a:p>
+            <a:r>
+              <a:rPr lang="es-MX" dirty="0"/>
+              <a:t>Operaciones</a:t>
+            </a:r>
+          </a:p>
+        </p:txBody>
+      </p:sp>
+      <p:sp>
+        <p:nvSpPr>
+          <p:cNvPr id="3" name="Marcador de texto 2"/>
+          <p:cNvSpPr>
+            <a:spLocks noGrp="1"/>
+          </p:cNvSpPr>
+          <p:nvPr>
+            <p:ph type="body" idx="1"/>
+          </p:nvPr>
+        </p:nvSpPr>
+        <p:spPr/>
+        <p:txBody>
+          <a:bodyPr/>
+          <a:lstStyle/>
+          <a:p>
+            <a:r>
+              <a:rPr lang="es-MX" dirty="0" err="1"/>
+              <a:t>Peliculas</a:t>
+            </a:r>
+            <a:r>
+              <a:rPr lang="es-MX" dirty="0"/>
+              <a:t>: = </a:t>
+            </a:r>
+            <a:r>
+              <a:rPr lang="el-GR" dirty="0"/>
+              <a:t>π</a:t>
+            </a:r>
+            <a:r>
+              <a:rPr lang="es-MX" baseline="-25000" dirty="0"/>
+              <a:t>[</a:t>
+            </a:r>
+            <a:r>
+              <a:rPr lang="es-MX" baseline="-25000" dirty="0" err="1"/>
+              <a:t>NombrePelicula</a:t>
+            </a:r>
+            <a:r>
+              <a:rPr lang="es-MX" baseline="-25000" dirty="0"/>
+              <a:t>]</a:t>
+            </a:r>
+            <a:r>
+              <a:rPr lang="es-MX" dirty="0"/>
+              <a:t>(</a:t>
+            </a:r>
+            <a:r>
+              <a:rPr lang="el-GR" dirty="0"/>
+              <a:t>σ</a:t>
+            </a:r>
+            <a:r>
+              <a:rPr lang="es-MX" baseline="-25000" dirty="0"/>
+              <a:t>Boletos&gt;10,000</a:t>
+            </a:r>
+            <a:r>
+              <a:rPr lang="es-MX" dirty="0"/>
+              <a:t>(Ganancias))</a:t>
+            </a:r>
+          </a:p>
+          <a:p>
+            <a:endParaRPr lang="es-MX" dirty="0"/>
+          </a:p>
+          <a:p>
+            <a:endParaRPr lang="es-MX" dirty="0"/>
+          </a:p>
+          <a:p>
+            <a:endParaRPr lang="es-MX" dirty="0"/>
+          </a:p>
+          <a:p>
+            <a:endParaRPr lang="es-MX" dirty="0"/>
+          </a:p>
+        </p:txBody>
+      </p:sp>
+      <p:sp>
+        <p:nvSpPr>
+          <p:cNvPr id="4" name="Marcador de número de diapositiva 3"/>
+          <p:cNvSpPr>
+            <a:spLocks noGrp="1"/>
+          </p:cNvSpPr>
+          <p:nvPr>
+            <p:ph type="sldNum" idx="12"/>
+          </p:nvPr>
+        </p:nvSpPr>
+        <p:spPr/>
+        <p:txBody>
+          <a:bodyPr/>
+          <a:lstStyle/>
+          <a:p>
+            <a:pPr marL="0" lvl="0" indent="0">
+              <a:spcBef>
+                <a:spcPts val="0"/>
+              </a:spcBef>
+              <a:spcAft>
+                <a:spcPts val="0"/>
+              </a:spcAft>
+              <a:buNone/>
+            </a:pPr>
+            <a:fld id="{00000000-1234-1234-1234-123412341234}" type="slidenum">
+              <a:rPr lang="es-MX" smtClean="0"/>
+              <a:t>41</a:t>
+            </a:fld>
+            <a:endParaRPr lang="es-MX"/>
+          </a:p>
+        </p:txBody>
+      </p:sp>
+      <mc:AlternateContent xmlns:mc="http://schemas.openxmlformats.org/markup-compatibility/2006">
+        <mc:Choice xmlns:p14="http://schemas.microsoft.com/office/powerpoint/2010/main" Requires="p14">
+          <p:contentPart p14:bwMode="auto" r:id="rId2">
+            <p14:nvContentPartPr>
+              <p14:cNvPr id="5" name="Ink 4">
+                <a:extLst>
+                  <a:ext uri="{FF2B5EF4-FFF2-40B4-BE49-F238E27FC236}">
+                    <a16:creationId xmlns:a16="http://schemas.microsoft.com/office/drawing/2014/main" id="{BB14F873-4D4D-4C11-8CC6-75572B211845}"/>
+                  </a:ext>
+                </a:extLst>
+              </p14:cNvPr>
+              <p14:cNvContentPartPr/>
+              <p14:nvPr/>
+            </p14:nvContentPartPr>
+            <p14:xfrm>
+              <a:off x="1477800" y="2385000"/>
+              <a:ext cx="4411800" cy="1253160"/>
+            </p14:xfrm>
+          </p:contentPart>
+        </mc:Choice>
+        <mc:Fallback>
+          <p:pic>
+            <p:nvPicPr>
+              <p:cNvPr id="5" name="Ink 4">
+                <a:extLst>
+                  <a:ext uri="{FF2B5EF4-FFF2-40B4-BE49-F238E27FC236}">
+                    <a16:creationId xmlns:a16="http://schemas.microsoft.com/office/drawing/2014/main" id="{BB14F873-4D4D-4C11-8CC6-75572B211845}"/>
+                  </a:ext>
+                </a:extLst>
+              </p:cNvPr>
+              <p:cNvPicPr/>
+              <p:nvPr/>
+            </p:nvPicPr>
+            <p:blipFill>
+              <a:blip r:embed="rId3"/>
+              <a:stretch>
+                <a:fillRect/>
+              </a:stretch>
+            </p:blipFill>
+            <p:spPr>
+              <a:xfrm>
+                <a:off x="1468440" y="2375640"/>
+                <a:ext cx="4430520" cy="1271880"/>
+              </a:xfrm>
+              <a:prstGeom prst="rect">
+                <a:avLst/>
+              </a:prstGeom>
+            </p:spPr>
+          </p:pic>
+        </mc:Fallback>
+      </mc:AlternateContent>
+    </p:spTree>
+    <p:extLst>
+      <p:ext uri="{BB962C8B-B14F-4D97-AF65-F5344CB8AC3E}">
+        <p14:creationId xmlns:p14="http://schemas.microsoft.com/office/powerpoint/2010/main" val="1819250470"/>
+      </p:ext>
+    </p:extLst>
+  </p:cSld>
+  <p:clrMapOvr>
+    <a:masterClrMapping/>
+  </p:clrMapOvr>
+</p:sld>
+</file>
+
+<file path=ppt/slides/slide42.xml><?xml version="1.0" encoding="utf-8"?>
+<p:sld xmlns:a="http://schemas.openxmlformats.org/drawingml/2006/main" xmlns:r="http://schemas.openxmlformats.org/officeDocument/2006/relationships" xmlns:p="http://schemas.openxmlformats.org/presentationml/2006/main">
+  <p:cSld>
+    <p:spTree>
+      <p:nvGrpSpPr>
+        <p:cNvPr id="1" name=""/>
+        <p:cNvGrpSpPr/>
+        <p:nvPr/>
+      </p:nvGrpSpPr>
+      <p:grpSpPr>
+        <a:xfrm>
+          <a:off x="0" y="0"/>
+          <a:ext cx="0" cy="0"/>
+          <a:chOff x="0" y="0"/>
+          <a:chExt cx="0" cy="0"/>
+        </a:xfrm>
+      </p:grpSpPr>
+      <p:sp>
+        <p:nvSpPr>
+          <p:cNvPr id="2" name="Título 1"/>
+          <p:cNvSpPr>
+            <a:spLocks noGrp="1"/>
+          </p:cNvSpPr>
+          <p:nvPr>
+            <p:ph type="title"/>
+          </p:nvPr>
+        </p:nvSpPr>
+        <p:spPr/>
+        <p:txBody>
+          <a:bodyPr/>
+          <a:lstStyle/>
+          <a:p>
+            <a:r>
+              <a:rPr lang="es-MX" dirty="0"/>
+              <a:t>Operaciones</a:t>
+            </a:r>
+          </a:p>
+        </p:txBody>
+      </p:sp>
+      <p:sp>
+        <p:nvSpPr>
+          <p:cNvPr id="3" name="Marcador de texto 2"/>
+          <p:cNvSpPr>
+            <a:spLocks noGrp="1"/>
+          </p:cNvSpPr>
+          <p:nvPr>
+            <p:ph type="body" idx="1"/>
+          </p:nvPr>
+        </p:nvSpPr>
+        <p:spPr/>
+        <p:txBody>
+          <a:bodyPr/>
+          <a:lstStyle/>
+          <a:p>
+            <a:r>
+              <a:rPr lang="es-MX" dirty="0" err="1"/>
+              <a:t>Peliculas</a:t>
+            </a:r>
+            <a:r>
+              <a:rPr lang="es-MX" dirty="0"/>
+              <a:t>: = </a:t>
+            </a:r>
+            <a:r>
+              <a:rPr lang="el-GR" dirty="0"/>
+              <a:t>π</a:t>
+            </a:r>
+            <a:r>
+              <a:rPr lang="es-MX" baseline="-25000" dirty="0"/>
+              <a:t>[</a:t>
+            </a:r>
+            <a:r>
+              <a:rPr lang="es-MX" baseline="-25000" dirty="0" err="1"/>
+              <a:t>NombrePelicula</a:t>
+            </a:r>
+            <a:r>
+              <a:rPr lang="es-MX" baseline="-25000" dirty="0"/>
+              <a:t>]</a:t>
+            </a:r>
+            <a:r>
+              <a:rPr lang="es-MX" dirty="0"/>
+              <a:t>(</a:t>
+            </a:r>
+            <a:r>
+              <a:rPr lang="el-GR" dirty="0"/>
+              <a:t>σ</a:t>
+            </a:r>
+            <a:r>
+              <a:rPr lang="es-MX" baseline="-25000" dirty="0"/>
+              <a:t>Boletos&gt;10,000</a:t>
+            </a:r>
+            <a:r>
+              <a:rPr lang="es-MX" dirty="0"/>
+              <a:t>(Ganancias))</a:t>
+            </a:r>
+          </a:p>
+          <a:p>
+            <a:endParaRPr lang="es-MX" dirty="0"/>
+          </a:p>
+          <a:p>
+            <a:endParaRPr lang="es-MX" dirty="0"/>
+          </a:p>
+          <a:p>
+            <a:endParaRPr lang="es-MX" dirty="0"/>
+          </a:p>
+          <a:p>
+            <a:endParaRPr lang="es-MX" dirty="0"/>
+          </a:p>
+        </p:txBody>
+      </p:sp>
+      <p:sp>
+        <p:nvSpPr>
+          <p:cNvPr id="4" name="Marcador de número de diapositiva 3"/>
+          <p:cNvSpPr>
+            <a:spLocks noGrp="1"/>
+          </p:cNvSpPr>
+          <p:nvPr>
+            <p:ph type="sldNum" idx="12"/>
+          </p:nvPr>
+        </p:nvSpPr>
+        <p:spPr/>
+        <p:txBody>
+          <a:bodyPr/>
+          <a:lstStyle/>
+          <a:p>
+            <a:pPr marL="0" lvl="0" indent="0">
+              <a:spcBef>
+                <a:spcPts val="0"/>
+              </a:spcBef>
+              <a:spcAft>
+                <a:spcPts val="0"/>
+              </a:spcAft>
+              <a:buNone/>
+            </a:pPr>
+            <a:fld id="{00000000-1234-1234-1234-123412341234}" type="slidenum">
+              <a:rPr lang="es-MX" smtClean="0"/>
+              <a:t>42</a:t>
+            </a:fld>
+            <a:endParaRPr lang="es-MX"/>
+          </a:p>
+        </p:txBody>
+      </p:sp>
+      <p:graphicFrame>
+        <p:nvGraphicFramePr>
+          <p:cNvPr id="5" name="Tabla 4"/>
+          <p:cNvGraphicFramePr>
+            <a:graphicFrameLocks noGrp="1"/>
+          </p:cNvGraphicFramePr>
+          <p:nvPr/>
+        </p:nvGraphicFramePr>
+        <p:xfrm>
+          <a:off x="3001684" y="2674271"/>
+          <a:ext cx="1477715" cy="1539873"/>
+        </p:xfrm>
+        <a:graphic>
+          <a:graphicData uri="http://schemas.openxmlformats.org/drawingml/2006/table">
+            <a:tbl>
+              <a:tblPr firstRow="1" bandRow="1">
+                <a:tableStyleId>{3C2FFA5D-87B4-456A-9821-1D502468CF0F}</a:tableStyleId>
+              </a:tblPr>
+              <a:tblGrid>
+                <a:gridCol w="1477715">
+                  <a:extLst>
+                    <a:ext uri="{9D8B030D-6E8A-4147-A177-3AD203B41FA5}">
+                      <a16:colId xmlns:a16="http://schemas.microsoft.com/office/drawing/2014/main" val="1985357204"/>
+                    </a:ext>
+                  </a:extLst>
+                </a:gridCol>
+              </a:tblGrid>
+              <a:tr h="475867">
+                <a:tc>
+                  <a:txBody>
+                    <a:bodyPr/>
+                    <a:lstStyle/>
+                    <a:p>
+                      <a:r>
+                        <a:rPr lang="es-MX" dirty="0"/>
+                        <a:t>Nombre Película</a:t>
+                      </a:r>
+                    </a:p>
+                  </a:txBody>
+                  <a:tcPr/>
+                </a:tc>
+                <a:extLst>
+                  <a:ext uri="{0D108BD9-81ED-4DB2-BD59-A6C34878D82A}">
+                    <a16:rowId xmlns:a16="http://schemas.microsoft.com/office/drawing/2014/main" val="2867372264"/>
+                  </a:ext>
+                </a:extLst>
+              </a:tr>
+              <a:tr h="340571">
+                <a:tc>
+                  <a:txBody>
+                    <a:bodyPr/>
+                    <a:lstStyle/>
+                    <a:p>
+                      <a:r>
+                        <a:rPr lang="es-MX" dirty="0" err="1"/>
+                        <a:t>Toy</a:t>
+                      </a:r>
+                      <a:r>
+                        <a:rPr lang="es-MX" dirty="0"/>
+                        <a:t> </a:t>
+                      </a:r>
+                      <a:r>
+                        <a:rPr lang="es-MX" dirty="0" err="1"/>
+                        <a:t>Story</a:t>
+                      </a:r>
+                      <a:endParaRPr lang="es-MX" dirty="0"/>
+                    </a:p>
+                  </a:txBody>
+                  <a:tcPr/>
+                </a:tc>
+                <a:extLst>
+                  <a:ext uri="{0D108BD9-81ED-4DB2-BD59-A6C34878D82A}">
+                    <a16:rowId xmlns:a16="http://schemas.microsoft.com/office/drawing/2014/main" val="198868094"/>
+                  </a:ext>
+                </a:extLst>
+              </a:tr>
+              <a:tr h="340571">
+                <a:tc>
+                  <a:txBody>
+                    <a:bodyPr/>
+                    <a:lstStyle/>
+                    <a:p>
+                      <a:r>
+                        <a:rPr lang="es-MX" dirty="0"/>
+                        <a:t>Big Hero 6</a:t>
+                      </a:r>
+                    </a:p>
+                  </a:txBody>
+                  <a:tcPr/>
+                </a:tc>
+                <a:extLst>
+                  <a:ext uri="{0D108BD9-81ED-4DB2-BD59-A6C34878D82A}">
+                    <a16:rowId xmlns:a16="http://schemas.microsoft.com/office/drawing/2014/main" val="1567914759"/>
+                  </a:ext>
+                </a:extLst>
+              </a:tr>
+              <a:tr h="340571">
+                <a:tc>
+                  <a:txBody>
+                    <a:bodyPr/>
+                    <a:lstStyle/>
+                    <a:p>
+                      <a:r>
+                        <a:rPr lang="es-MX" dirty="0" err="1"/>
+                        <a:t>The</a:t>
+                      </a:r>
+                      <a:r>
+                        <a:rPr lang="es-MX" dirty="0"/>
+                        <a:t> </a:t>
+                      </a:r>
+                      <a:r>
+                        <a:rPr lang="es-MX" dirty="0" err="1"/>
+                        <a:t>Incredibles</a:t>
+                      </a:r>
+                      <a:endParaRPr lang="es-MX" dirty="0"/>
+                    </a:p>
+                  </a:txBody>
+                  <a:tcPr/>
+                </a:tc>
+                <a:extLst>
+                  <a:ext uri="{0D108BD9-81ED-4DB2-BD59-A6C34878D82A}">
+                    <a16:rowId xmlns:a16="http://schemas.microsoft.com/office/drawing/2014/main" val="1773026255"/>
+                  </a:ext>
+                </a:extLst>
+              </a:tr>
+            </a:tbl>
+          </a:graphicData>
+        </a:graphic>
+      </p:graphicFrame>
+      <mc:AlternateContent xmlns:mc="http://schemas.openxmlformats.org/markup-compatibility/2006">
+        <mc:Choice xmlns:p14="http://schemas.microsoft.com/office/powerpoint/2010/main" Requires="p14">
+          <p:contentPart p14:bwMode="auto" r:id="rId2">
+            <p14:nvContentPartPr>
+              <p14:cNvPr id="6" name="Ink 5">
+                <a:extLst>
+                  <a:ext uri="{FF2B5EF4-FFF2-40B4-BE49-F238E27FC236}">
+                    <a16:creationId xmlns:a16="http://schemas.microsoft.com/office/drawing/2014/main" id="{06F8B846-C59A-44ED-863A-4B4A747AD0B7}"/>
+                  </a:ext>
+                </a:extLst>
+              </p14:cNvPr>
+              <p14:cNvContentPartPr/>
+              <p14:nvPr/>
+            </p14:nvContentPartPr>
+            <p14:xfrm>
+              <a:off x="3878280" y="2341080"/>
+              <a:ext cx="84600" cy="49680"/>
+            </p14:xfrm>
+          </p:contentPart>
+        </mc:Choice>
+        <mc:Fallback>
+          <p:pic>
+            <p:nvPicPr>
+              <p:cNvPr id="6" name="Ink 5">
+                <a:extLst>
+                  <a:ext uri="{FF2B5EF4-FFF2-40B4-BE49-F238E27FC236}">
+                    <a16:creationId xmlns:a16="http://schemas.microsoft.com/office/drawing/2014/main" id="{06F8B846-C59A-44ED-863A-4B4A747AD0B7}"/>
+                  </a:ext>
+                </a:extLst>
+              </p:cNvPr>
+              <p:cNvPicPr/>
+              <p:nvPr/>
+            </p:nvPicPr>
+            <p:blipFill>
+              <a:blip r:embed="rId3"/>
+              <a:stretch>
+                <a:fillRect/>
+              </a:stretch>
+            </p:blipFill>
+            <p:spPr>
+              <a:xfrm>
+                <a:off x="3868920" y="2331720"/>
+                <a:ext cx="103320" cy="68400"/>
+              </a:xfrm>
+              <a:prstGeom prst="rect">
+                <a:avLst/>
+              </a:prstGeom>
+            </p:spPr>
+          </p:pic>
+        </mc:Fallback>
+      </mc:AlternateContent>
+    </p:spTree>
+    <p:extLst>
+      <p:ext uri="{BB962C8B-B14F-4D97-AF65-F5344CB8AC3E}">
+        <p14:creationId xmlns:p14="http://schemas.microsoft.com/office/powerpoint/2010/main" val="3105074591"/>
+      </p:ext>
+    </p:extLst>
+  </p:cSld>
+  <p:clrMapOvr>
+    <a:masterClrMapping/>
+  </p:clrMapOvr>
+</p:sld>
+</file>
+
+<file path=ppt/slides/slide43.xml><?xml version="1.0" encoding="utf-8"?>
+<p:sld xmlns:a="http://schemas.openxmlformats.org/drawingml/2006/main" xmlns:r="http://schemas.openxmlformats.org/officeDocument/2006/relationships" xmlns:p="http://schemas.openxmlformats.org/presentationml/2006/main">
+  <p:cSld>
+    <p:spTree>
+      <p:nvGrpSpPr>
+        <p:cNvPr id="1" name=""/>
+        <p:cNvGrpSpPr/>
+        <p:nvPr/>
+      </p:nvGrpSpPr>
+      <p:grpSpPr>
+        <a:xfrm>
+          <a:off x="0" y="0"/>
+          <a:ext cx="0" cy="0"/>
+          <a:chOff x="0" y="0"/>
+          <a:chExt cx="0" cy="0"/>
+        </a:xfrm>
+      </p:grpSpPr>
+      <p:sp>
+        <p:nvSpPr>
+          <p:cNvPr id="2" name="Título 1"/>
+          <p:cNvSpPr>
+            <a:spLocks noGrp="1"/>
+          </p:cNvSpPr>
+          <p:nvPr>
+            <p:ph type="title"/>
+          </p:nvPr>
+        </p:nvSpPr>
+        <p:spPr/>
+        <p:txBody>
+          <a:bodyPr/>
+          <a:lstStyle/>
+          <a:p>
+            <a:r>
+              <a:rPr lang="es-MX" dirty="0"/>
+              <a:t>Operaciones</a:t>
+            </a:r>
+          </a:p>
+        </p:txBody>
+      </p:sp>
+      <p:sp>
+        <p:nvSpPr>
+          <p:cNvPr id="3" name="Marcador de texto 2"/>
+          <p:cNvSpPr>
+            <a:spLocks noGrp="1"/>
+          </p:cNvSpPr>
+          <p:nvPr>
+            <p:ph type="body" idx="1"/>
+          </p:nvPr>
+        </p:nvSpPr>
+        <p:spPr/>
+        <p:txBody>
+          <a:bodyPr/>
+          <a:lstStyle/>
+          <a:p>
+            <a:r>
+              <a:rPr lang="es-MX" dirty="0"/>
+              <a:t>¿Qué pregunta esta contestando?</a:t>
+            </a:r>
+          </a:p>
+          <a:p>
+            <a:pPr lvl="1"/>
+            <a:r>
+              <a:rPr lang="es-MX" dirty="0" err="1"/>
+              <a:t>Peliculas</a:t>
+            </a:r>
+            <a:r>
+              <a:rPr lang="es-MX" dirty="0"/>
+              <a:t>: = </a:t>
+            </a:r>
+            <a:r>
+              <a:rPr lang="el-GR" dirty="0"/>
+              <a:t>π</a:t>
+            </a:r>
+            <a:r>
+              <a:rPr lang="es-MX" baseline="-25000" dirty="0"/>
+              <a:t>[</a:t>
+            </a:r>
+            <a:r>
+              <a:rPr lang="es-MX" baseline="-25000" dirty="0" err="1"/>
+              <a:t>NombrePelicula</a:t>
+            </a:r>
+            <a:r>
+              <a:rPr lang="es-MX" baseline="-25000" dirty="0"/>
+              <a:t>]</a:t>
+            </a:r>
+            <a:r>
+              <a:rPr lang="es-MX" dirty="0"/>
+              <a:t>(</a:t>
+            </a:r>
+            <a:r>
+              <a:rPr lang="el-GR" dirty="0"/>
+              <a:t>σ</a:t>
+            </a:r>
+            <a:r>
+              <a:rPr lang="es-MX" baseline="-25000" dirty="0"/>
+              <a:t>Boletos&gt;10,000</a:t>
+            </a:r>
+            <a:r>
+              <a:rPr lang="es-MX" dirty="0"/>
+              <a:t>(Ganancias))</a:t>
+            </a:r>
+          </a:p>
+          <a:p>
+            <a:pPr lvl="1"/>
+            <a:endParaRPr lang="es-MX" dirty="0"/>
+          </a:p>
+        </p:txBody>
+      </p:sp>
+      <p:sp>
+        <p:nvSpPr>
+          <p:cNvPr id="4" name="Marcador de número de diapositiva 3"/>
+          <p:cNvSpPr>
+            <a:spLocks noGrp="1"/>
+          </p:cNvSpPr>
+          <p:nvPr>
+            <p:ph type="sldNum" idx="12"/>
+          </p:nvPr>
+        </p:nvSpPr>
+        <p:spPr/>
+        <p:txBody>
+          <a:bodyPr/>
+          <a:lstStyle/>
+          <a:p>
+            <a:pPr marL="0" lvl="0" indent="0">
+              <a:spcBef>
+                <a:spcPts val="0"/>
+              </a:spcBef>
+              <a:spcAft>
+                <a:spcPts val="0"/>
+              </a:spcAft>
+              <a:buNone/>
+            </a:pPr>
+            <a:fld id="{00000000-1234-1234-1234-123412341234}" type="slidenum">
+              <a:rPr lang="es-MX" smtClean="0"/>
+              <a:t>43</a:t>
+            </a:fld>
+            <a:endParaRPr lang="es-MX"/>
+          </a:p>
+        </p:txBody>
+      </p:sp>
+      <mc:AlternateContent xmlns:mc="http://schemas.openxmlformats.org/markup-compatibility/2006">
+        <mc:Choice xmlns:p14="http://schemas.microsoft.com/office/powerpoint/2010/main" Requires="p14">
+          <p:contentPart p14:bwMode="auto" r:id="rId2">
+            <p14:nvContentPartPr>
+              <p14:cNvPr id="5" name="Ink 4">
+                <a:extLst>
+                  <a:ext uri="{FF2B5EF4-FFF2-40B4-BE49-F238E27FC236}">
+                    <a16:creationId xmlns:a16="http://schemas.microsoft.com/office/drawing/2014/main" id="{19040E34-7678-4AFF-BE20-FE75D2866D0F}"/>
+                  </a:ext>
+                </a:extLst>
+              </p14:cNvPr>
+              <p14:cNvContentPartPr/>
+              <p14:nvPr/>
+            </p14:nvContentPartPr>
+            <p14:xfrm>
+              <a:off x="1918800" y="3330000"/>
+              <a:ext cx="4708440" cy="714960"/>
+            </p14:xfrm>
+          </p:contentPart>
+        </mc:Choice>
+        <mc:Fallback>
+          <p:pic>
+            <p:nvPicPr>
+              <p:cNvPr id="5" name="Ink 4">
+                <a:extLst>
+                  <a:ext uri="{FF2B5EF4-FFF2-40B4-BE49-F238E27FC236}">
+                    <a16:creationId xmlns:a16="http://schemas.microsoft.com/office/drawing/2014/main" id="{19040E34-7678-4AFF-BE20-FE75D2866D0F}"/>
+                  </a:ext>
+                </a:extLst>
+              </p:cNvPr>
+              <p:cNvPicPr/>
+              <p:nvPr/>
+            </p:nvPicPr>
+            <p:blipFill>
+              <a:blip r:embed="rId3"/>
+              <a:stretch>
+                <a:fillRect/>
+              </a:stretch>
+            </p:blipFill>
+            <p:spPr>
+              <a:xfrm>
+                <a:off x="1909440" y="3320640"/>
+                <a:ext cx="4727160" cy="733680"/>
+              </a:xfrm>
+              <a:prstGeom prst="rect">
+                <a:avLst/>
+              </a:prstGeom>
+            </p:spPr>
+          </p:pic>
+        </mc:Fallback>
+      </mc:AlternateContent>
+    </p:spTree>
+    <p:extLst>
+      <p:ext uri="{BB962C8B-B14F-4D97-AF65-F5344CB8AC3E}">
+        <p14:creationId xmlns:p14="http://schemas.microsoft.com/office/powerpoint/2010/main" val="2502795851"/>
+      </p:ext>
+    </p:extLst>
+  </p:cSld>
+  <p:clrMapOvr>
+    <a:masterClrMapping/>
+  </p:clrMapOvr>
+</p:sld>
+</file>
+
+<file path=ppt/slides/slide44.xml><?xml version="1.0" encoding="utf-8"?>
+<p:sld xmlns:a="http://schemas.openxmlformats.org/drawingml/2006/main" xmlns:r="http://schemas.openxmlformats.org/officeDocument/2006/relationships" xmlns:p="http://schemas.openxmlformats.org/presentationml/2006/main">
+  <p:cSld>
+    <p:spTree>
+      <p:nvGrpSpPr>
+        <p:cNvPr id="1" name=""/>
+        <p:cNvGrpSpPr/>
+        <p:nvPr/>
+      </p:nvGrpSpPr>
+      <p:grpSpPr>
+        <a:xfrm>
+          <a:off x="0" y="0"/>
+          <a:ext cx="0" cy="0"/>
+          <a:chOff x="0" y="0"/>
+          <a:chExt cx="0" cy="0"/>
+        </a:xfrm>
+      </p:grpSpPr>
+      <p:sp>
+        <p:nvSpPr>
+          <p:cNvPr id="2" name="Título 1"/>
+          <p:cNvSpPr>
+            <a:spLocks noGrp="1"/>
+          </p:cNvSpPr>
+          <p:nvPr>
+            <p:ph type="title"/>
+          </p:nvPr>
+        </p:nvSpPr>
+        <p:spPr/>
+        <p:txBody>
+          <a:bodyPr/>
+          <a:lstStyle/>
+          <a:p>
+            <a:r>
+              <a:rPr lang="es-MX" dirty="0"/>
+              <a:t>Operaciones</a:t>
+            </a:r>
+          </a:p>
+        </p:txBody>
+      </p:sp>
+      <p:sp>
+        <p:nvSpPr>
+          <p:cNvPr id="3" name="Marcador de texto 2"/>
+          <p:cNvSpPr>
+            <a:spLocks noGrp="1"/>
+          </p:cNvSpPr>
+          <p:nvPr>
+            <p:ph type="body" idx="1"/>
+          </p:nvPr>
+        </p:nvSpPr>
+        <p:spPr/>
+        <p:txBody>
+          <a:bodyPr/>
+          <a:lstStyle/>
+          <a:p>
+            <a:r>
+              <a:rPr lang="es-MX" dirty="0"/>
+              <a:t>¿Qué pregunta esta contestando?</a:t>
+            </a:r>
+          </a:p>
+          <a:p>
+            <a:pPr lvl="1"/>
+            <a:r>
+              <a:rPr lang="es-MX" dirty="0" err="1"/>
+              <a:t>Peliculas</a:t>
+            </a:r>
+            <a:r>
+              <a:rPr lang="es-MX" dirty="0"/>
+              <a:t>: = </a:t>
+            </a:r>
+            <a:r>
+              <a:rPr lang="el-GR" dirty="0"/>
+              <a:t>π</a:t>
+            </a:r>
+            <a:r>
+              <a:rPr lang="es-MX" baseline="-25000" dirty="0"/>
+              <a:t>[</a:t>
+            </a:r>
+            <a:r>
+              <a:rPr lang="es-MX" baseline="-25000" dirty="0" err="1"/>
+              <a:t>NombrePelicula</a:t>
+            </a:r>
+            <a:r>
+              <a:rPr lang="es-MX" baseline="-25000" dirty="0"/>
+              <a:t>]</a:t>
+            </a:r>
+            <a:r>
+              <a:rPr lang="es-MX" dirty="0"/>
+              <a:t>(</a:t>
+            </a:r>
+            <a:r>
+              <a:rPr lang="el-GR" dirty="0"/>
+              <a:t>σ</a:t>
+            </a:r>
+            <a:r>
+              <a:rPr lang="es-MX" baseline="-25000" dirty="0"/>
+              <a:t>Boletos&gt;10,000</a:t>
+            </a:r>
+            <a:r>
+              <a:rPr lang="es-MX" dirty="0"/>
+              <a:t>(Ganancias))</a:t>
+            </a:r>
+          </a:p>
+          <a:p>
+            <a:pPr lvl="1"/>
+            <a:r>
+              <a:rPr lang="es-MX" dirty="0"/>
+              <a:t>Que películas vendieron más de 10,000 boletos.</a:t>
+            </a:r>
+          </a:p>
+        </p:txBody>
+      </p:sp>
+      <p:sp>
+        <p:nvSpPr>
+          <p:cNvPr id="4" name="Marcador de número de diapositiva 3"/>
+          <p:cNvSpPr>
+            <a:spLocks noGrp="1"/>
+          </p:cNvSpPr>
+          <p:nvPr>
+            <p:ph type="sldNum" idx="12"/>
+          </p:nvPr>
+        </p:nvSpPr>
+        <p:spPr/>
+        <p:txBody>
+          <a:bodyPr/>
+          <a:lstStyle/>
+          <a:p>
+            <a:pPr marL="0" lvl="0" indent="0">
+              <a:spcBef>
+                <a:spcPts val="0"/>
+              </a:spcBef>
+              <a:spcAft>
+                <a:spcPts val="0"/>
+              </a:spcAft>
+              <a:buNone/>
+            </a:pPr>
+            <a:fld id="{00000000-1234-1234-1234-123412341234}" type="slidenum">
+              <a:rPr lang="es-MX" smtClean="0"/>
+              <a:t>44</a:t>
+            </a:fld>
+            <a:endParaRPr lang="es-MX"/>
+          </a:p>
+        </p:txBody>
+      </p:sp>
+      <mc:AlternateContent xmlns:mc="http://schemas.openxmlformats.org/markup-compatibility/2006">
+        <mc:Choice xmlns:p14="http://schemas.microsoft.com/office/powerpoint/2010/main" Requires="p14">
+          <p:contentPart p14:bwMode="auto" r:id="rId2">
+            <p14:nvContentPartPr>
+              <p14:cNvPr id="5" name="Ink 4">
+                <a:extLst>
+                  <a:ext uri="{FF2B5EF4-FFF2-40B4-BE49-F238E27FC236}">
+                    <a16:creationId xmlns:a16="http://schemas.microsoft.com/office/drawing/2014/main" id="{86A971BB-722C-45FF-9B52-29373428C001}"/>
+                  </a:ext>
+                </a:extLst>
+              </p14:cNvPr>
+              <p14:cNvContentPartPr/>
+              <p14:nvPr/>
+            </p14:nvContentPartPr>
+            <p14:xfrm>
+              <a:off x="1779840" y="2412360"/>
+              <a:ext cx="4449960" cy="690120"/>
+            </p14:xfrm>
+          </p:contentPart>
+        </mc:Choice>
+        <mc:Fallback>
+          <p:pic>
+            <p:nvPicPr>
+              <p:cNvPr id="5" name="Ink 4">
+                <a:extLst>
+                  <a:ext uri="{FF2B5EF4-FFF2-40B4-BE49-F238E27FC236}">
+                    <a16:creationId xmlns:a16="http://schemas.microsoft.com/office/drawing/2014/main" id="{86A971BB-722C-45FF-9B52-29373428C001}"/>
+                  </a:ext>
+                </a:extLst>
+              </p:cNvPr>
+              <p:cNvPicPr/>
+              <p:nvPr/>
+            </p:nvPicPr>
+            <p:blipFill>
+              <a:blip r:embed="rId3"/>
+              <a:stretch>
+                <a:fillRect/>
+              </a:stretch>
+            </p:blipFill>
+            <p:spPr>
+              <a:xfrm>
+                <a:off x="1770480" y="2403000"/>
+                <a:ext cx="4468680" cy="708840"/>
+              </a:xfrm>
+              <a:prstGeom prst="rect">
+                <a:avLst/>
+              </a:prstGeom>
+            </p:spPr>
+          </p:pic>
+        </mc:Fallback>
+      </mc:AlternateContent>
+    </p:spTree>
+    <p:extLst>
+      <p:ext uri="{BB962C8B-B14F-4D97-AF65-F5344CB8AC3E}">
+        <p14:creationId xmlns:p14="http://schemas.microsoft.com/office/powerpoint/2010/main" val="658665533"/>
+      </p:ext>
+    </p:extLst>
+  </p:cSld>
+  <p:clrMapOvr>
+    <a:masterClrMapping/>
+  </p:clrMapOvr>
+</p:sld>
+</file>
+
+<file path=ppt/slides/slide45.xml><?xml version="1.0" encoding="utf-8"?>
+<p:sld xmlns:a="http://schemas.openxmlformats.org/drawingml/2006/main" xmlns:r="http://schemas.openxmlformats.org/officeDocument/2006/relationships" xmlns:p="http://schemas.openxmlformats.org/presentationml/2006/main">
+  <p:cSld>
+    <p:spTree>
+      <p:nvGrpSpPr>
+        <p:cNvPr id="1" name=""/>
+        <p:cNvGrpSpPr/>
+        <p:nvPr/>
+      </p:nvGrpSpPr>
+      <p:grpSpPr>
+        <a:xfrm>
+          <a:off x="0" y="0"/>
+          <a:ext cx="0" cy="0"/>
+          <a:chOff x="0" y="0"/>
+          <a:chExt cx="0" cy="0"/>
+        </a:xfrm>
+      </p:grpSpPr>
+      <p:sp>
+        <p:nvSpPr>
           <p:cNvPr id="5" name="Título 4"/>
           <p:cNvSpPr>
             <a:spLocks noGrp="1"/>
@@ -17258,7 +22500,7 @@
             </a:pPr>
             <a:fld id="{00000000-1234-1234-1234-123412341234}" type="slidenum">
               <a:rPr lang="es-MX" smtClean="0"/>
-              <a:t>33</a:t>
+              <a:t>45</a:t>
             </a:fld>
             <a:endParaRPr lang="es-MX"/>
           </a:p>
@@ -17318,130 +22560,6 @@
 </p:sld>
 </file>
 
-<file path=ppt/slides/slide4.xml><?xml version="1.0" encoding="utf-8"?>
-<p:sld xmlns:a="http://schemas.openxmlformats.org/drawingml/2006/main" xmlns:r="http://schemas.openxmlformats.org/officeDocument/2006/relationships" xmlns:p="http://schemas.openxmlformats.org/presentationml/2006/main">
-  <p:cSld>
-    <p:spTree>
-      <p:nvGrpSpPr>
-        <p:cNvPr id="1" name=""/>
-        <p:cNvGrpSpPr/>
-        <p:nvPr/>
-      </p:nvGrpSpPr>
-      <p:grpSpPr>
-        <a:xfrm>
-          <a:off x="0" y="0"/>
-          <a:ext cx="0" cy="0"/>
-          <a:chOff x="0" y="0"/>
-          <a:chExt cx="0" cy="0"/>
-        </a:xfrm>
-      </p:grpSpPr>
-      <p:sp>
-        <p:nvSpPr>
-          <p:cNvPr id="2" name="Título 1"/>
-          <p:cNvSpPr>
-            <a:spLocks noGrp="1"/>
-          </p:cNvSpPr>
-          <p:nvPr>
-            <p:ph type="title"/>
-          </p:nvPr>
-        </p:nvSpPr>
-        <p:spPr/>
-        <p:txBody>
-          <a:bodyPr/>
-          <a:lstStyle/>
-          <a:p>
-            <a:r>
-              <a:rPr lang="es-MX" dirty="0"/>
-              <a:t>Álgebra</a:t>
-            </a:r>
-          </a:p>
-        </p:txBody>
-      </p:sp>
-      <p:sp>
-        <p:nvSpPr>
-          <p:cNvPr id="3" name="Marcador de texto 2"/>
-          <p:cNvSpPr>
-            <a:spLocks noGrp="1"/>
-          </p:cNvSpPr>
-          <p:nvPr>
-            <p:ph type="body" idx="1"/>
-          </p:nvPr>
-        </p:nvSpPr>
-        <p:spPr/>
-        <p:txBody>
-          <a:bodyPr/>
-          <a:lstStyle/>
-          <a:p>
-            <a:r>
-              <a:rPr lang="es-MX" dirty="0"/>
-              <a:t>Sistema matemático que consiste de:</a:t>
-            </a:r>
-          </a:p>
-          <a:p>
-            <a:pPr lvl="1"/>
-            <a:r>
-              <a:rPr lang="es-MX" dirty="0" err="1"/>
-              <a:t>Operandos</a:t>
-            </a:r>
-            <a:r>
-              <a:rPr lang="es-MX" dirty="0"/>
-              <a:t>: Valores de los cuales se pueden construir nuevos valores</a:t>
-            </a:r>
-          </a:p>
-          <a:p>
-            <a:pPr lvl="1"/>
-            <a:r>
-              <a:rPr lang="es-MX" dirty="0"/>
-              <a:t>Operadores: Símbolos que denotan procedimientos para construir los nuevos valores.</a:t>
-            </a:r>
-          </a:p>
-        </p:txBody>
-      </p:sp>
-      <p:sp>
-        <p:nvSpPr>
-          <p:cNvPr id="4" name="Marcador de número de diapositiva 3"/>
-          <p:cNvSpPr>
-            <a:spLocks noGrp="1"/>
-          </p:cNvSpPr>
-          <p:nvPr>
-            <p:ph type="sldNum" idx="12"/>
-          </p:nvPr>
-        </p:nvSpPr>
-        <p:spPr/>
-        <p:txBody>
-          <a:bodyPr/>
-          <a:lstStyle/>
-          <a:p>
-            <a:pPr marL="0" lvl="0" indent="0">
-              <a:spcBef>
-                <a:spcPts val="0"/>
-              </a:spcBef>
-              <a:spcAft>
-                <a:spcPts val="0"/>
-              </a:spcAft>
-              <a:buNone/>
-            </a:pPr>
-            <a:fld id="{00000000-1234-1234-1234-123412341234}" type="slidenum">
-              <a:rPr lang="es-MX" smtClean="0"/>
-              <a:t>4</a:t>
-            </a:fld>
-            <a:endParaRPr lang="es-MX"/>
-          </a:p>
-        </p:txBody>
-      </p:sp>
-    </p:spTree>
-    <p:extLst>
-      <p:ext uri="{BB962C8B-B14F-4D97-AF65-F5344CB8AC3E}">
-        <p14:creationId xmlns:p14="http://schemas.microsoft.com/office/powerpoint/2010/main" val="674446648"/>
-      </p:ext>
-    </p:extLst>
-  </p:cSld>
-  <p:clrMapOvr>
-    <a:masterClrMapping/>
-  </p:clrMapOvr>
-</p:sld>
-</file>
-
 <file path=ppt/slides/slide5.xml><?xml version="1.0" encoding="utf-8"?>
 <p:sld xmlns:a="http://schemas.openxmlformats.org/drawingml/2006/main" xmlns:r="http://schemas.openxmlformats.org/officeDocument/2006/relationships" xmlns:p="http://schemas.openxmlformats.org/presentationml/2006/main">
   <p:cSld>
@@ -17535,8 +22653,8 @@
           </a:p>
         </p:txBody>
       </p:sp>
-      <mc:AlternateContent xmlns:mc="http://schemas.openxmlformats.org/markup-compatibility/2006">
-        <mc:Choice xmlns:p14="http://schemas.microsoft.com/office/powerpoint/2010/main" Requires="p14">
+      <mc:AlternateContent xmlns:mc="http://schemas.openxmlformats.org/markup-compatibility/2006" xmlns:p14="http://schemas.microsoft.com/office/powerpoint/2010/main">
+        <mc:Choice Requires="p14">
           <p:contentPart p14:bwMode="auto" r:id="rId2">
             <p14:nvContentPartPr>
               <p14:cNvPr id="5" name="Ink 4">
@@ -17555,7 +22673,7 @@
             </p14:xfrm>
           </p:contentPart>
         </mc:Choice>
-        <mc:Fallback>
+        <mc:Fallback xmlns="">
           <p:pic>
             <p:nvPicPr>
               <p:cNvPr id="5" name="Ink 4">
